--- a/Ecom_Eda.pptx
+++ b/Ecom_Eda.pptx
@@ -73,13 +73,13 @@
         </a:solidFill>
         <a:effectLst/>
         <a:uFillTx/>
-        <a:latin typeface="Candara"/>
-        <a:ea typeface="Candara"/>
-        <a:cs typeface="Candara"/>
-        <a:sym typeface="Candara"/>
+        <a:latin typeface="+mn-lt"/>
+        <a:ea typeface="+mn-ea"/>
+        <a:cs typeface="+mn-cs"/>
+        <a:sym typeface="Calibri"/>
       </a:defRPr>
     </a:lvl1pPr>
-    <a:lvl2pPr marL="0" marR="0" indent="457200" algn="l" defTabSz="914400" rtl="0" fontAlgn="auto" latinLnBrk="0" hangingPunct="0">
+    <a:lvl2pPr marL="0" marR="0" indent="0" algn="l" defTabSz="914400" rtl="0" fontAlgn="auto" latinLnBrk="0" hangingPunct="0">
       <a:lnSpc>
         <a:spcPct val="100000"/>
       </a:lnSpc>
@@ -103,13 +103,13 @@
         </a:solidFill>
         <a:effectLst/>
         <a:uFillTx/>
-        <a:latin typeface="Candara"/>
-        <a:ea typeface="Candara"/>
-        <a:cs typeface="Candara"/>
-        <a:sym typeface="Candara"/>
+        <a:latin typeface="+mn-lt"/>
+        <a:ea typeface="+mn-ea"/>
+        <a:cs typeface="+mn-cs"/>
+        <a:sym typeface="Calibri"/>
       </a:defRPr>
     </a:lvl2pPr>
-    <a:lvl3pPr marL="0" marR="0" indent="914400" algn="l" defTabSz="914400" rtl="0" fontAlgn="auto" latinLnBrk="0" hangingPunct="0">
+    <a:lvl3pPr marL="0" marR="0" indent="0" algn="l" defTabSz="914400" rtl="0" fontAlgn="auto" latinLnBrk="0" hangingPunct="0">
       <a:lnSpc>
         <a:spcPct val="100000"/>
       </a:lnSpc>
@@ -133,13 +133,13 @@
         </a:solidFill>
         <a:effectLst/>
         <a:uFillTx/>
-        <a:latin typeface="Candara"/>
-        <a:ea typeface="Candara"/>
-        <a:cs typeface="Candara"/>
-        <a:sym typeface="Candara"/>
+        <a:latin typeface="+mn-lt"/>
+        <a:ea typeface="+mn-ea"/>
+        <a:cs typeface="+mn-cs"/>
+        <a:sym typeface="Calibri"/>
       </a:defRPr>
     </a:lvl3pPr>
-    <a:lvl4pPr marL="0" marR="0" indent="1371600" algn="l" defTabSz="914400" rtl="0" fontAlgn="auto" latinLnBrk="0" hangingPunct="0">
+    <a:lvl4pPr marL="0" marR="0" indent="0" algn="l" defTabSz="914400" rtl="0" fontAlgn="auto" latinLnBrk="0" hangingPunct="0">
       <a:lnSpc>
         <a:spcPct val="100000"/>
       </a:lnSpc>
@@ -163,13 +163,13 @@
         </a:solidFill>
         <a:effectLst/>
         <a:uFillTx/>
-        <a:latin typeface="Candara"/>
-        <a:ea typeface="Candara"/>
-        <a:cs typeface="Candara"/>
-        <a:sym typeface="Candara"/>
+        <a:latin typeface="+mn-lt"/>
+        <a:ea typeface="+mn-ea"/>
+        <a:cs typeface="+mn-cs"/>
+        <a:sym typeface="Calibri"/>
       </a:defRPr>
     </a:lvl4pPr>
-    <a:lvl5pPr marL="0" marR="0" indent="1828800" algn="l" defTabSz="914400" rtl="0" fontAlgn="auto" latinLnBrk="0" hangingPunct="0">
+    <a:lvl5pPr marL="0" marR="0" indent="0" algn="l" defTabSz="914400" rtl="0" fontAlgn="auto" latinLnBrk="0" hangingPunct="0">
       <a:lnSpc>
         <a:spcPct val="100000"/>
       </a:lnSpc>
@@ -193,13 +193,13 @@
         </a:solidFill>
         <a:effectLst/>
         <a:uFillTx/>
-        <a:latin typeface="Candara"/>
-        <a:ea typeface="Candara"/>
-        <a:cs typeface="Candara"/>
-        <a:sym typeface="Candara"/>
+        <a:latin typeface="+mn-lt"/>
+        <a:ea typeface="+mn-ea"/>
+        <a:cs typeface="+mn-cs"/>
+        <a:sym typeface="Calibri"/>
       </a:defRPr>
     </a:lvl5pPr>
-    <a:lvl6pPr marL="0" marR="0" indent="2286000" algn="l" defTabSz="914400" rtl="0" fontAlgn="auto" latinLnBrk="0" hangingPunct="0">
+    <a:lvl6pPr marL="0" marR="0" indent="0" algn="l" defTabSz="914400" rtl="0" fontAlgn="auto" latinLnBrk="0" hangingPunct="0">
       <a:lnSpc>
         <a:spcPct val="100000"/>
       </a:lnSpc>
@@ -223,13 +223,13 @@
         </a:solidFill>
         <a:effectLst/>
         <a:uFillTx/>
-        <a:latin typeface="Candara"/>
-        <a:ea typeface="Candara"/>
-        <a:cs typeface="Candara"/>
-        <a:sym typeface="Candara"/>
+        <a:latin typeface="+mn-lt"/>
+        <a:ea typeface="+mn-ea"/>
+        <a:cs typeface="+mn-cs"/>
+        <a:sym typeface="Calibri"/>
       </a:defRPr>
     </a:lvl6pPr>
-    <a:lvl7pPr marL="0" marR="0" indent="2743200" algn="l" defTabSz="914400" rtl="0" fontAlgn="auto" latinLnBrk="0" hangingPunct="0">
+    <a:lvl7pPr marL="0" marR="0" indent="0" algn="l" defTabSz="914400" rtl="0" fontAlgn="auto" latinLnBrk="0" hangingPunct="0">
       <a:lnSpc>
         <a:spcPct val="100000"/>
       </a:lnSpc>
@@ -253,13 +253,13 @@
         </a:solidFill>
         <a:effectLst/>
         <a:uFillTx/>
-        <a:latin typeface="Candara"/>
-        <a:ea typeface="Candara"/>
-        <a:cs typeface="Candara"/>
-        <a:sym typeface="Candara"/>
+        <a:latin typeface="+mn-lt"/>
+        <a:ea typeface="+mn-ea"/>
+        <a:cs typeface="+mn-cs"/>
+        <a:sym typeface="Calibri"/>
       </a:defRPr>
     </a:lvl7pPr>
-    <a:lvl8pPr marL="0" marR="0" indent="3200400" algn="l" defTabSz="914400" rtl="0" fontAlgn="auto" latinLnBrk="0" hangingPunct="0">
+    <a:lvl8pPr marL="0" marR="0" indent="0" algn="l" defTabSz="914400" rtl="0" fontAlgn="auto" latinLnBrk="0" hangingPunct="0">
       <a:lnSpc>
         <a:spcPct val="100000"/>
       </a:lnSpc>
@@ -283,13 +283,13 @@
         </a:solidFill>
         <a:effectLst/>
         <a:uFillTx/>
-        <a:latin typeface="Candara"/>
-        <a:ea typeface="Candara"/>
-        <a:cs typeface="Candara"/>
-        <a:sym typeface="Candara"/>
+        <a:latin typeface="+mn-lt"/>
+        <a:ea typeface="+mn-ea"/>
+        <a:cs typeface="+mn-cs"/>
+        <a:sym typeface="Calibri"/>
       </a:defRPr>
     </a:lvl8pPr>
-    <a:lvl9pPr marL="0" marR="0" indent="3657600" algn="l" defTabSz="914400" rtl="0" fontAlgn="auto" latinLnBrk="0" hangingPunct="0">
+    <a:lvl9pPr marL="0" marR="0" indent="0" algn="l" defTabSz="914400" rtl="0" fontAlgn="auto" latinLnBrk="0" hangingPunct="0">
       <a:lnSpc>
         <a:spcPct val="100000"/>
       </a:lnSpc>
@@ -313,10 +313,10 @@
         </a:solidFill>
         <a:effectLst/>
         <a:uFillTx/>
-        <a:latin typeface="Candara"/>
-        <a:ea typeface="Candara"/>
-        <a:cs typeface="Candara"/>
-        <a:sym typeface="Candara"/>
+        <a:latin typeface="+mn-lt"/>
+        <a:ea typeface="+mn-ea"/>
+        <a:cs typeface="+mn-cs"/>
+        <a:sym typeface="Calibri"/>
       </a:defRPr>
     </a:lvl9pPr>
   </p:defaultTextStyle>
@@ -502,7 +502,7 @@
         <p:spPr>
           <a:xfrm>
             <a:off x="3200400" y="2811053"/>
-            <a:ext cx="8991600" cy="1261296"/>
+            <a:ext cx="8991600" cy="1261297"/>
           </a:xfrm>
           <a:prstGeom prst="rect">
             <a:avLst/>
@@ -537,7 +537,7 @@
         <p:spPr>
           <a:xfrm>
             <a:off x="3200400" y="4061038"/>
-            <a:ext cx="6580189" cy="580922"/>
+            <a:ext cx="6580190" cy="580923"/>
           </a:xfrm>
           <a:prstGeom prst="rect">
             <a:avLst/>
@@ -553,6 +553,7 @@
           <a:lstStyle>
             <a:lvl1pPr marL="266700" indent="-266700" algn="ctr">
               <a:buSzTx/>
+              <a:buFontTx/>
               <a:buNone/>
               <a:defRPr>
                 <a:solidFill>
@@ -561,6 +562,7 @@
               </a:defRPr>
             </a:lvl1pPr>
             <a:lvl2pPr algn="ctr">
+              <a:buFontTx/>
               <a:buChar char="•"/>
               <a:defRPr>
                 <a:solidFill>
@@ -569,6 +571,7 @@
               </a:defRPr>
             </a:lvl2pPr>
             <a:lvl3pPr algn="ctr">
+              <a:buFontTx/>
               <a:defRPr>
                 <a:solidFill>
                   <a:srgbClr val="FFFFFF"/>
@@ -576,6 +579,7 @@
               </a:defRPr>
             </a:lvl3pPr>
             <a:lvl4pPr algn="ctr">
+              <a:buFontTx/>
               <a:defRPr>
                 <a:solidFill>
                   <a:srgbClr val="FFFFFF"/>
@@ -583,6 +587,7 @@
               </a:defRPr>
             </a:lvl4pPr>
             <a:lvl5pPr algn="ctr">
+              <a:buFontTx/>
               <a:defRPr>
                 <a:solidFill>
                   <a:srgbClr val="FFFFFF"/>
@@ -630,8 +635,8 @@
         </p:nvSpPr>
         <p:spPr>
           <a:xfrm>
-            <a:off x="9780103" y="6803350"/>
-            <a:ext cx="1979898" cy="54651"/>
+            <a:off x="9780103" y="6803349"/>
+            <a:ext cx="1979899" cy="54652"/>
           </a:xfrm>
           <a:prstGeom prst="rect">
             <a:avLst/>
@@ -644,7 +649,7 @@
           </a:ln>
         </p:spPr>
         <p:txBody>
-          <a:bodyPr lIns="45719" rIns="45719" anchor="ctr"/>
+          <a:bodyPr lIns="45718" tIns="45718" rIns="45718" bIns="45718" anchor="ctr"/>
           <a:lstStyle/>
           <a:p>
             <a:pPr algn="ctr">
@@ -652,6 +657,10 @@
                 <a:solidFill>
                   <a:srgbClr val="FFFFFF"/>
                 </a:solidFill>
+                <a:latin typeface="Candara"/>
+                <a:ea typeface="Candara"/>
+                <a:cs typeface="Candara"/>
+                <a:sym typeface="Candara"/>
               </a:defRPr>
             </a:pPr>
           </a:p>
@@ -665,8 +674,8 @@
         </p:nvSpPr>
         <p:spPr>
           <a:xfrm>
-            <a:off x="0" y="6803350"/>
-            <a:ext cx="9780104" cy="54651"/>
+            <a:off x="0" y="6803349"/>
+            <a:ext cx="9780104" cy="54652"/>
           </a:xfrm>
           <a:prstGeom prst="rect">
             <a:avLst/>
@@ -679,7 +688,7 @@
           </a:ln>
         </p:spPr>
         <p:txBody>
-          <a:bodyPr lIns="45719" rIns="45719" anchor="ctr"/>
+          <a:bodyPr lIns="45718" tIns="45718" rIns="45718" bIns="45718" anchor="ctr"/>
           <a:lstStyle/>
           <a:p>
             <a:pPr algn="ctr">
@@ -687,6 +696,10 @@
                 <a:solidFill>
                   <a:srgbClr val="FFFFFF"/>
                 </a:solidFill>
+                <a:latin typeface="Candara"/>
+                <a:ea typeface="Candara"/>
+                <a:cs typeface="Candara"/>
+                <a:sym typeface="Candara"/>
               </a:defRPr>
             </a:pPr>
           </a:p>
@@ -700,8 +713,8 @@
         </p:nvSpPr>
         <p:spPr>
           <a:xfrm>
-            <a:off x="11760000" y="6803350"/>
-            <a:ext cx="432001" cy="54651"/>
+            <a:off x="11760000" y="6803349"/>
+            <a:ext cx="432002" cy="54652"/>
           </a:xfrm>
           <a:prstGeom prst="rect">
             <a:avLst/>
@@ -714,7 +727,7 @@
           </a:ln>
         </p:spPr>
         <p:txBody>
-          <a:bodyPr lIns="45719" rIns="45719" anchor="ctr"/>
+          <a:bodyPr lIns="45718" tIns="45718" rIns="45718" bIns="45718" anchor="ctr"/>
           <a:lstStyle/>
           <a:p>
             <a:pPr algn="ctr">
@@ -722,6 +735,10 @@
                 <a:solidFill>
                   <a:srgbClr val="FFFFFF"/>
                 </a:solidFill>
+                <a:latin typeface="Candara"/>
+                <a:ea typeface="Candara"/>
+                <a:cs typeface="Candara"/>
+                <a:sym typeface="Candara"/>
               </a:defRPr>
             </a:pPr>
           </a:p>
@@ -736,7 +753,7 @@
         <p:spPr>
           <a:xfrm>
             <a:off x="9780588" y="2698612"/>
-            <a:ext cx="2411413" cy="114825"/>
+            <a:ext cx="2411414" cy="114826"/>
           </a:xfrm>
           <a:prstGeom prst="rect">
             <a:avLst/>
@@ -749,7 +766,7 @@
           </a:ln>
         </p:spPr>
         <p:txBody>
-          <a:bodyPr lIns="45719" rIns="45719" anchor="ctr"/>
+          <a:bodyPr lIns="45718" tIns="45718" rIns="45718" bIns="45718" anchor="ctr"/>
           <a:lstStyle/>
           <a:p>
             <a:pPr algn="ctr">
@@ -757,6 +774,10 @@
                 <a:solidFill>
                   <a:srgbClr val="FFFFFF"/>
                 </a:solidFill>
+                <a:latin typeface="Candara"/>
+                <a:ea typeface="Candara"/>
+                <a:cs typeface="Candara"/>
+                <a:sym typeface="Candara"/>
               </a:defRPr>
             </a:pPr>
           </a:p>
@@ -830,8 +851,8 @@
         </p:nvSpPr>
         <p:spPr>
           <a:xfrm>
-            <a:off x="8737600" y="6172200"/>
-            <a:ext cx="2844800" cy="368301"/>
+            <a:off x="8737600" y="6277918"/>
+            <a:ext cx="2844800" cy="156865"/>
           </a:xfrm>
           <a:prstGeom prst="rect">
             <a:avLst/>
@@ -883,7 +904,7 @@
         <p:spPr>
           <a:xfrm>
             <a:off x="431999" y="431999"/>
-            <a:ext cx="11340002" cy="432001"/>
+            <a:ext cx="11340002" cy="432002"/>
           </a:xfrm>
           <a:prstGeom prst="rect">
             <a:avLst/>
@@ -910,8 +931,8 @@
         </p:nvSpPr>
         <p:spPr>
           <a:xfrm>
-            <a:off x="431999" y="1511999"/>
-            <a:ext cx="5472002" cy="4680001"/>
+            <a:off x="431999" y="1511998"/>
+            <a:ext cx="5472003" cy="4680003"/>
           </a:xfrm>
           <a:prstGeom prst="rect">
             <a:avLst/>
@@ -980,8 +1001,8 @@
         </p:nvSpPr>
         <p:spPr>
           <a:xfrm>
-            <a:off x="6299887" y="1511250"/>
-            <a:ext cx="5472114" cy="4680001"/>
+            <a:off x="6299887" y="1511249"/>
+            <a:ext cx="5472115" cy="4680003"/>
           </a:xfrm>
           <a:prstGeom prst="rect">
             <a:avLst/>
@@ -991,10 +1012,7 @@
           <a:bodyPr/>
           <a:lstStyle/>
           <a:p>
-            <a:pPr marL="266700" indent="-266700">
-              <a:buFont typeface="Arial"/>
-              <a:buChar char="•"/>
-            </a:pPr>
+            <a:pPr/>
           </a:p>
         </p:txBody>
       </p:sp>
@@ -1057,7 +1075,7 @@
         <p:spPr>
           <a:xfrm>
             <a:off x="431999" y="431999"/>
-            <a:ext cx="11340002" cy="432001"/>
+            <a:ext cx="11340002" cy="432002"/>
           </a:xfrm>
           <a:prstGeom prst="rect">
             <a:avLst/>
@@ -1084,8 +1102,8 @@
         </p:nvSpPr>
         <p:spPr>
           <a:xfrm>
-            <a:off x="431999" y="1511999"/>
-            <a:ext cx="3600002" cy="4679251"/>
+            <a:off x="431999" y="1511998"/>
+            <a:ext cx="3600002" cy="4679252"/>
           </a:xfrm>
           <a:prstGeom prst="rect">
             <a:avLst/>
@@ -1154,8 +1172,8 @@
         </p:nvSpPr>
         <p:spPr>
           <a:xfrm>
-            <a:off x="4301549" y="1511476"/>
-            <a:ext cx="3600451" cy="4679249"/>
+            <a:off x="4301548" y="1511476"/>
+            <a:ext cx="3600453" cy="4679249"/>
           </a:xfrm>
           <a:prstGeom prst="rect">
             <a:avLst/>
@@ -1165,10 +1183,7 @@
           <a:bodyPr/>
           <a:lstStyle/>
           <a:p>
-            <a:pPr marL="266700" indent="-266700">
-              <a:buFont typeface="Arial"/>
-              <a:buChar char="•"/>
-            </a:pPr>
+            <a:pPr/>
           </a:p>
         </p:txBody>
       </p:sp>
@@ -1182,8 +1197,8 @@
         </p:nvSpPr>
         <p:spPr>
           <a:xfrm>
-            <a:off x="8171550" y="1511474"/>
-            <a:ext cx="3600451" cy="4679252"/>
+            <a:off x="8171549" y="1511474"/>
+            <a:ext cx="3600453" cy="4679253"/>
           </a:xfrm>
           <a:prstGeom prst="rect">
             <a:avLst/>
@@ -1193,10 +1208,7 @@
           <a:bodyPr/>
           <a:lstStyle/>
           <a:p>
-            <a:pPr marL="266700" indent="-266700">
-              <a:buFont typeface="Arial"/>
-              <a:buChar char="•"/>
-            </a:pPr>
+            <a:pPr/>
           </a:p>
         </p:txBody>
       </p:sp>
@@ -1259,7 +1271,7 @@
         <p:spPr>
           <a:xfrm>
             <a:off x="431999" y="431999"/>
-            <a:ext cx="11340002" cy="432001"/>
+            <a:ext cx="11340002" cy="432002"/>
           </a:xfrm>
           <a:prstGeom prst="rect">
             <a:avLst/>
@@ -1286,8 +1298,8 @@
         </p:nvSpPr>
         <p:spPr>
           <a:xfrm>
-            <a:off x="431999" y="1511999"/>
-            <a:ext cx="2160001" cy="4679251"/>
+            <a:off x="431999" y="1511998"/>
+            <a:ext cx="2160001" cy="4679252"/>
           </a:xfrm>
           <a:prstGeom prst="rect">
             <a:avLst/>
@@ -1357,7 +1369,7 @@
         <p:spPr>
           <a:xfrm>
             <a:off x="2726412" y="1511999"/>
-            <a:ext cx="2160589" cy="4679251"/>
+            <a:ext cx="2160590" cy="4679251"/>
           </a:xfrm>
           <a:prstGeom prst="rect">
             <a:avLst/>
@@ -1367,10 +1379,7 @@
           <a:bodyPr/>
           <a:lstStyle/>
           <a:p>
-            <a:pPr marL="266700" indent="-266700">
-              <a:buFont typeface="Arial"/>
-              <a:buChar char="•"/>
-            </a:pPr>
+            <a:pPr/>
           </a:p>
         </p:txBody>
       </p:sp>
@@ -1385,7 +1394,7 @@
         <p:spPr>
           <a:xfrm>
             <a:off x="5021412" y="1511999"/>
-            <a:ext cx="2160589" cy="4679251"/>
+            <a:ext cx="2160590" cy="4679251"/>
           </a:xfrm>
           <a:prstGeom prst="rect">
             <a:avLst/>
@@ -1395,10 +1404,7 @@
           <a:bodyPr/>
           <a:lstStyle/>
           <a:p>
-            <a:pPr marL="266700" indent="-266700">
-              <a:buFont typeface="Arial"/>
-              <a:buChar char="•"/>
-            </a:pPr>
+            <a:pPr/>
           </a:p>
         </p:txBody>
       </p:sp>
@@ -1413,7 +1419,7 @@
         <p:spPr>
           <a:xfrm>
             <a:off x="7316412" y="1507534"/>
-            <a:ext cx="2160589" cy="4679252"/>
+            <a:ext cx="2160590" cy="4679253"/>
           </a:xfrm>
           <a:prstGeom prst="rect">
             <a:avLst/>
@@ -1423,10 +1429,7 @@
           <a:bodyPr/>
           <a:lstStyle/>
           <a:p>
-            <a:pPr marL="266700" indent="-266700">
-              <a:buFont typeface="Arial"/>
-              <a:buChar char="•"/>
-            </a:pPr>
+            <a:pPr/>
           </a:p>
         </p:txBody>
       </p:sp>
@@ -1440,8 +1443,8 @@
         </p:nvSpPr>
         <p:spPr>
           <a:xfrm>
-            <a:off x="9611411" y="1507535"/>
-            <a:ext cx="2160589" cy="4683715"/>
+            <a:off x="9611410" y="1507535"/>
+            <a:ext cx="2160591" cy="4683715"/>
           </a:xfrm>
           <a:prstGeom prst="rect">
             <a:avLst/>
@@ -1451,10 +1454,7 @@
           <a:bodyPr/>
           <a:lstStyle/>
           <a:p>
-            <a:pPr marL="266700" indent="-266700">
-              <a:buFont typeface="Arial"/>
-              <a:buChar char="•"/>
-            </a:pPr>
+            <a:pPr/>
           </a:p>
         </p:txBody>
       </p:sp>
@@ -1524,7 +1524,7 @@
         <p:spPr>
           <a:xfrm>
             <a:off x="3200400" y="2811053"/>
-            <a:ext cx="8991600" cy="1261296"/>
+            <a:ext cx="8991600" cy="1261297"/>
           </a:xfrm>
           <a:prstGeom prst="rect">
             <a:avLst/>
@@ -1559,7 +1559,7 @@
         <p:spPr>
           <a:xfrm>
             <a:off x="3200400" y="4061038"/>
-            <a:ext cx="6580189" cy="580922"/>
+            <a:ext cx="6580190" cy="580923"/>
           </a:xfrm>
           <a:prstGeom prst="rect">
             <a:avLst/>
@@ -1575,6 +1575,7 @@
           <a:lstStyle>
             <a:lvl1pPr marL="266700" indent="-266700" algn="ctr">
               <a:buSzTx/>
+              <a:buFontTx/>
               <a:buNone/>
               <a:defRPr>
                 <a:solidFill>
@@ -1583,6 +1584,7 @@
               </a:defRPr>
             </a:lvl1pPr>
             <a:lvl2pPr algn="ctr">
+              <a:buFontTx/>
               <a:buChar char="•"/>
               <a:defRPr>
                 <a:solidFill>
@@ -1591,6 +1593,7 @@
               </a:defRPr>
             </a:lvl2pPr>
             <a:lvl3pPr algn="ctr">
+              <a:buFontTx/>
               <a:defRPr>
                 <a:solidFill>
                   <a:srgbClr val="FFFFFF"/>
@@ -1598,6 +1601,7 @@
               </a:defRPr>
             </a:lvl3pPr>
             <a:lvl4pPr algn="ctr">
+              <a:buFontTx/>
               <a:defRPr>
                 <a:solidFill>
                   <a:srgbClr val="FFFFFF"/>
@@ -1605,6 +1609,7 @@
               </a:defRPr>
             </a:lvl4pPr>
             <a:lvl5pPr algn="ctr">
+              <a:buFontTx/>
               <a:defRPr>
                 <a:solidFill>
                   <a:srgbClr val="FFFFFF"/>
@@ -1652,8 +1657,8 @@
         </p:nvSpPr>
         <p:spPr>
           <a:xfrm>
-            <a:off x="9780103" y="6803350"/>
-            <a:ext cx="1979898" cy="54651"/>
+            <a:off x="9780103" y="6803349"/>
+            <a:ext cx="1979899" cy="54652"/>
           </a:xfrm>
           <a:prstGeom prst="rect">
             <a:avLst/>
@@ -1666,7 +1671,7 @@
           </a:ln>
         </p:spPr>
         <p:txBody>
-          <a:bodyPr lIns="45719" rIns="45719" anchor="ctr"/>
+          <a:bodyPr lIns="45718" tIns="45718" rIns="45718" bIns="45718" anchor="ctr"/>
           <a:lstStyle/>
           <a:p>
             <a:pPr algn="ctr">
@@ -1674,6 +1679,10 @@
                 <a:solidFill>
                   <a:srgbClr val="FFFFFF"/>
                 </a:solidFill>
+                <a:latin typeface="Candara"/>
+                <a:ea typeface="Candara"/>
+                <a:cs typeface="Candara"/>
+                <a:sym typeface="Candara"/>
               </a:defRPr>
             </a:pPr>
           </a:p>
@@ -1687,8 +1696,8 @@
         </p:nvSpPr>
         <p:spPr>
           <a:xfrm>
-            <a:off x="0" y="6803350"/>
-            <a:ext cx="9780104" cy="54651"/>
+            <a:off x="0" y="6803349"/>
+            <a:ext cx="9780104" cy="54652"/>
           </a:xfrm>
           <a:prstGeom prst="rect">
             <a:avLst/>
@@ -1701,7 +1710,7 @@
           </a:ln>
         </p:spPr>
         <p:txBody>
-          <a:bodyPr lIns="45719" rIns="45719" anchor="ctr"/>
+          <a:bodyPr lIns="45718" tIns="45718" rIns="45718" bIns="45718" anchor="ctr"/>
           <a:lstStyle/>
           <a:p>
             <a:pPr algn="ctr">
@@ -1709,6 +1718,10 @@
                 <a:solidFill>
                   <a:srgbClr val="FFFFFF"/>
                 </a:solidFill>
+                <a:latin typeface="Candara"/>
+                <a:ea typeface="Candara"/>
+                <a:cs typeface="Candara"/>
+                <a:sym typeface="Candara"/>
               </a:defRPr>
             </a:pPr>
           </a:p>
@@ -1722,8 +1735,8 @@
         </p:nvSpPr>
         <p:spPr>
           <a:xfrm>
-            <a:off x="11760000" y="6803350"/>
-            <a:ext cx="432001" cy="54651"/>
+            <a:off x="11760000" y="6803349"/>
+            <a:ext cx="432002" cy="54652"/>
           </a:xfrm>
           <a:prstGeom prst="rect">
             <a:avLst/>
@@ -1736,7 +1749,7 @@
           </a:ln>
         </p:spPr>
         <p:txBody>
-          <a:bodyPr lIns="45719" rIns="45719" anchor="ctr"/>
+          <a:bodyPr lIns="45718" tIns="45718" rIns="45718" bIns="45718" anchor="ctr"/>
           <a:lstStyle/>
           <a:p>
             <a:pPr algn="ctr">
@@ -1744,6 +1757,10 @@
                 <a:solidFill>
                   <a:srgbClr val="FFFFFF"/>
                 </a:solidFill>
+                <a:latin typeface="Candara"/>
+                <a:ea typeface="Candara"/>
+                <a:cs typeface="Candara"/>
+                <a:sym typeface="Candara"/>
               </a:defRPr>
             </a:pPr>
           </a:p>
@@ -1758,7 +1775,7 @@
         <p:spPr>
           <a:xfrm>
             <a:off x="9780588" y="2698612"/>
-            <a:ext cx="2411413" cy="114825"/>
+            <a:ext cx="2411414" cy="114826"/>
           </a:xfrm>
           <a:prstGeom prst="rect">
             <a:avLst/>
@@ -1771,7 +1788,7 @@
           </a:ln>
         </p:spPr>
         <p:txBody>
-          <a:bodyPr lIns="45719" rIns="45719" anchor="ctr"/>
+          <a:bodyPr lIns="45718" tIns="45718" rIns="45718" bIns="45718" anchor="ctr"/>
           <a:lstStyle/>
           <a:p>
             <a:pPr algn="ctr">
@@ -1779,6 +1796,10 @@
                 <a:solidFill>
                   <a:srgbClr val="FFFFFF"/>
                 </a:solidFill>
+                <a:latin typeface="Candara"/>
+                <a:ea typeface="Candara"/>
+                <a:cs typeface="Candara"/>
+                <a:sym typeface="Candara"/>
               </a:defRPr>
             </a:pPr>
           </a:p>
@@ -1794,8 +1815,8 @@
         </p:nvSpPr>
         <p:spPr>
           <a:xfrm>
-            <a:off x="8737600" y="6172200"/>
-            <a:ext cx="2844800" cy="368301"/>
+            <a:off x="8737600" y="6277918"/>
+            <a:ext cx="2844800" cy="156865"/>
           </a:xfrm>
           <a:prstGeom prst="rect">
             <a:avLst/>
@@ -1853,8 +1874,8 @@
         </p:nvSpPr>
         <p:spPr>
           <a:xfrm>
-            <a:off x="-1700" y="2156225"/>
-            <a:ext cx="5958000" cy="1958401"/>
+            <a:off x="-1700" y="2156224"/>
+            <a:ext cx="5958000" cy="1958402"/>
           </a:xfrm>
           <a:prstGeom prst="rect">
             <a:avLst/>
@@ -1892,7 +1913,7 @@
         <p:spPr>
           <a:xfrm>
             <a:off x="0" y="5209682"/>
-            <a:ext cx="2411412" cy="114825"/>
+            <a:ext cx="2411412" cy="114826"/>
           </a:xfrm>
           <a:prstGeom prst="rect">
             <a:avLst/>
@@ -1905,7 +1926,7 @@
           </a:ln>
         </p:spPr>
         <p:txBody>
-          <a:bodyPr lIns="45719" rIns="45719" anchor="ctr"/>
+          <a:bodyPr lIns="45718" tIns="45718" rIns="45718" bIns="45718" anchor="ctr"/>
           <a:lstStyle/>
           <a:p>
             <a:pPr>
@@ -1913,6 +1934,10 @@
                 <a:solidFill>
                   <a:srgbClr val="FFFFFF"/>
                 </a:solidFill>
+                <a:latin typeface="Candara"/>
+                <a:ea typeface="Candara"/>
+                <a:cs typeface="Candara"/>
+                <a:sym typeface="Candara"/>
               </a:defRPr>
             </a:pPr>
           </a:p>
@@ -1926,8 +1951,8 @@
         </p:nvSpPr>
         <p:spPr>
           <a:xfrm>
-            <a:off x="9780103" y="6803350"/>
-            <a:ext cx="1979898" cy="54651"/>
+            <a:off x="9780103" y="6803349"/>
+            <a:ext cx="1979899" cy="54652"/>
           </a:xfrm>
           <a:prstGeom prst="rect">
             <a:avLst/>
@@ -1940,7 +1965,7 @@
           </a:ln>
         </p:spPr>
         <p:txBody>
-          <a:bodyPr lIns="45719" rIns="45719" anchor="ctr"/>
+          <a:bodyPr lIns="45718" tIns="45718" rIns="45718" bIns="45718" anchor="ctr"/>
           <a:lstStyle/>
           <a:p>
             <a:pPr algn="ctr">
@@ -1948,6 +1973,10 @@
                 <a:solidFill>
                   <a:srgbClr val="FFFFFF"/>
                 </a:solidFill>
+                <a:latin typeface="Candara"/>
+                <a:ea typeface="Candara"/>
+                <a:cs typeface="Candara"/>
+                <a:sym typeface="Candara"/>
               </a:defRPr>
             </a:pPr>
           </a:p>
@@ -1961,8 +1990,8 @@
         </p:nvSpPr>
         <p:spPr>
           <a:xfrm>
-            <a:off x="0" y="6803350"/>
-            <a:ext cx="9780104" cy="54651"/>
+            <a:off x="0" y="6803349"/>
+            <a:ext cx="9780104" cy="54652"/>
           </a:xfrm>
           <a:prstGeom prst="rect">
             <a:avLst/>
@@ -1975,7 +2004,7 @@
           </a:ln>
         </p:spPr>
         <p:txBody>
-          <a:bodyPr lIns="45719" rIns="45719" anchor="ctr"/>
+          <a:bodyPr lIns="45718" tIns="45718" rIns="45718" bIns="45718" anchor="ctr"/>
           <a:lstStyle/>
           <a:p>
             <a:pPr algn="ctr">
@@ -1983,6 +2012,10 @@
                 <a:solidFill>
                   <a:srgbClr val="FFFFFF"/>
                 </a:solidFill>
+                <a:latin typeface="Candara"/>
+                <a:ea typeface="Candara"/>
+                <a:cs typeface="Candara"/>
+                <a:sym typeface="Candara"/>
               </a:defRPr>
             </a:pPr>
           </a:p>
@@ -1996,8 +2029,8 @@
         </p:nvSpPr>
         <p:spPr>
           <a:xfrm>
-            <a:off x="11760000" y="6803350"/>
-            <a:ext cx="432001" cy="54651"/>
+            <a:off x="11760000" y="6803349"/>
+            <a:ext cx="432002" cy="54652"/>
           </a:xfrm>
           <a:prstGeom prst="rect">
             <a:avLst/>
@@ -2010,7 +2043,7 @@
           </a:ln>
         </p:spPr>
         <p:txBody>
-          <a:bodyPr lIns="45719" rIns="45719" anchor="ctr"/>
+          <a:bodyPr lIns="45718" tIns="45718" rIns="45718" bIns="45718" anchor="ctr"/>
           <a:lstStyle/>
           <a:p>
             <a:pPr algn="ctr">
@@ -2018,6 +2051,10 @@
                 <a:solidFill>
                   <a:srgbClr val="FFFFFF"/>
                 </a:solidFill>
+                <a:latin typeface="Candara"/>
+                <a:ea typeface="Candara"/>
+                <a:cs typeface="Candara"/>
+                <a:sym typeface="Candara"/>
               </a:defRPr>
             </a:pPr>
           </a:p>
@@ -2025,29 +2062,7 @@
       </p:sp>
       <p:sp>
         <p:nvSpPr>
-          <p:cNvPr id="184" name="Slide Number"/>
-          <p:cNvSpPr txBox="1"/>
-          <p:nvPr>
-            <p:ph type="sldNum" sz="quarter" idx="2"/>
-          </p:nvPr>
-        </p:nvSpPr>
-        <p:spPr>
-          <a:prstGeom prst="rect">
-            <a:avLst/>
-          </a:prstGeom>
-        </p:spPr>
-        <p:txBody>
-          <a:bodyPr/>
-          <a:lstStyle/>
-          <a:p>
-            <a:pPr/>
-            <a:fld id="{86CB4B4D-7CA3-9044-876B-883B54F8677D}" type="slidenum"/>
-          </a:p>
-        </p:txBody>
-      </p:sp>
-      <p:sp>
-        <p:nvSpPr>
-          <p:cNvPr id="185" name="Body Level One…"/>
+          <p:cNvPr id="184" name="Body Level One…"/>
           <p:cNvSpPr txBox="1"/>
           <p:nvPr>
             <p:ph type="body" sz="quarter" idx="1"/>
@@ -2056,7 +2071,7 @@
         <p:spPr>
           <a:xfrm>
             <a:off x="0" y="4114627"/>
-            <a:ext cx="5956300" cy="1095057"/>
+            <a:ext cx="5956300" cy="1095058"/>
           </a:xfrm>
           <a:prstGeom prst="rect">
             <a:avLst/>
@@ -2072,6 +2087,7 @@
           <a:lstStyle>
             <a:lvl1pPr marL="266700" indent="-266700">
               <a:buSzTx/>
+              <a:buFontTx/>
               <a:buNone/>
               <a:defRPr>
                 <a:solidFill>
@@ -2080,6 +2096,7 @@
               </a:defRPr>
             </a:lvl1pPr>
             <a:lvl2pPr>
+              <a:buFontTx/>
               <a:buChar char="•"/>
               <a:defRPr>
                 <a:solidFill>
@@ -2088,6 +2105,7 @@
               </a:defRPr>
             </a:lvl2pPr>
             <a:lvl3pPr>
+              <a:buFontTx/>
               <a:defRPr>
                 <a:solidFill>
                   <a:srgbClr val="FFFFFF"/>
@@ -2095,6 +2113,7 @@
               </a:defRPr>
             </a:lvl3pPr>
             <a:lvl4pPr>
+              <a:buFontTx/>
               <a:defRPr>
                 <a:solidFill>
                   <a:srgbClr val="FFFFFF"/>
@@ -2102,6 +2121,7 @@
               </a:defRPr>
             </a:lvl4pPr>
             <a:lvl5pPr>
+              <a:buFontTx/>
               <a:defRPr>
                 <a:solidFill>
                   <a:srgbClr val="FFFFFF"/>
@@ -2138,6 +2158,28 @@
             <a:r>
               <a:t>Body Level Five</a:t>
             </a:r>
+          </a:p>
+        </p:txBody>
+      </p:sp>
+      <p:sp>
+        <p:nvSpPr>
+          <p:cNvPr id="185" name="Slide Number"/>
+          <p:cNvSpPr txBox="1"/>
+          <p:nvPr>
+            <p:ph type="sldNum" sz="quarter" idx="2"/>
+          </p:nvPr>
+        </p:nvSpPr>
+        <p:spPr>
+          <a:prstGeom prst="rect">
+            <a:avLst/>
+          </a:prstGeom>
+        </p:spPr>
+        <p:txBody>
+          <a:bodyPr/>
+          <a:lstStyle/>
+          <a:p>
+            <a:pPr/>
+            <a:fld id="{86CB4B4D-7CA3-9044-876B-883B54F8677D}" type="slidenum"/>
           </a:p>
         </p:txBody>
       </p:sp>
@@ -2202,7 +2244,7 @@
         <p:spPr>
           <a:xfrm>
             <a:off x="431999" y="1008000"/>
-            <a:ext cx="11328002" cy="5183250"/>
+            <a:ext cx="11328003" cy="5183250"/>
           </a:xfrm>
           <a:prstGeom prst="rect">
             <a:avLst/>
@@ -2320,7 +2362,7 @@
         <p:spPr>
           <a:xfrm>
             <a:off x="431999" y="431999"/>
-            <a:ext cx="11340002" cy="432001"/>
+            <a:ext cx="11340002" cy="432002"/>
           </a:xfrm>
           <a:prstGeom prst="rect">
             <a:avLst/>
@@ -2339,29 +2381,7 @@
       </p:sp>
       <p:sp>
         <p:nvSpPr>
-          <p:cNvPr id="202" name="Slide Number"/>
-          <p:cNvSpPr txBox="1"/>
-          <p:nvPr>
-            <p:ph type="sldNum" sz="quarter" idx="2"/>
-          </p:nvPr>
-        </p:nvSpPr>
-        <p:spPr>
-          <a:prstGeom prst="rect">
-            <a:avLst/>
-          </a:prstGeom>
-        </p:spPr>
-        <p:txBody>
-          <a:bodyPr/>
-          <a:lstStyle/>
-          <a:p>
-            <a:pPr/>
-            <a:fld id="{86CB4B4D-7CA3-9044-876B-883B54F8677D}" type="slidenum"/>
-          </a:p>
-        </p:txBody>
-      </p:sp>
-      <p:sp>
-        <p:nvSpPr>
-          <p:cNvPr id="203" name="Body Level One…"/>
+          <p:cNvPr id="202" name="Body Level One…"/>
           <p:cNvSpPr txBox="1"/>
           <p:nvPr>
             <p:ph type="body" sz="half" idx="1"/>
@@ -2369,8 +2389,8 @@
         </p:nvSpPr>
         <p:spPr>
           <a:xfrm>
-            <a:off x="6311886" y="1007249"/>
-            <a:ext cx="5460115" cy="5169715"/>
+            <a:off x="6311886" y="1007248"/>
+            <a:ext cx="5460116" cy="5169717"/>
           </a:xfrm>
           <a:prstGeom prst="rect">
             <a:avLst/>
@@ -2426,6 +2446,28 @@
             <a:r>
               <a:t>Body Level Five</a:t>
             </a:r>
+          </a:p>
+        </p:txBody>
+      </p:sp>
+      <p:sp>
+        <p:nvSpPr>
+          <p:cNvPr id="203" name="Slide Number"/>
+          <p:cNvSpPr txBox="1"/>
+          <p:nvPr>
+            <p:ph type="sldNum" sz="quarter" idx="2"/>
+          </p:nvPr>
+        </p:nvSpPr>
+        <p:spPr>
+          <a:prstGeom prst="rect">
+            <a:avLst/>
+          </a:prstGeom>
+        </p:spPr>
+        <p:txBody>
+          <a:bodyPr/>
+          <a:lstStyle/>
+          <a:p>
+            <a:pPr/>
+            <a:fld id="{86CB4B4D-7CA3-9044-876B-883B54F8677D}" type="slidenum"/>
           </a:p>
         </p:txBody>
       </p:sp>
@@ -2466,7 +2508,7 @@
         <p:spPr>
           <a:xfrm>
             <a:off x="431999" y="431999"/>
-            <a:ext cx="11340002" cy="432001"/>
+            <a:ext cx="11340002" cy="432002"/>
           </a:xfrm>
           <a:prstGeom prst="rect">
             <a:avLst/>
@@ -2485,36 +2527,14 @@
       </p:sp>
       <p:sp>
         <p:nvSpPr>
-          <p:cNvPr id="211" name="Slide Number"/>
-          <p:cNvSpPr txBox="1"/>
-          <p:nvPr>
-            <p:ph type="sldNum" sz="quarter" idx="2"/>
-          </p:nvPr>
-        </p:nvSpPr>
-        <p:spPr>
-          <a:prstGeom prst="rect">
-            <a:avLst/>
-          </a:prstGeom>
-        </p:spPr>
-        <p:txBody>
-          <a:bodyPr/>
-          <a:lstStyle/>
-          <a:p>
-            <a:pPr/>
-            <a:fld id="{86CB4B4D-7CA3-9044-876B-883B54F8677D}" type="slidenum"/>
-          </a:p>
-        </p:txBody>
-      </p:sp>
-      <p:sp>
-        <p:nvSpPr>
-          <p:cNvPr id="212" name="Rectangle 10"/>
+          <p:cNvPr id="211" name="Rectangle 10"/>
           <p:cNvSpPr/>
           <p:nvPr/>
         </p:nvSpPr>
         <p:spPr>
           <a:xfrm>
             <a:off x="431799" y="1016230"/>
-            <a:ext cx="1984177" cy="114825"/>
+            <a:ext cx="1984177" cy="114826"/>
           </a:xfrm>
           <a:prstGeom prst="rect">
             <a:avLst/>
@@ -2527,7 +2547,7 @@
           </a:ln>
         </p:spPr>
         <p:txBody>
-          <a:bodyPr lIns="45719" rIns="45719" anchor="ctr"/>
+          <a:bodyPr lIns="45718" tIns="45718" rIns="45718" bIns="45718" anchor="ctr"/>
           <a:lstStyle/>
           <a:p>
             <a:pPr>
@@ -2535,6 +2555,10 @@
                 <a:solidFill>
                   <a:srgbClr val="FFFFFF"/>
                 </a:solidFill>
+                <a:latin typeface="Candara"/>
+                <a:ea typeface="Candara"/>
+                <a:cs typeface="Candara"/>
+                <a:sym typeface="Candara"/>
               </a:defRPr>
             </a:pPr>
           </a:p>
@@ -2542,14 +2566,14 @@
       </p:sp>
       <p:sp>
         <p:nvSpPr>
-          <p:cNvPr id="213" name="Rectangle 11"/>
+          <p:cNvPr id="212" name="Rectangle 11"/>
           <p:cNvSpPr/>
           <p:nvPr/>
         </p:nvSpPr>
         <p:spPr>
           <a:xfrm>
             <a:off x="6299887" y="1016230"/>
-            <a:ext cx="1984176" cy="114825"/>
+            <a:ext cx="1984177" cy="114826"/>
           </a:xfrm>
           <a:prstGeom prst="rect">
             <a:avLst/>
@@ -2562,7 +2586,7 @@
           </a:ln>
         </p:spPr>
         <p:txBody>
-          <a:bodyPr lIns="45719" rIns="45719" anchor="ctr"/>
+          <a:bodyPr lIns="45718" tIns="45718" rIns="45718" bIns="45718" anchor="ctr"/>
           <a:lstStyle/>
           <a:p>
             <a:pPr>
@@ -2570,6 +2594,10 @@
                 <a:solidFill>
                   <a:srgbClr val="FFFFFF"/>
                 </a:solidFill>
+                <a:latin typeface="Candara"/>
+                <a:ea typeface="Candara"/>
+                <a:cs typeface="Candara"/>
+                <a:sym typeface="Candara"/>
               </a:defRPr>
             </a:pPr>
           </a:p>
@@ -2577,7 +2605,7 @@
       </p:sp>
       <p:sp>
         <p:nvSpPr>
-          <p:cNvPr id="214" name="Body Level One…"/>
+          <p:cNvPr id="213" name="Body Level One…"/>
           <p:cNvSpPr txBox="1"/>
           <p:nvPr>
             <p:ph type="body" sz="quarter" idx="1"/>
@@ -2586,7 +2614,7 @@
         <p:spPr>
           <a:xfrm>
             <a:off x="431800" y="1224127"/>
-            <a:ext cx="5448116" cy="358776"/>
+            <a:ext cx="5448116" cy="358777"/>
           </a:xfrm>
           <a:prstGeom prst="rect">
             <a:avLst/>
@@ -2597,26 +2625,31 @@
           <a:lstStyle>
             <a:lvl1pPr marL="0" indent="0">
               <a:buSzTx/>
+              <a:buFontTx/>
               <a:buNone/>
               <a:defRPr b="1" sz="2400"/>
             </a:lvl1pPr>
-            <a:lvl2pPr marL="0" indent="457200">
+            <a:lvl2pPr marL="0" indent="0">
               <a:buSzTx/>
+              <a:buFontTx/>
               <a:buNone/>
               <a:defRPr b="1" sz="2400"/>
             </a:lvl2pPr>
-            <a:lvl3pPr marL="0" indent="914400">
+            <a:lvl3pPr marL="0" indent="0">
               <a:buSzTx/>
+              <a:buFontTx/>
               <a:buNone/>
               <a:defRPr b="1" sz="2400"/>
             </a:lvl3pPr>
-            <a:lvl4pPr marL="0" indent="1371600">
+            <a:lvl4pPr marL="0" indent="0">
               <a:buSzTx/>
+              <a:buFontTx/>
               <a:buNone/>
               <a:defRPr b="1" sz="2400"/>
             </a:lvl4pPr>
-            <a:lvl5pPr marL="0" indent="1828800">
+            <a:lvl5pPr marL="0" indent="0">
               <a:buSzTx/>
+              <a:buFontTx/>
               <a:buNone/>
               <a:defRPr b="1" sz="2400"/>
             </a:lvl5pPr>
@@ -2655,7 +2688,7 @@
       </p:sp>
       <p:sp>
         <p:nvSpPr>
-          <p:cNvPr id="215" name="Text Placeholder 4"/>
+          <p:cNvPr id="214" name="Text Placeholder 4"/>
           <p:cNvSpPr/>
           <p:nvPr>
             <p:ph type="body" sz="quarter" idx="21"/>
@@ -2663,8 +2696,8 @@
         </p:nvSpPr>
         <p:spPr>
           <a:xfrm>
-            <a:off x="6312086" y="1224127"/>
-            <a:ext cx="5447915" cy="358776"/>
+            <a:off x="6312085" y="1224127"/>
+            <a:ext cx="5447917" cy="358777"/>
           </a:xfrm>
           <a:prstGeom prst="rect">
             <a:avLst/>
@@ -2674,11 +2707,29 @@
           <a:bodyPr anchor="b"/>
           <a:lstStyle/>
           <a:p>
-            <a:pPr marL="0" indent="0">
-              <a:buSzTx/>
-              <a:buNone/>
-              <a:defRPr b="1" sz="2400"/>
-            </a:pPr>
+            <a:pPr/>
+          </a:p>
+        </p:txBody>
+      </p:sp>
+      <p:sp>
+        <p:nvSpPr>
+          <p:cNvPr id="215" name="Slide Number"/>
+          <p:cNvSpPr txBox="1"/>
+          <p:nvPr>
+            <p:ph type="sldNum" sz="quarter" idx="2"/>
+          </p:nvPr>
+        </p:nvSpPr>
+        <p:spPr>
+          <a:prstGeom prst="rect">
+            <a:avLst/>
+          </a:prstGeom>
+        </p:spPr>
+        <p:txBody>
+          <a:bodyPr/>
+          <a:lstStyle/>
+          <a:p>
+            <a:pPr/>
+            <a:fld id="{86CB4B4D-7CA3-9044-876B-883B54F8677D}" type="slidenum"/>
           </a:p>
         </p:txBody>
       </p:sp>
@@ -2719,7 +2770,7 @@
         <p:spPr>
           <a:xfrm>
             <a:off x="431999" y="431999"/>
-            <a:ext cx="3932039" cy="1411277"/>
+            <a:ext cx="3932040" cy="1411278"/>
           </a:xfrm>
           <a:prstGeom prst="rect">
             <a:avLst/>
@@ -2738,36 +2789,14 @@
       </p:sp>
       <p:sp>
         <p:nvSpPr>
-          <p:cNvPr id="223" name="Slide Number"/>
-          <p:cNvSpPr txBox="1"/>
-          <p:nvPr>
-            <p:ph type="sldNum" sz="quarter" idx="2"/>
-          </p:nvPr>
-        </p:nvSpPr>
-        <p:spPr>
-          <a:prstGeom prst="rect">
-            <a:avLst/>
-          </a:prstGeom>
-        </p:spPr>
-        <p:txBody>
-          <a:bodyPr/>
-          <a:lstStyle/>
-          <a:p>
-            <a:pPr/>
-            <a:fld id="{86CB4B4D-7CA3-9044-876B-883B54F8677D}" type="slidenum"/>
-          </a:p>
-        </p:txBody>
-      </p:sp>
-      <p:sp>
-        <p:nvSpPr>
-          <p:cNvPr id="224" name="Rectangle 10"/>
+          <p:cNvPr id="223" name="Rectangle 10"/>
           <p:cNvSpPr/>
           <p:nvPr/>
         </p:nvSpPr>
         <p:spPr>
           <a:xfrm>
-            <a:off x="431799" y="1892925"/>
-            <a:ext cx="1984177" cy="114825"/>
+            <a:off x="431799" y="1892924"/>
+            <a:ext cx="1984177" cy="114826"/>
           </a:xfrm>
           <a:prstGeom prst="rect">
             <a:avLst/>
@@ -2780,7 +2809,7 @@
           </a:ln>
         </p:spPr>
         <p:txBody>
-          <a:bodyPr lIns="45719" rIns="45719" anchor="ctr"/>
+          <a:bodyPr lIns="45718" tIns="45718" rIns="45718" bIns="45718" anchor="ctr"/>
           <a:lstStyle/>
           <a:p>
             <a:pPr>
@@ -2788,6 +2817,10 @@
                 <a:solidFill>
                   <a:srgbClr val="FFFFFF"/>
                 </a:solidFill>
+                <a:latin typeface="Candara"/>
+                <a:ea typeface="Candara"/>
+                <a:cs typeface="Candara"/>
+                <a:sym typeface="Candara"/>
               </a:defRPr>
             </a:pPr>
           </a:p>
@@ -2795,7 +2828,7 @@
       </p:sp>
       <p:sp>
         <p:nvSpPr>
-          <p:cNvPr id="225" name="Body Level One…"/>
+          <p:cNvPr id="224" name="Body Level One…"/>
           <p:cNvSpPr txBox="1"/>
           <p:nvPr>
             <p:ph type="body" idx="1"/>
@@ -2804,7 +2837,7 @@
         <p:spPr>
           <a:xfrm>
             <a:off x="4788815" y="432001"/>
-            <a:ext cx="6971185" cy="5429051"/>
+            <a:ext cx="6971186" cy="5429052"/>
           </a:xfrm>
           <a:prstGeom prst="rect">
             <a:avLst/>
@@ -2870,7 +2903,7 @@
       </p:sp>
       <p:sp>
         <p:nvSpPr>
-          <p:cNvPr id="226" name="Text Placeholder 3"/>
+          <p:cNvPr id="225" name="Text Placeholder 3"/>
           <p:cNvSpPr/>
           <p:nvPr>
             <p:ph type="body" sz="quarter" idx="21"/>
@@ -2878,8 +2911,8 @@
         </p:nvSpPr>
         <p:spPr>
           <a:xfrm>
-            <a:off x="431999" y="2057400"/>
-            <a:ext cx="3932239" cy="3811588"/>
+            <a:off x="431998" y="2057400"/>
+            <a:ext cx="3932241" cy="3811588"/>
           </a:xfrm>
           <a:prstGeom prst="rect">
             <a:avLst/>
@@ -2889,11 +2922,29 @@
           <a:bodyPr/>
           <a:lstStyle/>
           <a:p>
-            <a:pPr marL="0" indent="0">
-              <a:buSzTx/>
-              <a:buNone/>
-              <a:defRPr sz="1600"/>
-            </a:pPr>
+            <a:pPr/>
+          </a:p>
+        </p:txBody>
+      </p:sp>
+      <p:sp>
+        <p:nvSpPr>
+          <p:cNvPr id="226" name="Slide Number"/>
+          <p:cNvSpPr txBox="1"/>
+          <p:nvPr>
+            <p:ph type="sldNum" sz="quarter" idx="2"/>
+          </p:nvPr>
+        </p:nvSpPr>
+        <p:spPr>
+          <a:prstGeom prst="rect">
+            <a:avLst/>
+          </a:prstGeom>
+        </p:spPr>
+        <p:txBody>
+          <a:bodyPr/>
+          <a:lstStyle/>
+          <a:p>
+            <a:pPr/>
+            <a:fld id="{86CB4B4D-7CA3-9044-876B-883B54F8677D}" type="slidenum"/>
           </a:p>
         </p:txBody>
       </p:sp>
@@ -2934,7 +2985,7 @@
         <p:spPr>
           <a:xfrm>
             <a:off x="431999" y="431999"/>
-            <a:ext cx="3932039" cy="1411277"/>
+            <a:ext cx="3932040" cy="1411278"/>
           </a:xfrm>
           <a:prstGeom prst="rect">
             <a:avLst/>
@@ -2953,36 +3004,14 @@
       </p:sp>
       <p:sp>
         <p:nvSpPr>
-          <p:cNvPr id="234" name="Slide Number"/>
-          <p:cNvSpPr txBox="1"/>
-          <p:nvPr>
-            <p:ph type="sldNum" sz="quarter" idx="2"/>
-          </p:nvPr>
-        </p:nvSpPr>
-        <p:spPr>
-          <a:prstGeom prst="rect">
-            <a:avLst/>
-          </a:prstGeom>
-        </p:spPr>
-        <p:txBody>
-          <a:bodyPr/>
-          <a:lstStyle/>
-          <a:p>
-            <a:pPr/>
-            <a:fld id="{86CB4B4D-7CA3-9044-876B-883B54F8677D}" type="slidenum"/>
-          </a:p>
-        </p:txBody>
-      </p:sp>
-      <p:sp>
-        <p:nvSpPr>
-          <p:cNvPr id="235" name="Rectangle 10"/>
+          <p:cNvPr id="234" name="Rectangle 10"/>
           <p:cNvSpPr/>
           <p:nvPr/>
         </p:nvSpPr>
         <p:spPr>
           <a:xfrm>
-            <a:off x="431799" y="1892925"/>
-            <a:ext cx="1984177" cy="114825"/>
+            <a:off x="431799" y="1892924"/>
+            <a:ext cx="1984177" cy="114826"/>
           </a:xfrm>
           <a:prstGeom prst="rect">
             <a:avLst/>
@@ -2995,7 +3024,7 @@
           </a:ln>
         </p:spPr>
         <p:txBody>
-          <a:bodyPr lIns="45719" rIns="45719" anchor="ctr"/>
+          <a:bodyPr lIns="45718" tIns="45718" rIns="45718" bIns="45718" anchor="ctr"/>
           <a:lstStyle/>
           <a:p>
             <a:pPr>
@@ -3003,6 +3032,10 @@
                 <a:solidFill>
                   <a:srgbClr val="FFFFFF"/>
                 </a:solidFill>
+                <a:latin typeface="Candara"/>
+                <a:ea typeface="Candara"/>
+                <a:cs typeface="Candara"/>
+                <a:sym typeface="Candara"/>
               </a:defRPr>
             </a:pPr>
           </a:p>
@@ -3010,7 +3043,7 @@
       </p:sp>
       <p:sp>
         <p:nvSpPr>
-          <p:cNvPr id="236" name="Body Level One…"/>
+          <p:cNvPr id="235" name="Body Level One…"/>
           <p:cNvSpPr txBox="1"/>
           <p:nvPr>
             <p:ph type="body" sz="quarter" idx="1"/>
@@ -3019,7 +3052,7 @@
         <p:spPr>
           <a:xfrm>
             <a:off x="431999" y="2057400"/>
-            <a:ext cx="3932239" cy="3811588"/>
+            <a:ext cx="3932240" cy="3811588"/>
           </a:xfrm>
           <a:prstGeom prst="rect">
             <a:avLst/>
@@ -3030,26 +3063,31 @@
           <a:lstStyle>
             <a:lvl1pPr marL="0" indent="0">
               <a:buSzTx/>
+              <a:buFontTx/>
               <a:buNone/>
               <a:defRPr sz="1600"/>
             </a:lvl1pPr>
-            <a:lvl2pPr marL="0" indent="457200">
+            <a:lvl2pPr marL="0" indent="0">
               <a:buSzTx/>
+              <a:buFontTx/>
               <a:buNone/>
               <a:defRPr sz="1600"/>
             </a:lvl2pPr>
-            <a:lvl3pPr marL="0" indent="914400">
+            <a:lvl3pPr marL="0" indent="0">
               <a:buSzTx/>
+              <a:buFontTx/>
               <a:buNone/>
               <a:defRPr sz="1600"/>
             </a:lvl3pPr>
-            <a:lvl4pPr marL="0" indent="1371600">
+            <a:lvl4pPr marL="0" indent="0">
               <a:buSzTx/>
+              <a:buFontTx/>
               <a:buNone/>
               <a:defRPr sz="1600"/>
             </a:lvl4pPr>
-            <a:lvl5pPr marL="0" indent="1828800">
+            <a:lvl5pPr marL="0" indent="0">
               <a:buSzTx/>
+              <a:buFontTx/>
               <a:buNone/>
               <a:defRPr sz="1600"/>
             </a:lvl5pPr>
@@ -3088,7 +3126,7 @@
       </p:sp>
       <p:sp>
         <p:nvSpPr>
-          <p:cNvPr id="237" name="Picture Placeholder 2"/>
+          <p:cNvPr id="236" name="Picture Placeholder 2"/>
           <p:cNvSpPr/>
           <p:nvPr>
             <p:ph type="pic" idx="21"/>
@@ -3097,7 +3135,7 @@
         <p:spPr>
           <a:xfrm>
             <a:off x="4788815" y="432001"/>
-            <a:ext cx="6971185" cy="5429051"/>
+            <a:ext cx="6971186" cy="5429052"/>
           </a:xfrm>
           <a:prstGeom prst="rect">
             <a:avLst/>
@@ -3110,6 +3148,28 @@
           <a:lstStyle/>
           <a:p>
             <a:pPr/>
+          </a:p>
+        </p:txBody>
+      </p:sp>
+      <p:sp>
+        <p:nvSpPr>
+          <p:cNvPr id="237" name="Slide Number"/>
+          <p:cNvSpPr txBox="1"/>
+          <p:nvPr>
+            <p:ph type="sldNum" sz="quarter" idx="2"/>
+          </p:nvPr>
+        </p:nvSpPr>
+        <p:spPr>
+          <a:prstGeom prst="rect">
+            <a:avLst/>
+          </a:prstGeom>
+        </p:spPr>
+        <p:txBody>
+          <a:bodyPr/>
+          <a:lstStyle/>
+          <a:p>
+            <a:pPr/>
+            <a:fld id="{86CB4B4D-7CA3-9044-876B-883B54F8677D}" type="slidenum"/>
           </a:p>
         </p:txBody>
       </p:sp>
@@ -3157,7 +3217,7 @@
         <p:spPr>
           <a:xfrm>
             <a:off x="0" y="0"/>
-            <a:ext cx="9780589" cy="6371352"/>
+            <a:ext cx="9780590" cy="6371353"/>
           </a:xfrm>
           <a:prstGeom prst="rect">
             <a:avLst/>
@@ -3219,7 +3279,7 @@
         <p:spPr>
           <a:xfrm>
             <a:off x="6235700" y="4148859"/>
-            <a:ext cx="5956300" cy="1100566"/>
+            <a:ext cx="5956300" cy="1100567"/>
           </a:xfrm>
           <a:prstGeom prst="rect">
             <a:avLst/>
@@ -3235,6 +3295,7 @@
           <a:lstStyle>
             <a:lvl1pPr marL="0" indent="0" algn="r">
               <a:buSzTx/>
+              <a:buFontTx/>
               <a:buNone/>
               <a:defRPr>
                 <a:solidFill>
@@ -3242,8 +3303,9 @@
                 </a:solidFill>
               </a:defRPr>
             </a:lvl1pPr>
-            <a:lvl2pPr marL="0" indent="266700" algn="r">
+            <a:lvl2pPr marL="0" indent="0" algn="r">
               <a:buSzTx/>
+              <a:buFontTx/>
               <a:buNone/>
               <a:defRPr>
                 <a:solidFill>
@@ -3251,8 +3313,9 @@
                 </a:solidFill>
               </a:defRPr>
             </a:lvl2pPr>
-            <a:lvl3pPr marL="0" indent="542925" algn="r">
+            <a:lvl3pPr marL="0" indent="0" algn="r">
               <a:buSzTx/>
+              <a:buFontTx/>
               <a:buNone/>
               <a:defRPr>
                 <a:solidFill>
@@ -3260,8 +3323,9 @@
                 </a:solidFill>
               </a:defRPr>
             </a:lvl3pPr>
-            <a:lvl4pPr marL="0" indent="809625" algn="r">
+            <a:lvl4pPr marL="0" indent="0" algn="r">
               <a:buSzTx/>
+              <a:buFontTx/>
               <a:buNone/>
               <a:defRPr>
                 <a:solidFill>
@@ -3269,8 +3333,9 @@
                 </a:solidFill>
               </a:defRPr>
             </a:lvl4pPr>
-            <a:lvl5pPr marL="0" indent="1076325" algn="r">
+            <a:lvl5pPr marL="0" indent="0" algn="r">
               <a:buSzTx/>
+              <a:buFontTx/>
               <a:buNone/>
               <a:defRPr>
                 <a:solidFill>
@@ -3320,7 +3385,7 @@
         <p:spPr>
           <a:xfrm>
             <a:off x="9780588" y="5247782"/>
-            <a:ext cx="2411413" cy="114825"/>
+            <a:ext cx="2411414" cy="114826"/>
           </a:xfrm>
           <a:prstGeom prst="rect">
             <a:avLst/>
@@ -3333,7 +3398,7 @@
           </a:ln>
         </p:spPr>
         <p:txBody>
-          <a:bodyPr lIns="45719" rIns="45719" anchor="ctr"/>
+          <a:bodyPr lIns="45718" tIns="45718" rIns="45718" bIns="45718" anchor="ctr"/>
           <a:lstStyle/>
           <a:p>
             <a:pPr algn="ctr">
@@ -3341,6 +3406,10 @@
                 <a:solidFill>
                   <a:srgbClr val="FFFFFF"/>
                 </a:solidFill>
+                <a:latin typeface="Candara"/>
+                <a:ea typeface="Candara"/>
+                <a:cs typeface="Candara"/>
+                <a:sym typeface="Candara"/>
               </a:defRPr>
             </a:pPr>
           </a:p>
@@ -3354,8 +3423,8 @@
         </p:nvSpPr>
         <p:spPr>
           <a:xfrm>
-            <a:off x="9780103" y="6803350"/>
-            <a:ext cx="1979898" cy="54651"/>
+            <a:off x="9780103" y="6803349"/>
+            <a:ext cx="1979899" cy="54652"/>
           </a:xfrm>
           <a:prstGeom prst="rect">
             <a:avLst/>
@@ -3368,7 +3437,7 @@
           </a:ln>
         </p:spPr>
         <p:txBody>
-          <a:bodyPr lIns="45719" rIns="45719" anchor="ctr"/>
+          <a:bodyPr lIns="45718" tIns="45718" rIns="45718" bIns="45718" anchor="ctr"/>
           <a:lstStyle/>
           <a:p>
             <a:pPr algn="ctr">
@@ -3376,6 +3445,10 @@
                 <a:solidFill>
                   <a:srgbClr val="FFFFFF"/>
                 </a:solidFill>
+                <a:latin typeface="Candara"/>
+                <a:ea typeface="Candara"/>
+                <a:cs typeface="Candara"/>
+                <a:sym typeface="Candara"/>
               </a:defRPr>
             </a:pPr>
           </a:p>
@@ -3389,8 +3462,8 @@
         </p:nvSpPr>
         <p:spPr>
           <a:xfrm>
-            <a:off x="0" y="6803350"/>
-            <a:ext cx="9780104" cy="54651"/>
+            <a:off x="0" y="6803349"/>
+            <a:ext cx="9780104" cy="54652"/>
           </a:xfrm>
           <a:prstGeom prst="rect">
             <a:avLst/>
@@ -3403,7 +3476,7 @@
           </a:ln>
         </p:spPr>
         <p:txBody>
-          <a:bodyPr lIns="45719" rIns="45719" anchor="ctr"/>
+          <a:bodyPr lIns="45718" tIns="45718" rIns="45718" bIns="45718" anchor="ctr"/>
           <a:lstStyle/>
           <a:p>
             <a:pPr algn="ctr">
@@ -3411,6 +3484,10 @@
                 <a:solidFill>
                   <a:srgbClr val="FFFFFF"/>
                 </a:solidFill>
+                <a:latin typeface="Candara"/>
+                <a:ea typeface="Candara"/>
+                <a:cs typeface="Candara"/>
+                <a:sym typeface="Candara"/>
               </a:defRPr>
             </a:pPr>
           </a:p>
@@ -3424,8 +3501,8 @@
         </p:nvSpPr>
         <p:spPr>
           <a:xfrm>
-            <a:off x="11760000" y="6803350"/>
-            <a:ext cx="432001" cy="54651"/>
+            <a:off x="11760000" y="6803349"/>
+            <a:ext cx="432002" cy="54652"/>
           </a:xfrm>
           <a:prstGeom prst="rect">
             <a:avLst/>
@@ -3438,7 +3515,7 @@
           </a:ln>
         </p:spPr>
         <p:txBody>
-          <a:bodyPr lIns="45719" rIns="45719" anchor="ctr"/>
+          <a:bodyPr lIns="45718" tIns="45718" rIns="45718" bIns="45718" anchor="ctr"/>
           <a:lstStyle/>
           <a:p>
             <a:pPr algn="ctr">
@@ -3446,6 +3523,10 @@
                 <a:solidFill>
                   <a:srgbClr val="FFFFFF"/>
                 </a:solidFill>
+                <a:latin typeface="Candara"/>
+                <a:ea typeface="Candara"/>
+                <a:cs typeface="Candara"/>
+                <a:sym typeface="Candara"/>
               </a:defRPr>
             </a:pPr>
           </a:p>
@@ -3534,7 +3615,7 @@
         <p:spPr>
           <a:xfrm>
             <a:off x="431800" y="1008000"/>
-            <a:ext cx="11339514" cy="360001"/>
+            <a:ext cx="11339515" cy="360001"/>
           </a:xfrm>
           <a:prstGeom prst="rect">
             <a:avLst/>
@@ -3545,22 +3626,27 @@
           <a:lstStyle>
             <a:lvl1pPr marL="0" indent="0">
               <a:buSzTx/>
+              <a:buFontTx/>
               <a:buNone/>
             </a:lvl1pPr>
-            <a:lvl2pPr marL="0" indent="266700">
+            <a:lvl2pPr marL="0" indent="0">
               <a:buSzTx/>
+              <a:buFontTx/>
               <a:buNone/>
             </a:lvl2pPr>
-            <a:lvl3pPr marL="0" indent="542925">
+            <a:lvl3pPr marL="0" indent="0">
               <a:buSzTx/>
+              <a:buFontTx/>
               <a:buNone/>
             </a:lvl3pPr>
-            <a:lvl4pPr marL="0" indent="809625">
+            <a:lvl4pPr marL="0" indent="0">
               <a:buSzTx/>
+              <a:buFontTx/>
               <a:buNone/>
             </a:lvl4pPr>
-            <a:lvl5pPr marL="0" indent="1076325">
+            <a:lvl5pPr marL="0" indent="0">
               <a:buSzTx/>
+              <a:buFontTx/>
               <a:buNone/>
             </a:lvl5pPr>
           </a:lstStyle>
@@ -3646,7 +3732,31 @@
       </p:grpSpPr>
       <p:sp>
         <p:nvSpPr>
-          <p:cNvPr id="253" name="Slide Number"/>
+          <p:cNvPr id="253" name="Title Text"/>
+          <p:cNvSpPr txBox="1"/>
+          <p:nvPr>
+            <p:ph type="title"/>
+          </p:nvPr>
+        </p:nvSpPr>
+        <p:spPr>
+          <a:prstGeom prst="rect">
+            <a:avLst/>
+          </a:prstGeom>
+        </p:spPr>
+        <p:txBody>
+          <a:bodyPr/>
+          <a:lstStyle/>
+          <a:p>
+            <a:pPr/>
+            <a:r>
+              <a:t>Title Text</a:t>
+            </a:r>
+          </a:p>
+        </p:txBody>
+      </p:sp>
+      <p:sp>
+        <p:nvSpPr>
+          <p:cNvPr id="254" name="Slide Number"/>
           <p:cNvSpPr txBox="1"/>
           <p:nvPr>
             <p:ph type="sldNum" sz="quarter" idx="2"/>
@@ -3663,30 +3773,6 @@
           <a:p>
             <a:pPr/>
             <a:fld id="{86CB4B4D-7CA3-9044-876B-883B54F8677D}" type="slidenum"/>
-          </a:p>
-        </p:txBody>
-      </p:sp>
-      <p:sp>
-        <p:nvSpPr>
-          <p:cNvPr id="254" name="Title Text"/>
-          <p:cNvSpPr txBox="1"/>
-          <p:nvPr>
-            <p:ph type="title"/>
-          </p:nvPr>
-        </p:nvSpPr>
-        <p:spPr>
-          <a:prstGeom prst="rect">
-            <a:avLst/>
-          </a:prstGeom>
-        </p:spPr>
-        <p:txBody>
-          <a:bodyPr/>
-          <a:lstStyle/>
-          <a:p>
-            <a:pPr/>
-            <a:r>
-              <a:t>Title Text</a:t>
-            </a:r>
           </a:p>
         </p:txBody>
       </p:sp>
@@ -3718,7 +3804,108 @@
       </p:grpSpPr>
       <p:sp>
         <p:nvSpPr>
-          <p:cNvPr id="261" name="Slide Number"/>
+          <p:cNvPr id="261" name="Title Text"/>
+          <p:cNvSpPr txBox="1"/>
+          <p:nvPr>
+            <p:ph type="title"/>
+          </p:nvPr>
+        </p:nvSpPr>
+        <p:spPr>
+          <a:prstGeom prst="rect">
+            <a:avLst/>
+          </a:prstGeom>
+        </p:spPr>
+        <p:txBody>
+          <a:bodyPr/>
+          <a:lstStyle/>
+          <a:p>
+            <a:pPr/>
+            <a:r>
+              <a:t>Title Text</a:t>
+            </a:r>
+          </a:p>
+        </p:txBody>
+      </p:sp>
+      <p:sp>
+        <p:nvSpPr>
+          <p:cNvPr id="262" name="Body Level One…"/>
+          <p:cNvSpPr txBox="1"/>
+          <p:nvPr>
+            <p:ph type="body" sz="half" idx="1"/>
+          </p:nvPr>
+        </p:nvSpPr>
+        <p:spPr>
+          <a:xfrm>
+            <a:off x="1664368" y="2033588"/>
+            <a:ext cx="8863265" cy="2790827"/>
+          </a:xfrm>
+          <a:prstGeom prst="rect">
+            <a:avLst/>
+          </a:prstGeom>
+        </p:spPr>
+        <p:txBody>
+          <a:bodyPr anchor="ctr"/>
+          <a:lstStyle>
+            <a:lvl1pPr marL="0" indent="0" algn="ctr">
+              <a:buSzTx/>
+              <a:buFontTx/>
+              <a:buNone/>
+              <a:defRPr sz="6000"/>
+            </a:lvl1pPr>
+            <a:lvl2pPr marL="0" indent="0" algn="ctr">
+              <a:buSzTx/>
+              <a:buFontTx/>
+              <a:buNone/>
+              <a:defRPr sz="6000"/>
+            </a:lvl2pPr>
+            <a:lvl3pPr marL="1685925" indent="-1143000" algn="ctr">
+              <a:buFontTx/>
+              <a:defRPr sz="6000"/>
+            </a:lvl3pPr>
+            <a:lvl4pPr marL="1952625" indent="-1143000" algn="ctr">
+              <a:buFontTx/>
+              <a:defRPr sz="6000"/>
+            </a:lvl4pPr>
+            <a:lvl5pPr marL="2219325" indent="-1143000" algn="ctr">
+              <a:buFontTx/>
+              <a:defRPr sz="6000"/>
+            </a:lvl5pPr>
+          </a:lstStyle>
+          <a:p>
+            <a:pPr/>
+            <a:r>
+              <a:t>Body Level One</a:t>
+            </a:r>
+          </a:p>
+          <a:p>
+            <a:pPr lvl="1"/>
+            <a:r>
+              <a:t>Body Level Two</a:t>
+            </a:r>
+          </a:p>
+          <a:p>
+            <a:pPr lvl="2"/>
+            <a:r>
+              <a:t>Body Level Three</a:t>
+            </a:r>
+          </a:p>
+          <a:p>
+            <a:pPr lvl="3"/>
+            <a:r>
+              <a:t>Body Level Four</a:t>
+            </a:r>
+          </a:p>
+          <a:p>
+            <a:pPr lvl="4"/>
+            <a:r>
+              <a:t>Body Level Five</a:t>
+            </a:r>
+          </a:p>
+        </p:txBody>
+      </p:sp>
+      <p:sp>
+        <p:nvSpPr>
+          <p:cNvPr id="263" name="Slide Number"/>
           <p:cNvSpPr txBox="1"/>
           <p:nvPr>
             <p:ph type="sldNum" sz="quarter" idx="2"/>
@@ -3735,102 +3922,6 @@
           <a:p>
             <a:pPr/>
             <a:fld id="{86CB4B4D-7CA3-9044-876B-883B54F8677D}" type="slidenum"/>
-          </a:p>
-        </p:txBody>
-      </p:sp>
-      <p:sp>
-        <p:nvSpPr>
-          <p:cNvPr id="262" name="Title Text"/>
-          <p:cNvSpPr txBox="1"/>
-          <p:nvPr>
-            <p:ph type="title"/>
-          </p:nvPr>
-        </p:nvSpPr>
-        <p:spPr>
-          <a:prstGeom prst="rect">
-            <a:avLst/>
-          </a:prstGeom>
-        </p:spPr>
-        <p:txBody>
-          <a:bodyPr/>
-          <a:lstStyle/>
-          <a:p>
-            <a:pPr/>
-            <a:r>
-              <a:t>Title Text</a:t>
-            </a:r>
-          </a:p>
-        </p:txBody>
-      </p:sp>
-      <p:sp>
-        <p:nvSpPr>
-          <p:cNvPr id="263" name="Body Level One…"/>
-          <p:cNvSpPr txBox="1"/>
-          <p:nvPr>
-            <p:ph type="body" sz="half" idx="1"/>
-          </p:nvPr>
-        </p:nvSpPr>
-        <p:spPr>
-          <a:xfrm>
-            <a:off x="1664369" y="2033588"/>
-            <a:ext cx="8863264" cy="2790826"/>
-          </a:xfrm>
-          <a:prstGeom prst="rect">
-            <a:avLst/>
-          </a:prstGeom>
-        </p:spPr>
-        <p:txBody>
-          <a:bodyPr anchor="ctr"/>
-          <a:lstStyle>
-            <a:lvl1pPr marL="0" indent="0" algn="ctr">
-              <a:buSzTx/>
-              <a:buNone/>
-              <a:defRPr sz="6000"/>
-            </a:lvl1pPr>
-            <a:lvl2pPr marL="0" indent="266700" algn="ctr">
-              <a:buSzTx/>
-              <a:buNone/>
-              <a:defRPr sz="6000"/>
-            </a:lvl2pPr>
-            <a:lvl3pPr marL="1685925" indent="-1143000" algn="ctr">
-              <a:defRPr sz="6000"/>
-            </a:lvl3pPr>
-            <a:lvl4pPr marL="1952625" indent="-1143000" algn="ctr">
-              <a:defRPr sz="6000"/>
-            </a:lvl4pPr>
-            <a:lvl5pPr marL="2219325" indent="-1143000" algn="ctr">
-              <a:defRPr sz="6000"/>
-            </a:lvl5pPr>
-          </a:lstStyle>
-          <a:p>
-            <a:pPr/>
-            <a:r>
-              <a:t>Body Level One</a:t>
-            </a:r>
-          </a:p>
-          <a:p>
-            <a:pPr lvl="1"/>
-            <a:r>
-              <a:t>Body Level Two</a:t>
-            </a:r>
-          </a:p>
-          <a:p>
-            <a:pPr lvl="2"/>
-            <a:r>
-              <a:t>Body Level Three</a:t>
-            </a:r>
-          </a:p>
-          <a:p>
-            <a:pPr lvl="3"/>
-            <a:r>
-              <a:t>Body Level Four</a:t>
-            </a:r>
-          </a:p>
-          <a:p>
-            <a:pPr lvl="4"/>
-            <a:r>
-              <a:t>Body Level Five</a:t>
-            </a:r>
           </a:p>
         </p:txBody>
       </p:sp>
@@ -3925,8 +4016,8 @@
         </p:nvSpPr>
         <p:spPr>
           <a:xfrm>
-            <a:off x="2411411" y="0"/>
-            <a:ext cx="9780590" cy="6371352"/>
+            <a:off x="2411410" y="0"/>
+            <a:ext cx="9780591" cy="6371353"/>
           </a:xfrm>
           <a:prstGeom prst="rect">
             <a:avLst/>
@@ -3952,8 +4043,8 @@
         </p:nvSpPr>
         <p:spPr>
           <a:xfrm>
-            <a:off x="-1700" y="2156225"/>
-            <a:ext cx="5958000" cy="1958401"/>
+            <a:off x="-1700" y="2156224"/>
+            <a:ext cx="5958000" cy="1958402"/>
           </a:xfrm>
           <a:prstGeom prst="rect">
             <a:avLst/>
@@ -3993,7 +4084,7 @@
         <p:spPr>
           <a:xfrm>
             <a:off x="0" y="4110759"/>
-            <a:ext cx="5956300" cy="1100566"/>
+            <a:ext cx="5956300" cy="1100567"/>
           </a:xfrm>
           <a:prstGeom prst="rect">
             <a:avLst/>
@@ -4009,6 +4100,7 @@
           <a:lstStyle>
             <a:lvl1pPr marL="0" indent="0">
               <a:buSzTx/>
+              <a:buFontTx/>
               <a:buNone/>
               <a:defRPr>
                 <a:solidFill>
@@ -4016,8 +4108,9 @@
                 </a:solidFill>
               </a:defRPr>
             </a:lvl1pPr>
-            <a:lvl2pPr marL="0" indent="266700">
+            <a:lvl2pPr marL="0" indent="0">
               <a:buSzTx/>
+              <a:buFontTx/>
               <a:buNone/>
               <a:defRPr>
                 <a:solidFill>
@@ -4025,8 +4118,9 @@
                 </a:solidFill>
               </a:defRPr>
             </a:lvl2pPr>
-            <a:lvl3pPr marL="0" indent="542925">
+            <a:lvl3pPr marL="0" indent="0">
               <a:buSzTx/>
+              <a:buFontTx/>
               <a:buNone/>
               <a:defRPr>
                 <a:solidFill>
@@ -4034,8 +4128,9 @@
                 </a:solidFill>
               </a:defRPr>
             </a:lvl3pPr>
-            <a:lvl4pPr marL="0" indent="809625">
+            <a:lvl4pPr marL="0" indent="0">
               <a:buSzTx/>
+              <a:buFontTx/>
               <a:buNone/>
               <a:defRPr>
                 <a:solidFill>
@@ -4043,8 +4138,9 @@
                 </a:solidFill>
               </a:defRPr>
             </a:lvl4pPr>
-            <a:lvl5pPr marL="0" indent="1076325">
+            <a:lvl5pPr marL="0" indent="0">
               <a:buSzTx/>
+              <a:buFontTx/>
               <a:buNone/>
               <a:defRPr>
                 <a:solidFill>
@@ -4094,7 +4190,7 @@
         <p:spPr>
           <a:xfrm>
             <a:off x="0" y="5209682"/>
-            <a:ext cx="2411412" cy="114825"/>
+            <a:ext cx="2411412" cy="114826"/>
           </a:xfrm>
           <a:prstGeom prst="rect">
             <a:avLst/>
@@ -4107,7 +4203,7 @@
           </a:ln>
         </p:spPr>
         <p:txBody>
-          <a:bodyPr lIns="45719" rIns="45719" anchor="ctr"/>
+          <a:bodyPr lIns="45718" tIns="45718" rIns="45718" bIns="45718" anchor="ctr"/>
           <a:lstStyle/>
           <a:p>
             <a:pPr>
@@ -4115,6 +4211,10 @@
                 <a:solidFill>
                   <a:srgbClr val="FFFFFF"/>
                 </a:solidFill>
+                <a:latin typeface="Candara"/>
+                <a:ea typeface="Candara"/>
+                <a:cs typeface="Candara"/>
+                <a:sym typeface="Candara"/>
               </a:defRPr>
             </a:pPr>
           </a:p>
@@ -4128,8 +4228,8 @@
         </p:nvSpPr>
         <p:spPr>
           <a:xfrm>
-            <a:off x="9780103" y="6803350"/>
-            <a:ext cx="1979898" cy="54651"/>
+            <a:off x="9780103" y="6803349"/>
+            <a:ext cx="1979899" cy="54652"/>
           </a:xfrm>
           <a:prstGeom prst="rect">
             <a:avLst/>
@@ -4142,7 +4242,7 @@
           </a:ln>
         </p:spPr>
         <p:txBody>
-          <a:bodyPr lIns="45719" rIns="45719" anchor="ctr"/>
+          <a:bodyPr lIns="45718" tIns="45718" rIns="45718" bIns="45718" anchor="ctr"/>
           <a:lstStyle/>
           <a:p>
             <a:pPr algn="ctr">
@@ -4150,6 +4250,10 @@
                 <a:solidFill>
                   <a:srgbClr val="FFFFFF"/>
                 </a:solidFill>
+                <a:latin typeface="Candara"/>
+                <a:ea typeface="Candara"/>
+                <a:cs typeface="Candara"/>
+                <a:sym typeface="Candara"/>
               </a:defRPr>
             </a:pPr>
           </a:p>
@@ -4163,8 +4267,8 @@
         </p:nvSpPr>
         <p:spPr>
           <a:xfrm>
-            <a:off x="0" y="6803350"/>
-            <a:ext cx="9780104" cy="54651"/>
+            <a:off x="0" y="6803349"/>
+            <a:ext cx="9780104" cy="54652"/>
           </a:xfrm>
           <a:prstGeom prst="rect">
             <a:avLst/>
@@ -4177,7 +4281,7 @@
           </a:ln>
         </p:spPr>
         <p:txBody>
-          <a:bodyPr lIns="45719" rIns="45719" anchor="ctr"/>
+          <a:bodyPr lIns="45718" tIns="45718" rIns="45718" bIns="45718" anchor="ctr"/>
           <a:lstStyle/>
           <a:p>
             <a:pPr algn="ctr">
@@ -4185,6 +4289,10 @@
                 <a:solidFill>
                   <a:srgbClr val="FFFFFF"/>
                 </a:solidFill>
+                <a:latin typeface="Candara"/>
+                <a:ea typeface="Candara"/>
+                <a:cs typeface="Candara"/>
+                <a:sym typeface="Candara"/>
               </a:defRPr>
             </a:pPr>
           </a:p>
@@ -4198,8 +4306,8 @@
         </p:nvSpPr>
         <p:spPr>
           <a:xfrm>
-            <a:off x="11760000" y="6803350"/>
-            <a:ext cx="432001" cy="54651"/>
+            <a:off x="11760000" y="6803349"/>
+            <a:ext cx="432002" cy="54652"/>
           </a:xfrm>
           <a:prstGeom prst="rect">
             <a:avLst/>
@@ -4212,7 +4320,7 @@
           </a:ln>
         </p:spPr>
         <p:txBody>
-          <a:bodyPr lIns="45719" rIns="45719" anchor="ctr"/>
+          <a:bodyPr lIns="45718" tIns="45718" rIns="45718" bIns="45718" anchor="ctr"/>
           <a:lstStyle/>
           <a:p>
             <a:pPr algn="ctr">
@@ -4220,6 +4328,10 @@
                 <a:solidFill>
                   <a:srgbClr val="FFFFFF"/>
                 </a:solidFill>
+                <a:latin typeface="Candara"/>
+                <a:ea typeface="Candara"/>
+                <a:cs typeface="Candara"/>
+                <a:sym typeface="Candara"/>
               </a:defRPr>
             </a:pPr>
           </a:p>
@@ -4283,8 +4395,8 @@
         </p:nvSpPr>
         <p:spPr>
           <a:xfrm>
-            <a:off x="6096000" y="-2"/>
-            <a:ext cx="6096000" cy="6371353"/>
+            <a:off x="6096000" y="-3"/>
+            <a:ext cx="6096000" cy="6371354"/>
           </a:xfrm>
           <a:prstGeom prst="rect">
             <a:avLst/>
@@ -4311,7 +4423,7 @@
         <p:spPr>
           <a:xfrm>
             <a:off x="7111800" y="3802898"/>
-            <a:ext cx="4648201" cy="985001"/>
+            <a:ext cx="4648202" cy="985002"/>
           </a:xfrm>
           <a:prstGeom prst="rect">
             <a:avLst/>
@@ -4346,7 +4458,7 @@
         <p:spPr>
           <a:xfrm>
             <a:off x="7111800" y="4787900"/>
-            <a:ext cx="4648201" cy="1162800"/>
+            <a:ext cx="4648202" cy="1162800"/>
           </a:xfrm>
           <a:prstGeom prst="rect">
             <a:avLst/>
@@ -4362,6 +4474,7 @@
           <a:lstStyle>
             <a:lvl1pPr marL="0" indent="0" algn="r">
               <a:buSzTx/>
+              <a:buFontTx/>
               <a:buNone/>
               <a:defRPr>
                 <a:solidFill>
@@ -4369,8 +4482,9 @@
                 </a:solidFill>
               </a:defRPr>
             </a:lvl1pPr>
-            <a:lvl2pPr marL="0" indent="266700" algn="r">
+            <a:lvl2pPr marL="0" indent="0" algn="r">
               <a:buSzTx/>
+              <a:buFontTx/>
               <a:buNone/>
               <a:defRPr>
                 <a:solidFill>
@@ -4378,8 +4492,9 @@
                 </a:solidFill>
               </a:defRPr>
             </a:lvl2pPr>
-            <a:lvl3pPr marL="0" indent="542925" algn="r">
+            <a:lvl3pPr marL="0" indent="0" algn="r">
               <a:buSzTx/>
+              <a:buFontTx/>
               <a:buNone/>
               <a:defRPr>
                 <a:solidFill>
@@ -4387,8 +4502,9 @@
                 </a:solidFill>
               </a:defRPr>
             </a:lvl3pPr>
-            <a:lvl4pPr marL="0" indent="809625" algn="r">
+            <a:lvl4pPr marL="0" indent="0" algn="r">
               <a:buSzTx/>
+              <a:buFontTx/>
               <a:buNone/>
               <a:defRPr>
                 <a:solidFill>
@@ -4396,8 +4512,9 @@
                 </a:solidFill>
               </a:defRPr>
             </a:lvl4pPr>
-            <a:lvl5pPr marL="0" indent="1076325" algn="r">
+            <a:lvl5pPr marL="0" indent="0" algn="r">
               <a:buSzTx/>
+              <a:buFontTx/>
               <a:buNone/>
               <a:defRPr>
                 <a:solidFill>
@@ -4440,36 +4557,14 @@
       </p:sp>
       <p:sp>
         <p:nvSpPr>
-          <p:cNvPr id="63" name="Slide Number"/>
-          <p:cNvSpPr txBox="1"/>
-          <p:nvPr>
-            <p:ph type="sldNum" sz="quarter" idx="2"/>
-          </p:nvPr>
-        </p:nvSpPr>
-        <p:spPr>
-          <a:prstGeom prst="rect">
-            <a:avLst/>
-          </a:prstGeom>
-        </p:spPr>
-        <p:txBody>
-          <a:bodyPr/>
-          <a:lstStyle/>
-          <a:p>
-            <a:pPr/>
-            <a:fld id="{86CB4B4D-7CA3-9044-876B-883B54F8677D}" type="slidenum"/>
-          </a:p>
-        </p:txBody>
-      </p:sp>
-      <p:sp>
-        <p:nvSpPr>
-          <p:cNvPr id="64" name="Rectangle 7"/>
+          <p:cNvPr id="63" name="Rectangle 7"/>
           <p:cNvSpPr/>
           <p:nvPr/>
         </p:nvSpPr>
         <p:spPr>
           <a:xfrm>
             <a:off x="9348588" y="3700774"/>
-            <a:ext cx="2411413" cy="114825"/>
+            <a:ext cx="2411414" cy="114826"/>
           </a:xfrm>
           <a:prstGeom prst="rect">
             <a:avLst/>
@@ -4482,7 +4577,7 @@
           </a:ln>
         </p:spPr>
         <p:txBody>
-          <a:bodyPr lIns="45719" rIns="45719" anchor="ctr"/>
+          <a:bodyPr lIns="45718" tIns="45718" rIns="45718" bIns="45718" anchor="ctr"/>
           <a:lstStyle/>
           <a:p>
             <a:pPr>
@@ -4490,8 +4585,34 @@
                 <a:solidFill>
                   <a:srgbClr val="FFFFFF"/>
                 </a:solidFill>
+                <a:latin typeface="Candara"/>
+                <a:ea typeface="Candara"/>
+                <a:cs typeface="Candara"/>
+                <a:sym typeface="Candara"/>
               </a:defRPr>
             </a:pPr>
+          </a:p>
+        </p:txBody>
+      </p:sp>
+      <p:sp>
+        <p:nvSpPr>
+          <p:cNvPr id="64" name="Slide Number"/>
+          <p:cNvSpPr txBox="1"/>
+          <p:nvPr>
+            <p:ph type="sldNum" sz="quarter" idx="2"/>
+          </p:nvPr>
+        </p:nvSpPr>
+        <p:spPr>
+          <a:prstGeom prst="rect">
+            <a:avLst/>
+          </a:prstGeom>
+        </p:spPr>
+        <p:txBody>
+          <a:bodyPr/>
+          <a:lstStyle/>
+          <a:p>
+            <a:pPr/>
+            <a:fld id="{86CB4B4D-7CA3-9044-876B-883B54F8677D}" type="slidenum"/>
           </a:p>
         </p:txBody>
       </p:sp>
@@ -4531,8 +4652,8 @@
         </p:nvSpPr>
         <p:spPr>
           <a:xfrm>
-            <a:off x="0" y="-2"/>
-            <a:ext cx="6096000" cy="6371353"/>
+            <a:off x="0" y="-3"/>
+            <a:ext cx="6096000" cy="6371354"/>
           </a:xfrm>
           <a:prstGeom prst="rect">
             <a:avLst/>
@@ -4594,7 +4715,7 @@
         <p:spPr>
           <a:xfrm>
             <a:off x="5118334" y="2994141"/>
-            <a:ext cx="6641627" cy="590156"/>
+            <a:ext cx="6641628" cy="590157"/>
           </a:xfrm>
           <a:prstGeom prst="rect">
             <a:avLst/>
@@ -4610,6 +4731,7 @@
           <a:lstStyle>
             <a:lvl1pPr marL="0" indent="0">
               <a:buSzTx/>
+              <a:buFontTx/>
               <a:buNone/>
               <a:defRPr>
                 <a:solidFill>
@@ -4617,8 +4739,9 @@
                 </a:solidFill>
               </a:defRPr>
             </a:lvl1pPr>
-            <a:lvl2pPr marL="0" indent="266700">
+            <a:lvl2pPr marL="0" indent="0">
               <a:buSzTx/>
+              <a:buFontTx/>
               <a:buNone/>
               <a:defRPr>
                 <a:solidFill>
@@ -4626,8 +4749,9 @@
                 </a:solidFill>
               </a:defRPr>
             </a:lvl2pPr>
-            <a:lvl3pPr marL="0" indent="542925">
+            <a:lvl3pPr marL="0" indent="0">
               <a:buSzTx/>
+              <a:buFontTx/>
               <a:buNone/>
               <a:defRPr>
                 <a:solidFill>
@@ -4635,8 +4759,9 @@
                 </a:solidFill>
               </a:defRPr>
             </a:lvl3pPr>
-            <a:lvl4pPr marL="0" indent="809625">
+            <a:lvl4pPr marL="0" indent="0">
               <a:buSzTx/>
+              <a:buFontTx/>
               <a:buNone/>
               <a:defRPr>
                 <a:solidFill>
@@ -4644,8 +4769,9 @@
                 </a:solidFill>
               </a:defRPr>
             </a:lvl4pPr>
-            <a:lvl5pPr marL="0" indent="1076325">
+            <a:lvl5pPr marL="0" indent="0">
               <a:buSzTx/>
+              <a:buFontTx/>
               <a:buNone/>
               <a:defRPr>
                 <a:solidFill>
@@ -4688,36 +4814,14 @@
       </p:sp>
       <p:sp>
         <p:nvSpPr>
-          <p:cNvPr id="74" name="Slide Number"/>
-          <p:cNvSpPr txBox="1"/>
-          <p:nvPr>
-            <p:ph type="sldNum" sz="quarter" idx="2"/>
-          </p:nvPr>
-        </p:nvSpPr>
-        <p:spPr>
-          <a:prstGeom prst="rect">
-            <a:avLst/>
-          </a:prstGeom>
-        </p:spPr>
-        <p:txBody>
-          <a:bodyPr/>
-          <a:lstStyle/>
-          <a:p>
-            <a:pPr/>
-            <a:fld id="{86CB4B4D-7CA3-9044-876B-883B54F8677D}" type="slidenum"/>
-          </a:p>
-        </p:txBody>
-      </p:sp>
-      <p:sp>
-        <p:nvSpPr>
-          <p:cNvPr id="75" name="Rectangle 7"/>
+          <p:cNvPr id="74" name="Rectangle 7"/>
           <p:cNvSpPr/>
           <p:nvPr/>
         </p:nvSpPr>
         <p:spPr>
           <a:xfrm>
             <a:off x="9775824" y="1762068"/>
-            <a:ext cx="1984176" cy="114825"/>
+            <a:ext cx="1984177" cy="114826"/>
           </a:xfrm>
           <a:prstGeom prst="rect">
             <a:avLst/>
@@ -4730,7 +4834,7 @@
           </a:ln>
         </p:spPr>
         <p:txBody>
-          <a:bodyPr lIns="45719" rIns="45719" anchor="ctr"/>
+          <a:bodyPr lIns="45718" tIns="45718" rIns="45718" bIns="45718" anchor="ctr"/>
           <a:lstStyle/>
           <a:p>
             <a:pPr>
@@ -4738,8 +4842,34 @@
                 <a:solidFill>
                   <a:srgbClr val="FFFFFF"/>
                 </a:solidFill>
+                <a:latin typeface="Candara"/>
+                <a:ea typeface="Candara"/>
+                <a:cs typeface="Candara"/>
+                <a:sym typeface="Candara"/>
               </a:defRPr>
             </a:pPr>
+          </a:p>
+        </p:txBody>
+      </p:sp>
+      <p:sp>
+        <p:nvSpPr>
+          <p:cNvPr id="75" name="Slide Number"/>
+          <p:cNvSpPr txBox="1"/>
+          <p:nvPr>
+            <p:ph type="sldNum" sz="quarter" idx="2"/>
+          </p:nvPr>
+        </p:nvSpPr>
+        <p:spPr>
+          <a:prstGeom prst="rect">
+            <a:avLst/>
+          </a:prstGeom>
+        </p:spPr>
+        <p:txBody>
+          <a:bodyPr/>
+          <a:lstStyle/>
+          <a:p>
+            <a:pPr/>
+            <a:fld id="{86CB4B4D-7CA3-9044-876B-883B54F8677D}" type="slidenum"/>
           </a:p>
         </p:txBody>
       </p:sp>
@@ -4780,7 +4910,7 @@
         <p:spPr>
           <a:xfrm>
             <a:off x="431999" y="431999"/>
-            <a:ext cx="11340002" cy="432001"/>
+            <a:ext cx="11340002" cy="432002"/>
           </a:xfrm>
           <a:prstGeom prst="rect">
             <a:avLst/>
@@ -4808,7 +4938,7 @@
         <p:spPr>
           <a:xfrm>
             <a:off x="431800" y="1008000"/>
-            <a:ext cx="11339514" cy="360001"/>
+            <a:ext cx="11339515" cy="360001"/>
           </a:xfrm>
           <a:prstGeom prst="rect">
             <a:avLst/>
@@ -4819,22 +4949,27 @@
           <a:lstStyle>
             <a:lvl1pPr marL="0" indent="0">
               <a:buSzTx/>
+              <a:buFontTx/>
               <a:buNone/>
             </a:lvl1pPr>
-            <a:lvl2pPr marL="0" indent="266700">
+            <a:lvl2pPr marL="0" indent="0">
               <a:buSzTx/>
+              <a:buFontTx/>
               <a:buNone/>
             </a:lvl2pPr>
-            <a:lvl3pPr marL="0" indent="542925">
+            <a:lvl3pPr marL="0" indent="0">
               <a:buSzTx/>
+              <a:buFontTx/>
               <a:buNone/>
             </a:lvl3pPr>
-            <a:lvl4pPr marL="0" indent="809625">
+            <a:lvl4pPr marL="0" indent="0">
               <a:buSzTx/>
+              <a:buFontTx/>
               <a:buNone/>
             </a:lvl4pPr>
-            <a:lvl5pPr marL="0" indent="1076325">
+            <a:lvl5pPr marL="0" indent="0">
               <a:buSzTx/>
+              <a:buFontTx/>
               <a:buNone/>
             </a:lvl5pPr>
           </a:lstStyle>
@@ -4880,8 +5015,8 @@
         </p:nvSpPr>
         <p:spPr>
           <a:xfrm>
-            <a:off x="431999" y="2307688"/>
-            <a:ext cx="5472002" cy="360001"/>
+            <a:off x="431998" y="2307688"/>
+            <a:ext cx="5472004" cy="360002"/>
           </a:xfrm>
           <a:prstGeom prst="rect">
             <a:avLst/>
@@ -4891,11 +5026,7 @@
           <a:bodyPr/>
           <a:lstStyle/>
           <a:p>
-            <a:pPr marL="0" indent="0">
-              <a:buSzTx/>
-              <a:buNone/>
-              <a:defRPr b="1" sz="2400"/>
-            </a:pPr>
+            <a:pPr/>
           </a:p>
         </p:txBody>
       </p:sp>
@@ -4909,8 +5040,8 @@
         </p:nvSpPr>
         <p:spPr>
           <a:xfrm>
-            <a:off x="6299999" y="2308213"/>
-            <a:ext cx="5472002" cy="358776"/>
+            <a:off x="6299999" y="2308212"/>
+            <a:ext cx="5472003" cy="358777"/>
           </a:xfrm>
           <a:prstGeom prst="rect">
             <a:avLst/>
@@ -4920,11 +5051,7 @@
           <a:bodyPr/>
           <a:lstStyle/>
           <a:p>
-            <a:pPr marL="0" indent="0">
-              <a:buSzTx/>
-              <a:buNone/>
-              <a:defRPr b="1" sz="2400"/>
-            </a:pPr>
+            <a:pPr/>
           </a:p>
         </p:txBody>
       </p:sp>
@@ -4938,8 +5065,8 @@
         </p:nvSpPr>
         <p:spPr>
           <a:xfrm>
-            <a:off x="6299887" y="2812214"/>
-            <a:ext cx="5472114" cy="3379037"/>
+            <a:off x="6299887" y="2812213"/>
+            <a:ext cx="5472115" cy="3379039"/>
           </a:xfrm>
           <a:prstGeom prst="rect">
             <a:avLst/>
@@ -4949,45 +5076,20 @@
           <a:bodyPr/>
           <a:lstStyle/>
           <a:p>
-            <a:pPr marL="266700" indent="-266700">
-              <a:buFont typeface="Arial"/>
-              <a:buChar char="•"/>
-            </a:pPr>
-          </a:p>
-        </p:txBody>
-      </p:sp>
-      <p:sp>
-        <p:nvSpPr>
-          <p:cNvPr id="87" name="Slide Number"/>
-          <p:cNvSpPr txBox="1"/>
-          <p:nvPr>
-            <p:ph type="sldNum" sz="quarter" idx="2"/>
-          </p:nvPr>
-        </p:nvSpPr>
-        <p:spPr>
-          <a:prstGeom prst="rect">
-            <a:avLst/>
-          </a:prstGeom>
-        </p:spPr>
-        <p:txBody>
-          <a:bodyPr/>
-          <a:lstStyle/>
-          <a:p>
-            <a:pPr/>
-            <a:fld id="{86CB4B4D-7CA3-9044-876B-883B54F8677D}" type="slidenum"/>
-          </a:p>
-        </p:txBody>
-      </p:sp>
-      <p:sp>
-        <p:nvSpPr>
-          <p:cNvPr id="88" name="Rectangle 9"/>
+            <a:pPr/>
+          </a:p>
+        </p:txBody>
+      </p:sp>
+      <p:sp>
+        <p:nvSpPr>
+          <p:cNvPr id="87" name="Rectangle 9"/>
           <p:cNvSpPr/>
           <p:nvPr/>
         </p:nvSpPr>
         <p:spPr>
           <a:xfrm>
-            <a:off x="431799" y="2100316"/>
-            <a:ext cx="1984177" cy="114825"/>
+            <a:off x="431799" y="2100315"/>
+            <a:ext cx="1984177" cy="114826"/>
           </a:xfrm>
           <a:prstGeom prst="rect">
             <a:avLst/>
@@ -5000,7 +5102,7 @@
           </a:ln>
         </p:spPr>
         <p:txBody>
-          <a:bodyPr lIns="45719" rIns="45719" anchor="ctr"/>
+          <a:bodyPr lIns="45718" tIns="45718" rIns="45718" bIns="45718" anchor="ctr"/>
           <a:lstStyle/>
           <a:p>
             <a:pPr>
@@ -5008,6 +5110,10 @@
                 <a:solidFill>
                   <a:srgbClr val="FFFFFF"/>
                 </a:solidFill>
+                <a:latin typeface="Candara"/>
+                <a:ea typeface="Candara"/>
+                <a:cs typeface="Candara"/>
+                <a:sym typeface="Candara"/>
               </a:defRPr>
             </a:pPr>
           </a:p>
@@ -5015,14 +5121,14 @@
       </p:sp>
       <p:sp>
         <p:nvSpPr>
-          <p:cNvPr id="89" name="Rectangle 10"/>
+          <p:cNvPr id="88" name="Rectangle 10"/>
           <p:cNvSpPr/>
           <p:nvPr/>
         </p:nvSpPr>
         <p:spPr>
           <a:xfrm>
-            <a:off x="6299887" y="2100316"/>
-            <a:ext cx="1984176" cy="114825"/>
+            <a:off x="6299887" y="2100315"/>
+            <a:ext cx="1984177" cy="114826"/>
           </a:xfrm>
           <a:prstGeom prst="rect">
             <a:avLst/>
@@ -5035,7 +5141,7 @@
           </a:ln>
         </p:spPr>
         <p:txBody>
-          <a:bodyPr lIns="45719" rIns="45719" anchor="ctr"/>
+          <a:bodyPr lIns="45718" tIns="45718" rIns="45718" bIns="45718" anchor="ctr"/>
           <a:lstStyle/>
           <a:p>
             <a:pPr>
@@ -5043,8 +5149,34 @@
                 <a:solidFill>
                   <a:srgbClr val="FFFFFF"/>
                 </a:solidFill>
+                <a:latin typeface="Candara"/>
+                <a:ea typeface="Candara"/>
+                <a:cs typeface="Candara"/>
+                <a:sym typeface="Candara"/>
               </a:defRPr>
             </a:pPr>
+          </a:p>
+        </p:txBody>
+      </p:sp>
+      <p:sp>
+        <p:nvSpPr>
+          <p:cNvPr id="89" name="Slide Number"/>
+          <p:cNvSpPr txBox="1"/>
+          <p:nvPr>
+            <p:ph type="sldNum" sz="quarter" idx="2"/>
+          </p:nvPr>
+        </p:nvSpPr>
+        <p:spPr>
+          <a:prstGeom prst="rect">
+            <a:avLst/>
+          </a:prstGeom>
+        </p:spPr>
+        <p:txBody>
+          <a:bodyPr/>
+          <a:lstStyle/>
+          <a:p>
+            <a:pPr/>
+            <a:fld id="{86CB4B4D-7CA3-9044-876B-883B54F8677D}" type="slidenum"/>
           </a:p>
         </p:txBody>
       </p:sp>
@@ -5112,7 +5244,7 @@
         <p:spPr>
           <a:xfrm>
             <a:off x="6096000" y="5359400"/>
-            <a:ext cx="5664001" cy="565899"/>
+            <a:ext cx="5664002" cy="565899"/>
           </a:xfrm>
           <a:prstGeom prst="rect">
             <a:avLst/>
@@ -5126,6 +5258,7 @@
           <a:lstStyle>
             <a:lvl1pPr marL="0" indent="0" algn="r">
               <a:buSzTx/>
+              <a:buFontTx/>
               <a:buNone/>
               <a:defRPr>
                 <a:solidFill>
@@ -5134,6 +5267,7 @@
               </a:defRPr>
             </a:lvl1pPr>
             <a:lvl2pPr algn="r">
+              <a:buFontTx/>
               <a:buChar char="•"/>
               <a:defRPr>
                 <a:solidFill>
@@ -5142,6 +5276,7 @@
               </a:defRPr>
             </a:lvl2pPr>
             <a:lvl3pPr algn="r">
+              <a:buFontTx/>
               <a:defRPr>
                 <a:solidFill>
                   <a:srgbClr val="FFFFFF"/>
@@ -5149,6 +5284,7 @@
               </a:defRPr>
             </a:lvl3pPr>
             <a:lvl4pPr algn="r">
+              <a:buFontTx/>
               <a:defRPr>
                 <a:solidFill>
                   <a:srgbClr val="FFFFFF"/>
@@ -5156,6 +5292,7 @@
               </a:defRPr>
             </a:lvl4pPr>
             <a:lvl5pPr algn="r">
+              <a:buFontTx/>
               <a:defRPr>
                 <a:solidFill>
                   <a:srgbClr val="FFFFFF"/>
@@ -5197,7 +5334,31 @@
       </p:sp>
       <p:sp>
         <p:nvSpPr>
-          <p:cNvPr id="98" name="Slide Number"/>
+          <p:cNvPr id="98" name="Title Text"/>
+          <p:cNvSpPr txBox="1"/>
+          <p:nvPr>
+            <p:ph type="title"/>
+          </p:nvPr>
+        </p:nvSpPr>
+        <p:spPr>
+          <a:prstGeom prst="rect">
+            <a:avLst/>
+          </a:prstGeom>
+        </p:spPr>
+        <p:txBody>
+          <a:bodyPr/>
+          <a:lstStyle/>
+          <a:p>
+            <a:pPr/>
+            <a:r>
+              <a:t>Title Text</a:t>
+            </a:r>
+          </a:p>
+        </p:txBody>
+      </p:sp>
+      <p:sp>
+        <p:nvSpPr>
+          <p:cNvPr id="99" name="Slide Number"/>
           <p:cNvSpPr txBox="1"/>
           <p:nvPr>
             <p:ph type="sldNum" sz="quarter" idx="2"/>
@@ -5214,30 +5375,6 @@
           <a:p>
             <a:pPr/>
             <a:fld id="{86CB4B4D-7CA3-9044-876B-883B54F8677D}" type="slidenum"/>
-          </a:p>
-        </p:txBody>
-      </p:sp>
-      <p:sp>
-        <p:nvSpPr>
-          <p:cNvPr id="99" name="Title Text"/>
-          <p:cNvSpPr txBox="1"/>
-          <p:nvPr>
-            <p:ph type="title"/>
-          </p:nvPr>
-        </p:nvSpPr>
-        <p:spPr>
-          <a:prstGeom prst="rect">
-            <a:avLst/>
-          </a:prstGeom>
-        </p:spPr>
-        <p:txBody>
-          <a:bodyPr/>
-          <a:lstStyle/>
-          <a:p>
-            <a:pPr/>
-            <a:r>
-              <a:t>Title Text</a:t>
-            </a:r>
           </a:p>
         </p:txBody>
       </p:sp>
@@ -5285,7 +5422,7 @@
         <p:spPr>
           <a:xfrm>
             <a:off x="0" y="0"/>
-            <a:ext cx="9780103" cy="6804025"/>
+            <a:ext cx="9780104" cy="6804025"/>
           </a:xfrm>
           <a:prstGeom prst="rect">
             <a:avLst/>
@@ -5312,7 +5449,7 @@
         <p:spPr>
           <a:xfrm>
             <a:off x="8458200" y="2798353"/>
-            <a:ext cx="3733800" cy="1013685"/>
+            <a:ext cx="3733800" cy="1013686"/>
           </a:xfrm>
           <a:prstGeom prst="rect">
             <a:avLst/>
@@ -5347,7 +5484,7 @@
         <p:spPr>
           <a:xfrm>
             <a:off x="8458200" y="3957704"/>
-            <a:ext cx="2910342" cy="316801"/>
+            <a:ext cx="2910342" cy="316802"/>
           </a:xfrm>
           <a:prstGeom prst="rect">
             <a:avLst/>
@@ -5361,6 +5498,7 @@
           <a:lstStyle>
             <a:lvl1pPr marL="0" indent="0" algn="r">
               <a:buSzTx/>
+              <a:buFontTx/>
               <a:buNone/>
               <a:defRPr>
                 <a:solidFill>
@@ -5368,8 +5506,9 @@
                 </a:solidFill>
               </a:defRPr>
             </a:lvl1pPr>
-            <a:lvl2pPr marL="0" indent="266700" algn="r">
+            <a:lvl2pPr marL="0" indent="0" algn="r">
               <a:buSzTx/>
+              <a:buFontTx/>
               <a:buNone/>
               <a:defRPr>
                 <a:solidFill>
@@ -5377,8 +5516,9 @@
                 </a:solidFill>
               </a:defRPr>
             </a:lvl2pPr>
-            <a:lvl3pPr marL="0" indent="542925" algn="r">
+            <a:lvl3pPr marL="0" indent="0" algn="r">
               <a:buSzTx/>
+              <a:buFontTx/>
               <a:buNone/>
               <a:defRPr>
                 <a:solidFill>
@@ -5386,8 +5526,9 @@
                 </a:solidFill>
               </a:defRPr>
             </a:lvl3pPr>
-            <a:lvl4pPr marL="0" indent="809625" algn="r">
+            <a:lvl4pPr marL="0" indent="0" algn="r">
               <a:buSzTx/>
+              <a:buFontTx/>
               <a:buNone/>
               <a:defRPr>
                 <a:solidFill>
@@ -5395,8 +5536,9 @@
                 </a:solidFill>
               </a:defRPr>
             </a:lvl4pPr>
-            <a:lvl5pPr marL="0" indent="1076325" algn="r">
+            <a:lvl5pPr marL="0" indent="0" algn="r">
               <a:buSzTx/>
+              <a:buFontTx/>
               <a:buNone/>
               <a:defRPr>
                 <a:solidFill>
@@ -5448,7 +5590,7 @@
         <p:spPr>
           <a:xfrm>
             <a:off x="8458199" y="4306722"/>
-            <a:ext cx="2910344" cy="316801"/>
+            <a:ext cx="2910345" cy="316802"/>
           </a:xfrm>
           <a:prstGeom prst="rect">
             <a:avLst/>
@@ -5462,6 +5604,7 @@
           <a:lstStyle>
             <a:lvl1pPr marL="0" indent="0" algn="r">
               <a:buSzTx/>
+              <a:buFontTx/>
               <a:buNone/>
               <a:defRPr>
                 <a:solidFill>
@@ -5489,7 +5632,7 @@
         <p:spPr>
           <a:xfrm>
             <a:off x="8458199" y="4655739"/>
-            <a:ext cx="2910344" cy="316801"/>
+            <a:ext cx="2910345" cy="316802"/>
           </a:xfrm>
           <a:prstGeom prst="rect">
             <a:avLst/>
@@ -5503,6 +5646,7 @@
           <a:lstStyle>
             <a:lvl1pPr marL="0" indent="0" algn="r">
               <a:buSzTx/>
+              <a:buFontTx/>
               <a:buNone/>
               <a:defRPr>
                 <a:solidFill>
@@ -5530,7 +5674,7 @@
         <p:spPr>
           <a:xfrm>
             <a:off x="8458199" y="5004756"/>
-            <a:ext cx="2910344" cy="316801"/>
+            <a:ext cx="2910345" cy="316802"/>
           </a:xfrm>
           <a:prstGeom prst="rect">
             <a:avLst/>
@@ -5544,6 +5688,7 @@
           <a:lstStyle>
             <a:lvl1pPr marL="0" indent="0" algn="r">
               <a:buSzTx/>
+              <a:buFontTx/>
               <a:buNone/>
               <a:defRPr>
                 <a:solidFill>
@@ -5568,8 +5713,8 @@
         </p:nvSpPr>
         <p:spPr>
           <a:xfrm>
-            <a:off x="11760000" y="6803350"/>
-            <a:ext cx="432001" cy="54651"/>
+            <a:off x="11760000" y="6803349"/>
+            <a:ext cx="432002" cy="54652"/>
           </a:xfrm>
           <a:prstGeom prst="rect">
             <a:avLst/>
@@ -5582,7 +5727,7 @@
           </a:ln>
         </p:spPr>
         <p:txBody>
-          <a:bodyPr lIns="45719" rIns="45719" anchor="ctr"/>
+          <a:bodyPr lIns="45718" tIns="45718" rIns="45718" bIns="45718" anchor="ctr"/>
           <a:lstStyle/>
           <a:p>
             <a:pPr algn="ctr">
@@ -5590,6 +5735,10 @@
                 <a:solidFill>
                   <a:srgbClr val="FFFFFF"/>
                 </a:solidFill>
+                <a:latin typeface="Candara"/>
+                <a:ea typeface="Candara"/>
+                <a:cs typeface="Candara"/>
+                <a:sym typeface="Candara"/>
               </a:defRPr>
             </a:pPr>
           </a:p>
@@ -5603,8 +5752,8 @@
         </p:nvSpPr>
         <p:spPr>
           <a:xfrm>
-            <a:off x="0" y="6803350"/>
-            <a:ext cx="9780104" cy="54651"/>
+            <a:off x="0" y="6803349"/>
+            <a:ext cx="9780104" cy="54652"/>
           </a:xfrm>
           <a:prstGeom prst="rect">
             <a:avLst/>
@@ -5617,7 +5766,7 @@
           </a:ln>
         </p:spPr>
         <p:txBody>
-          <a:bodyPr lIns="45719" rIns="45719" anchor="ctr"/>
+          <a:bodyPr lIns="45718" tIns="45718" rIns="45718" bIns="45718" anchor="ctr"/>
           <a:lstStyle/>
           <a:p>
             <a:pPr algn="ctr">
@@ -5625,6 +5774,10 @@
                 <a:solidFill>
                   <a:srgbClr val="FFFFFF"/>
                 </a:solidFill>
+                <a:latin typeface="Candara"/>
+                <a:ea typeface="Candara"/>
+                <a:cs typeface="Candara"/>
+                <a:sym typeface="Candara"/>
               </a:defRPr>
             </a:pPr>
           </a:p>
@@ -5638,8 +5791,8 @@
         </p:nvSpPr>
         <p:spPr>
           <a:xfrm>
-            <a:off x="9780103" y="6803350"/>
-            <a:ext cx="1979898" cy="54651"/>
+            <a:off x="9780103" y="6803349"/>
+            <a:ext cx="1979899" cy="54652"/>
           </a:xfrm>
           <a:prstGeom prst="rect">
             <a:avLst/>
@@ -5652,7 +5805,7 @@
           </a:ln>
         </p:spPr>
         <p:txBody>
-          <a:bodyPr lIns="45719" rIns="45719" anchor="ctr"/>
+          <a:bodyPr lIns="45718" tIns="45718" rIns="45718" bIns="45718" anchor="ctr"/>
           <a:lstStyle/>
           <a:p>
             <a:pPr algn="ctr">
@@ -5660,6 +5813,10 @@
                 <a:solidFill>
                   <a:srgbClr val="FFFFFF"/>
                 </a:solidFill>
+                <a:latin typeface="Candara"/>
+                <a:ea typeface="Candara"/>
+                <a:cs typeface="Candara"/>
+                <a:sym typeface="Candara"/>
               </a:defRPr>
             </a:pPr>
           </a:p>
@@ -5674,7 +5831,7 @@
         <p:spPr>
           <a:xfrm>
             <a:off x="8458200" y="2685912"/>
-            <a:ext cx="3733800" cy="114825"/>
+            <a:ext cx="3733800" cy="114826"/>
           </a:xfrm>
           <a:prstGeom prst="rect">
             <a:avLst/>
@@ -5687,7 +5844,7 @@
           </a:ln>
         </p:spPr>
         <p:txBody>
-          <a:bodyPr lIns="45719" rIns="45719" anchor="ctr"/>
+          <a:bodyPr lIns="45718" tIns="45718" rIns="45718" bIns="45718" anchor="ctr"/>
           <a:lstStyle/>
           <a:p>
             <a:pPr algn="ctr">
@@ -5695,6 +5852,10 @@
                 <a:solidFill>
                   <a:srgbClr val="FFFFFF"/>
                 </a:solidFill>
+                <a:latin typeface="Candara"/>
+                <a:ea typeface="Candara"/>
+                <a:cs typeface="Candara"/>
+                <a:sym typeface="Candara"/>
               </a:defRPr>
             </a:pPr>
           </a:p>
@@ -5883,8 +6044,8 @@
         </p:nvSpPr>
         <p:spPr>
           <a:xfrm>
-            <a:off x="9780100" y="6371351"/>
-            <a:ext cx="1979898" cy="431994"/>
+            <a:off x="9780099" y="6371351"/>
+            <a:ext cx="1979899" cy="431994"/>
           </a:xfrm>
           <a:prstGeom prst="rect">
             <a:avLst/>
@@ -5897,7 +6058,7 @@
           </a:ln>
         </p:spPr>
         <p:txBody>
-          <a:bodyPr lIns="45719" rIns="45719" anchor="ctr"/>
+          <a:bodyPr lIns="45718" tIns="45718" rIns="45718" bIns="45718" anchor="ctr"/>
           <a:lstStyle/>
           <a:p>
             <a:pPr algn="ctr">
@@ -5905,10 +6066,6 @@
                 <a:solidFill>
                   <a:srgbClr val="FFFFFF"/>
                 </a:solidFill>
-                <a:latin typeface="+mn-lt"/>
-                <a:ea typeface="+mn-ea"/>
-                <a:cs typeface="+mn-cs"/>
-                <a:sym typeface="Calibri"/>
               </a:defRPr>
             </a:pPr>
           </a:p>
@@ -5922,8 +6079,8 @@
         </p:nvSpPr>
         <p:spPr>
           <a:xfrm>
-            <a:off x="9780103" y="6803350"/>
-            <a:ext cx="1979898" cy="54651"/>
+            <a:off x="9780103" y="6803349"/>
+            <a:ext cx="1979899" cy="54652"/>
           </a:xfrm>
           <a:prstGeom prst="rect">
             <a:avLst/>
@@ -5936,7 +6093,7 @@
           </a:ln>
         </p:spPr>
         <p:txBody>
-          <a:bodyPr lIns="45719" rIns="45719" anchor="ctr"/>
+          <a:bodyPr lIns="45718" tIns="45718" rIns="45718" bIns="45718" anchor="ctr"/>
           <a:lstStyle/>
           <a:p>
             <a:pPr algn="ctr">
@@ -5944,10 +6101,6 @@
                 <a:solidFill>
                   <a:srgbClr val="FFFFFF"/>
                 </a:solidFill>
-                <a:latin typeface="+mn-lt"/>
-                <a:ea typeface="+mn-ea"/>
-                <a:cs typeface="+mn-cs"/>
-                <a:sym typeface="Calibri"/>
               </a:defRPr>
             </a:pPr>
           </a:p>
@@ -5962,7 +6115,7 @@
         <p:spPr>
           <a:xfrm>
             <a:off x="-1" y="6371351"/>
-            <a:ext cx="9780104" cy="432001"/>
+            <a:ext cx="9780104" cy="432002"/>
           </a:xfrm>
           <a:prstGeom prst="rect">
             <a:avLst/>
@@ -5975,7 +6128,7 @@
           </a:ln>
         </p:spPr>
         <p:txBody>
-          <a:bodyPr lIns="45719" rIns="45719" anchor="ctr"/>
+          <a:bodyPr lIns="45718" tIns="45718" rIns="45718" bIns="45718" anchor="ctr"/>
           <a:lstStyle/>
           <a:p>
             <a:pPr algn="ctr">
@@ -5983,10 +6136,6 @@
                 <a:solidFill>
                   <a:srgbClr val="FFFFFF"/>
                 </a:solidFill>
-                <a:latin typeface="+mn-lt"/>
-                <a:ea typeface="+mn-ea"/>
-                <a:cs typeface="+mn-cs"/>
-                <a:sym typeface="Calibri"/>
               </a:defRPr>
             </a:pPr>
           </a:p>
@@ -6000,8 +6149,8 @@
         </p:nvSpPr>
         <p:spPr>
           <a:xfrm>
-            <a:off x="0" y="6803350"/>
-            <a:ext cx="9780104" cy="54651"/>
+            <a:off x="0" y="6803349"/>
+            <a:ext cx="9780104" cy="54652"/>
           </a:xfrm>
           <a:prstGeom prst="rect">
             <a:avLst/>
@@ -6014,7 +6163,7 @@
           </a:ln>
         </p:spPr>
         <p:txBody>
-          <a:bodyPr lIns="45719" rIns="45719" anchor="ctr"/>
+          <a:bodyPr lIns="45718" tIns="45718" rIns="45718" bIns="45718" anchor="ctr"/>
           <a:lstStyle/>
           <a:p>
             <a:pPr algn="ctr">
@@ -6022,10 +6171,6 @@
                 <a:solidFill>
                   <a:srgbClr val="FFFFFF"/>
                 </a:solidFill>
-                <a:latin typeface="+mn-lt"/>
-                <a:ea typeface="+mn-ea"/>
-                <a:cs typeface="+mn-cs"/>
-                <a:sym typeface="Calibri"/>
               </a:defRPr>
             </a:pPr>
           </a:p>
@@ -6039,8 +6184,8 @@
         </p:nvSpPr>
         <p:spPr>
           <a:xfrm>
-            <a:off x="11760000" y="6803350"/>
-            <a:ext cx="432001" cy="54651"/>
+            <a:off x="11760000" y="6803349"/>
+            <a:ext cx="432002" cy="54652"/>
           </a:xfrm>
           <a:prstGeom prst="rect">
             <a:avLst/>
@@ -6053,7 +6198,7 @@
           </a:ln>
         </p:spPr>
         <p:txBody>
-          <a:bodyPr lIns="45719" rIns="45719" anchor="ctr"/>
+          <a:bodyPr lIns="45718" tIns="45718" rIns="45718" bIns="45718" anchor="ctr"/>
           <a:lstStyle/>
           <a:p>
             <a:pPr algn="ctr">
@@ -6061,10 +6206,6 @@
                 <a:solidFill>
                   <a:srgbClr val="FFFFFF"/>
                 </a:solidFill>
-                <a:latin typeface="+mn-lt"/>
-                <a:ea typeface="+mn-ea"/>
-                <a:cs typeface="+mn-cs"/>
-                <a:sym typeface="Calibri"/>
               </a:defRPr>
             </a:pPr>
           </a:p>
@@ -6078,8 +6219,8 @@
         </p:nvSpPr>
         <p:spPr>
           <a:xfrm flipH="1" flipV="1">
-            <a:off x="1" y="6371351"/>
-            <a:ext cx="12192000" cy="1"/>
+            <a:off x="0" y="6371351"/>
+            <a:ext cx="12192002" cy="2"/>
           </a:xfrm>
           <a:prstGeom prst="line">
             <a:avLst/>
@@ -6092,7 +6233,7 @@
           </a:ln>
         </p:spPr>
         <p:txBody>
-          <a:bodyPr lIns="45719" rIns="45719"/>
+          <a:bodyPr lIns="45718" tIns="45718" rIns="45718" bIns="45718"/>
           <a:lstStyle/>
           <a:p>
             <a:pPr/>
@@ -6110,7 +6251,7 @@
         <p:spPr>
           <a:xfrm>
             <a:off x="431999" y="431999"/>
-            <a:ext cx="11328002" cy="432001"/>
+            <a:ext cx="11328003" cy="432002"/>
           </a:xfrm>
           <a:prstGeom prst="rect">
             <a:avLst/>
@@ -6148,7 +6289,7 @@
         <p:spPr>
           <a:xfrm>
             <a:off x="431999" y="1037968"/>
-            <a:ext cx="11328002" cy="5153282"/>
+            <a:ext cx="11328003" cy="5153282"/>
           </a:xfrm>
           <a:prstGeom prst="rect">
             <a:avLst/>
@@ -6232,10 +6373,6 @@
                 <a:solidFill>
                   <a:srgbClr val="FFFFFF"/>
                 </a:solidFill>
-                <a:latin typeface="+mn-lt"/>
-                <a:ea typeface="+mn-ea"/>
-                <a:cs typeface="+mn-cs"/>
-                <a:sym typeface="Calibri"/>
               </a:defRPr>
             </a:lvl1pPr>
           </a:lstStyle>
@@ -6524,7 +6661,7 @@
         </a:spcAft>
         <a:buClrTx/>
         <a:buSzPct val="100000"/>
-        <a:buFontTx/>
+        <a:buFont typeface="Calibri"/>
         <a:buChar char="➢"/>
         <a:tabLst/>
         <a:defRPr b="0" baseline="0" cap="none" i="0" spc="0" strike="noStrike" sz="1800" u="none">
@@ -6550,7 +6687,7 @@
         </a:spcAft>
         <a:buClrTx/>
         <a:buSzPct val="100000"/>
-        <a:buFontTx/>
+        <a:buFont typeface="Calibri"/>
         <a:buChar char="▪"/>
         <a:tabLst/>
         <a:defRPr b="0" baseline="0" cap="none" i="0" spc="0" strike="noStrike" sz="1800" u="none">
@@ -6576,7 +6713,7 @@
         </a:spcAft>
         <a:buClrTx/>
         <a:buSzPct val="100000"/>
-        <a:buFontTx/>
+        <a:buFont typeface="Calibri"/>
         <a:buChar char="•"/>
         <a:tabLst/>
         <a:defRPr b="0" baseline="0" cap="none" i="0" spc="0" strike="noStrike" sz="1800" u="none">
@@ -6602,7 +6739,7 @@
         </a:spcAft>
         <a:buClrTx/>
         <a:buSzPct val="100000"/>
-        <a:buFontTx/>
+        <a:buFont typeface="Calibri"/>
         <a:buChar char="•"/>
         <a:tabLst/>
         <a:defRPr b="0" baseline="0" cap="none" i="0" spc="0" strike="noStrike" sz="1800" u="none">
@@ -6628,7 +6765,7 @@
         </a:spcAft>
         <a:buClrTx/>
         <a:buSzPct val="100000"/>
-        <a:buFontTx/>
+        <a:buFont typeface="Calibri"/>
         <a:buChar char="•"/>
         <a:tabLst/>
         <a:defRPr b="0" baseline="0" cap="none" i="0" spc="0" strike="noStrike" sz="1800" u="none">
@@ -6654,7 +6791,7 @@
         </a:spcAft>
         <a:buClrTx/>
         <a:buSzPct val="100000"/>
-        <a:buFontTx/>
+        <a:buFont typeface="Calibri"/>
         <a:buChar char="•"/>
         <a:tabLst/>
         <a:defRPr b="0" baseline="0" cap="none" i="0" spc="0" strike="noStrike" sz="1800" u="none">
@@ -6680,7 +6817,7 @@
         </a:spcAft>
         <a:buClrTx/>
         <a:buSzPct val="100000"/>
-        <a:buFontTx/>
+        <a:buFont typeface="Calibri"/>
         <a:buChar char="•"/>
         <a:tabLst/>
         <a:defRPr b="0" baseline="0" cap="none" i="0" spc="0" strike="noStrike" sz="1800" u="none">
@@ -6706,7 +6843,7 @@
         </a:spcAft>
         <a:buClrTx/>
         <a:buSzPct val="100000"/>
-        <a:buFontTx/>
+        <a:buFont typeface="Calibri"/>
         <a:buChar char="•"/>
         <a:tabLst/>
         <a:defRPr b="0" baseline="0" cap="none" i="0" spc="0" strike="noStrike" sz="1800" u="none">
@@ -6732,7 +6869,7 @@
         </a:spcAft>
         <a:buClrTx/>
         <a:buSzPct val="100000"/>
-        <a:buFontTx/>
+        <a:buFont typeface="Calibri"/>
         <a:buChar char="•"/>
         <a:tabLst/>
         <a:defRPr b="0" baseline="0" cap="none" i="0" spc="0" strike="noStrike" sz="1800" u="none">
@@ -6774,7 +6911,7 @@
           <a:sym typeface="Calibri"/>
         </a:defRPr>
       </a:lvl1pPr>
-      <a:lvl2pPr marL="0" marR="0" indent="457200" algn="ctr" defTabSz="914400" rtl="0" latinLnBrk="0">
+      <a:lvl2pPr marL="0" marR="0" indent="0" algn="ctr" defTabSz="914400" rtl="0" latinLnBrk="0">
         <a:lnSpc>
           <a:spcPct val="100000"/>
         </a:lnSpc>
@@ -6800,7 +6937,7 @@
           <a:sym typeface="Calibri"/>
         </a:defRPr>
       </a:lvl2pPr>
-      <a:lvl3pPr marL="0" marR="0" indent="914400" algn="ctr" defTabSz="914400" rtl="0" latinLnBrk="0">
+      <a:lvl3pPr marL="0" marR="0" indent="0" algn="ctr" defTabSz="914400" rtl="0" latinLnBrk="0">
         <a:lnSpc>
           <a:spcPct val="100000"/>
         </a:lnSpc>
@@ -6826,7 +6963,7 @@
           <a:sym typeface="Calibri"/>
         </a:defRPr>
       </a:lvl3pPr>
-      <a:lvl4pPr marL="0" marR="0" indent="1371600" algn="ctr" defTabSz="914400" rtl="0" latinLnBrk="0">
+      <a:lvl4pPr marL="0" marR="0" indent="0" algn="ctr" defTabSz="914400" rtl="0" latinLnBrk="0">
         <a:lnSpc>
           <a:spcPct val="100000"/>
         </a:lnSpc>
@@ -6852,7 +6989,7 @@
           <a:sym typeface="Calibri"/>
         </a:defRPr>
       </a:lvl4pPr>
-      <a:lvl5pPr marL="0" marR="0" indent="1828800" algn="ctr" defTabSz="914400" rtl="0" latinLnBrk="0">
+      <a:lvl5pPr marL="0" marR="0" indent="0" algn="ctr" defTabSz="914400" rtl="0" latinLnBrk="0">
         <a:lnSpc>
           <a:spcPct val="100000"/>
         </a:lnSpc>
@@ -6878,7 +7015,7 @@
           <a:sym typeface="Calibri"/>
         </a:defRPr>
       </a:lvl5pPr>
-      <a:lvl6pPr marL="0" marR="0" indent="2286000" algn="ctr" defTabSz="914400" rtl="0" latinLnBrk="0">
+      <a:lvl6pPr marL="0" marR="0" indent="0" algn="ctr" defTabSz="914400" rtl="0" latinLnBrk="0">
         <a:lnSpc>
           <a:spcPct val="100000"/>
         </a:lnSpc>
@@ -6904,7 +7041,7 @@
           <a:sym typeface="Calibri"/>
         </a:defRPr>
       </a:lvl6pPr>
-      <a:lvl7pPr marL="0" marR="0" indent="2743200" algn="ctr" defTabSz="914400" rtl="0" latinLnBrk="0">
+      <a:lvl7pPr marL="0" marR="0" indent="0" algn="ctr" defTabSz="914400" rtl="0" latinLnBrk="0">
         <a:lnSpc>
           <a:spcPct val="100000"/>
         </a:lnSpc>
@@ -6930,7 +7067,7 @@
           <a:sym typeface="Calibri"/>
         </a:defRPr>
       </a:lvl7pPr>
-      <a:lvl8pPr marL="0" marR="0" indent="3200400" algn="ctr" defTabSz="914400" rtl="0" latinLnBrk="0">
+      <a:lvl8pPr marL="0" marR="0" indent="0" algn="ctr" defTabSz="914400" rtl="0" latinLnBrk="0">
         <a:lnSpc>
           <a:spcPct val="100000"/>
         </a:lnSpc>
@@ -6956,7 +7093,7 @@
           <a:sym typeface="Calibri"/>
         </a:defRPr>
       </a:lvl8pPr>
-      <a:lvl9pPr marL="0" marR="0" indent="3657600" algn="ctr" defTabSz="914400" rtl="0" latinLnBrk="0">
+      <a:lvl9pPr marL="0" marR="0" indent="0" algn="ctr" defTabSz="914400" rtl="0" latinLnBrk="0">
         <a:lnSpc>
           <a:spcPct val="100000"/>
         </a:lnSpc>
@@ -7015,7 +7152,7 @@
         <p:spPr>
           <a:xfrm>
             <a:off x="3200400" y="2811053"/>
-            <a:ext cx="8991600" cy="1261296"/>
+            <a:ext cx="8991600" cy="1261297"/>
           </a:xfrm>
           <a:prstGeom prst="rect">
             <a:avLst/>
@@ -7047,7 +7184,7 @@
         <p:spPr>
           <a:xfrm>
             <a:off x="3200400" y="4061038"/>
-            <a:ext cx="6580188" cy="580922"/>
+            <a:ext cx="6580188" cy="580923"/>
           </a:xfrm>
           <a:prstGeom prst="rect">
             <a:avLst/>
@@ -7060,7 +7197,7 @@
               <a:spcBef>
                 <a:spcPts val="900"/>
               </a:spcBef>
-              <a:defRPr sz="1782"/>
+              <a:defRPr sz="1700"/>
             </a:lvl1pPr>
           </a:lstStyle>
           <a:p>
@@ -7079,8 +7216,8 @@
         </p:nvSpPr>
         <p:spPr>
           <a:xfrm>
-            <a:off x="7370503" y="1884232"/>
-            <a:ext cx="4820170" cy="826255"/>
+            <a:off x="7370502" y="1884233"/>
+            <a:ext cx="4820171" cy="826253"/>
           </a:xfrm>
           <a:prstGeom prst="rect">
             <a:avLst/>
@@ -7095,18 +7232,13 @@
           </a:extLst>
         </p:spPr>
         <p:txBody>
-          <a:bodyPr lIns="45719" rIns="45719">
+          <a:bodyPr lIns="45718" tIns="45718" rIns="45718" bIns="45718">
             <a:spAutoFit/>
           </a:bodyPr>
           <a:lstStyle/>
           <a:p>
             <a:pPr algn="r">
-              <a:defRPr b="1" sz="2800">
-                <a:latin typeface="+mn-lt"/>
-                <a:ea typeface="+mn-ea"/>
-                <a:cs typeface="+mn-cs"/>
-                <a:sym typeface="Calibri"/>
-              </a:defRPr>
+              <a:defRPr b="1" sz="2800"/>
             </a:pPr>
             <a:r>
               <a:t>M. Tech. – DSML </a:t>
@@ -7126,12 +7258,7 @@
           </a:p>
           <a:p>
             <a:pPr algn="r">
-              <a:defRPr sz="2000">
-                <a:latin typeface="+mn-lt"/>
-                <a:ea typeface="+mn-ea"/>
-                <a:cs typeface="+mn-cs"/>
-                <a:sym typeface="Calibri"/>
-              </a:defRPr>
+              <a:defRPr sz="2000"/>
             </a:pPr>
             <a:r>
               <a:t>Date: 2</a:t>
@@ -7154,8 +7281,8 @@
         </p:nvSpPr>
         <p:spPr>
           <a:xfrm>
-            <a:off x="7405253" y="5153281"/>
-            <a:ext cx="4632961" cy="1501489"/>
+            <a:off x="7405252" y="5153282"/>
+            <a:ext cx="4632962" cy="1501486"/>
           </a:xfrm>
           <a:prstGeom prst="rect">
             <a:avLst/>
@@ -7170,71 +7297,36 @@
           </a:extLst>
         </p:spPr>
         <p:txBody>
-          <a:bodyPr lIns="45719" rIns="45719">
+          <a:bodyPr lIns="45718" tIns="45718" rIns="45718" bIns="45718">
             <a:spAutoFit/>
           </a:bodyPr>
           <a:lstStyle/>
           <a:p>
-            <a:pPr>
-              <a:defRPr>
-                <a:latin typeface="+mn-lt"/>
-                <a:ea typeface="+mn-ea"/>
-                <a:cs typeface="+mn-cs"/>
-                <a:sym typeface="Calibri"/>
-              </a:defRPr>
-            </a:pPr>
+            <a:pPr/>
             <a:r>
               <a:t>PRAVEEN MANOHAR G</a:t>
             </a:r>
           </a:p>
           <a:p>
-            <a:pPr>
-              <a:defRPr>
-                <a:latin typeface="+mn-lt"/>
-                <a:ea typeface="+mn-ea"/>
-                <a:cs typeface="+mn-cs"/>
-                <a:sym typeface="Calibri"/>
-              </a:defRPr>
-            </a:pPr>
+            <a:pPr/>
             <a:r>
               <a:t>RAHUL A</a:t>
             </a:r>
           </a:p>
           <a:p>
-            <a:pPr>
-              <a:defRPr>
-                <a:latin typeface="+mn-lt"/>
-                <a:ea typeface="+mn-ea"/>
-                <a:cs typeface="+mn-cs"/>
-                <a:sym typeface="Calibri"/>
-              </a:defRPr>
-            </a:pPr>
+            <a:pPr/>
             <a:r>
               <a:t>RAJESH RAMACHANDER</a:t>
             </a:r>
           </a:p>
           <a:p>
-            <a:pPr>
-              <a:defRPr>
-                <a:latin typeface="+mn-lt"/>
-                <a:ea typeface="+mn-ea"/>
-                <a:cs typeface="+mn-cs"/>
-                <a:sym typeface="Calibri"/>
-              </a:defRPr>
-            </a:pPr>
+            <a:pPr/>
             <a:r>
               <a:t>RANJITH GNANA SUTHAKAR ALPHONSE RAJ</a:t>
             </a:r>
           </a:p>
           <a:p>
-            <a:pPr>
-              <a:defRPr>
-                <a:latin typeface="+mn-lt"/>
-                <a:ea typeface="+mn-ea"/>
-                <a:cs typeface="+mn-cs"/>
-                <a:sym typeface="Calibri"/>
-              </a:defRPr>
-            </a:pPr>
+            <a:pPr/>
             <a:r>
               <a:t>YASHASWI GURUMURTHY</a:t>
             </a:r>
@@ -7269,14 +7361,14 @@
       </p:grpSpPr>
       <p:sp>
         <p:nvSpPr>
-          <p:cNvPr id="369" name="Footer Placeholder 3"/>
+          <p:cNvPr id="367" name="Footer Placeholder 3"/>
           <p:cNvSpPr txBox="1"/>
           <p:nvPr/>
         </p:nvSpPr>
         <p:spPr>
           <a:xfrm>
-            <a:off x="431999" y="6508918"/>
-            <a:ext cx="5664001" cy="156866"/>
+            <a:off x="431998" y="6508918"/>
+            <a:ext cx="5664003" cy="156866"/>
           </a:xfrm>
           <a:prstGeom prst="rect">
             <a:avLst/>
@@ -7300,10 +7392,6 @@
                 <a:solidFill>
                   <a:srgbClr val="404040"/>
                 </a:solidFill>
-                <a:latin typeface="+mn-lt"/>
-                <a:ea typeface="+mn-ea"/>
-                <a:cs typeface="+mn-cs"/>
-                <a:sym typeface="Calibri"/>
               </a:defRPr>
             </a:lvl1pPr>
           </a:lstStyle>
@@ -7317,7 +7405,7 @@
       </p:sp>
       <p:sp>
         <p:nvSpPr>
-          <p:cNvPr id="370" name="Title 1"/>
+          <p:cNvPr id="368" name="Title 1"/>
           <p:cNvSpPr txBox="1"/>
           <p:nvPr>
             <p:ph type="title"/>
@@ -7326,7 +7414,7 @@
         <p:spPr>
           <a:xfrm>
             <a:off x="431999" y="431999"/>
-            <a:ext cx="11328001" cy="432001"/>
+            <a:ext cx="11328001" cy="432002"/>
           </a:xfrm>
           <a:prstGeom prst="rect">
             <a:avLst/>
@@ -7349,7 +7437,7 @@
       </p:sp>
       <p:sp>
         <p:nvSpPr>
-          <p:cNvPr id="371" name="Content Placeholder 2"/>
+          <p:cNvPr id="369" name="Content Placeholder 2"/>
           <p:cNvSpPr txBox="1"/>
           <p:nvPr>
             <p:ph type="body" sz="quarter" idx="1"/>
@@ -7358,7 +7446,7 @@
         <p:spPr>
           <a:xfrm>
             <a:off x="431999" y="1006799"/>
-            <a:ext cx="11328001" cy="363661"/>
+            <a:ext cx="11328001" cy="363662"/>
           </a:xfrm>
           <a:prstGeom prst="rect">
             <a:avLst/>
@@ -7377,16 +7465,16 @@
       </p:sp>
       <p:sp>
         <p:nvSpPr>
-          <p:cNvPr id="372" name="Slide Number Placeholder 4"/>
+          <p:cNvPr id="370" name="Slide Number Placeholder 4"/>
           <p:cNvSpPr txBox="1"/>
           <p:nvPr>
-            <p:ph type="sldNum" sz="quarter" idx="2"/>
+            <p:ph type="sldNum" sz="quarter" idx="4294967295"/>
           </p:nvPr>
         </p:nvSpPr>
         <p:spPr>
           <a:xfrm>
             <a:off x="11760000" y="6508918"/>
-            <a:ext cx="432001" cy="156866"/>
+            <a:ext cx="432002" cy="156866"/>
           </a:xfrm>
           <a:prstGeom prst="rect">
             <a:avLst/>
@@ -7408,14 +7496,14 @@
       </p:sp>
       <p:sp>
         <p:nvSpPr>
-          <p:cNvPr id="373" name="Content Placeholder 2"/>
+          <p:cNvPr id="371" name="Content Placeholder 2"/>
           <p:cNvSpPr txBox="1"/>
           <p:nvPr/>
         </p:nvSpPr>
         <p:spPr>
           <a:xfrm>
-            <a:off x="431999" y="1370459"/>
-            <a:ext cx="5664001" cy="241649"/>
+            <a:off x="431998" y="1370458"/>
+            <a:ext cx="5664003" cy="241649"/>
           </a:xfrm>
           <a:prstGeom prst="rect">
             <a:avLst/>
@@ -7442,15 +7530,12 @@
                 <a:spcPts val="1000"/>
               </a:spcBef>
               <a:buSzPct val="100000"/>
+              <a:buFont typeface="Calibri"/>
               <a:buChar char="➢"/>
               <a:defRPr>
                 <a:solidFill>
                   <a:srgbClr val="404040"/>
                 </a:solidFill>
-                <a:latin typeface="+mn-lt"/>
-                <a:ea typeface="+mn-ea"/>
-                <a:cs typeface="+mn-cs"/>
-                <a:sym typeface="Calibri"/>
               </a:defRPr>
             </a:lvl1pPr>
           </a:lstStyle>
@@ -7464,7 +7549,7 @@
       </p:sp>
       <p:pic>
         <p:nvPicPr>
-          <p:cNvPr id="374" name="Picture 6" descr="Picture 6"/>
+          <p:cNvPr id="372" name="Picture 6" descr="Picture 6"/>
           <p:cNvPicPr>
             <a:picLocks noChangeAspect="1"/>
           </p:cNvPicPr>
@@ -7481,7 +7566,7 @@
         <p:spPr>
           <a:xfrm>
             <a:off x="8333516" y="904666"/>
-            <a:ext cx="3256245" cy="3264770"/>
+            <a:ext cx="3256246" cy="3264771"/>
           </a:xfrm>
           <a:prstGeom prst="rect">
             <a:avLst/>
@@ -7493,7 +7578,7 @@
       </p:pic>
       <p:pic>
         <p:nvPicPr>
-          <p:cNvPr id="375" name="Picture 7" descr="Picture 7"/>
+          <p:cNvPr id="373" name="Picture 7" descr="Picture 7"/>
           <p:cNvPicPr>
             <a:picLocks noChangeAspect="1"/>
           </p:cNvPicPr>
@@ -7509,8 +7594,8 @@
         </p:blipFill>
         <p:spPr>
           <a:xfrm>
-            <a:off x="5819773" y="2088871"/>
-            <a:ext cx="2276476" cy="752476"/>
+            <a:off x="5819773" y="2088870"/>
+            <a:ext cx="2276477" cy="752477"/>
           </a:xfrm>
           <a:prstGeom prst="rect">
             <a:avLst/>
@@ -7522,7 +7607,7 @@
       </p:pic>
       <p:pic>
         <p:nvPicPr>
-          <p:cNvPr id="376" name="Picture 9" descr="Picture 9"/>
+          <p:cNvPr id="374" name="Picture 9" descr="Picture 9"/>
           <p:cNvPicPr>
             <a:picLocks noChangeAspect="1"/>
           </p:cNvPicPr>
@@ -7538,8 +7623,8 @@
         </p:blipFill>
         <p:spPr>
           <a:xfrm>
-            <a:off x="6958011" y="4312234"/>
-            <a:ext cx="1790701" cy="704851"/>
+            <a:off x="6958010" y="4312234"/>
+            <a:ext cx="1790702" cy="704852"/>
           </a:xfrm>
           <a:prstGeom prst="rect">
             <a:avLst/>
@@ -7577,14 +7662,14 @@
       </p:grpSpPr>
       <p:sp>
         <p:nvSpPr>
-          <p:cNvPr id="378" name="Footer Placeholder 3"/>
+          <p:cNvPr id="376" name="Footer Placeholder 3"/>
           <p:cNvSpPr txBox="1"/>
           <p:nvPr/>
         </p:nvSpPr>
         <p:spPr>
           <a:xfrm>
-            <a:off x="431999" y="6508918"/>
-            <a:ext cx="5664001" cy="156866"/>
+            <a:off x="431998" y="6508918"/>
+            <a:ext cx="5664003" cy="156866"/>
           </a:xfrm>
           <a:prstGeom prst="rect">
             <a:avLst/>
@@ -7608,10 +7693,6 @@
                 <a:solidFill>
                   <a:srgbClr val="404040"/>
                 </a:solidFill>
-                <a:latin typeface="+mn-lt"/>
-                <a:ea typeface="+mn-ea"/>
-                <a:cs typeface="+mn-cs"/>
-                <a:sym typeface="Calibri"/>
               </a:defRPr>
             </a:lvl1pPr>
           </a:lstStyle>
@@ -7625,7 +7706,7 @@
       </p:sp>
       <p:sp>
         <p:nvSpPr>
-          <p:cNvPr id="379" name="Title 1"/>
+          <p:cNvPr id="377" name="Title 1"/>
           <p:cNvSpPr txBox="1"/>
           <p:nvPr>
             <p:ph type="title"/>
@@ -7634,7 +7715,7 @@
         <p:spPr>
           <a:xfrm>
             <a:off x="431999" y="431999"/>
-            <a:ext cx="11328001" cy="432001"/>
+            <a:ext cx="11328001" cy="432002"/>
           </a:xfrm>
           <a:prstGeom prst="rect">
             <a:avLst/>
@@ -7657,7 +7738,7 @@
       </p:sp>
       <p:sp>
         <p:nvSpPr>
-          <p:cNvPr id="380" name="Content Placeholder 2"/>
+          <p:cNvPr id="378" name="Content Placeholder 2"/>
           <p:cNvSpPr txBox="1"/>
           <p:nvPr>
             <p:ph type="body" idx="1"/>
@@ -7665,8 +7746,8 @@
         </p:nvSpPr>
         <p:spPr>
           <a:xfrm>
-            <a:off x="431999" y="1037968"/>
-            <a:ext cx="11328001" cy="5153283"/>
+            <a:off x="431999" y="1037967"/>
+            <a:ext cx="11328001" cy="5153285"/>
           </a:xfrm>
           <a:prstGeom prst="rect">
             <a:avLst/>
@@ -7685,16 +7766,16 @@
       </p:sp>
       <p:sp>
         <p:nvSpPr>
-          <p:cNvPr id="381" name="Slide Number Placeholder 4"/>
+          <p:cNvPr id="379" name="Slide Number Placeholder 4"/>
           <p:cNvSpPr txBox="1"/>
           <p:nvPr>
-            <p:ph type="sldNum" sz="quarter" idx="2"/>
+            <p:ph type="sldNum" sz="quarter" idx="4294967295"/>
           </p:nvPr>
         </p:nvSpPr>
         <p:spPr>
           <a:xfrm>
             <a:off x="11760000" y="6508918"/>
-            <a:ext cx="432001" cy="156866"/>
+            <a:ext cx="432002" cy="156866"/>
           </a:xfrm>
           <a:prstGeom prst="rect">
             <a:avLst/>
@@ -7748,8 +7829,8 @@
         </p:nvSpPr>
         <p:spPr>
           <a:xfrm>
-            <a:off x="431999" y="6508918"/>
-            <a:ext cx="5664001" cy="156866"/>
+            <a:off x="431998" y="6508918"/>
+            <a:ext cx="5664003" cy="156866"/>
           </a:xfrm>
           <a:prstGeom prst="rect">
             <a:avLst/>
@@ -7773,10 +7854,6 @@
                 <a:solidFill>
                   <a:srgbClr val="404040"/>
                 </a:solidFill>
-                <a:latin typeface="+mn-lt"/>
-                <a:ea typeface="+mn-ea"/>
-                <a:cs typeface="+mn-cs"/>
-                <a:sym typeface="Calibri"/>
               </a:defRPr>
             </a:lvl1pPr>
           </a:lstStyle>
@@ -7799,7 +7876,7 @@
         <p:spPr>
           <a:xfrm>
             <a:off x="431999" y="431999"/>
-            <a:ext cx="11328001" cy="432001"/>
+            <a:ext cx="11328001" cy="432002"/>
           </a:xfrm>
           <a:prstGeom prst="rect">
             <a:avLst/>
@@ -7830,8 +7907,8 @@
         </p:nvSpPr>
         <p:spPr>
           <a:xfrm>
-            <a:off x="431999" y="1037968"/>
-            <a:ext cx="11328001" cy="5153283"/>
+            <a:off x="431999" y="1037967"/>
+            <a:ext cx="11328001" cy="5153285"/>
           </a:xfrm>
           <a:prstGeom prst="rect">
             <a:avLst/>
@@ -7841,59 +7918,63 @@
           <a:bodyPr/>
           <a:lstStyle/>
           <a:p>
-            <a:pPr marL="280035" indent="-280035" defTabSz="896111">
+            <a:pPr marL="280034" indent="-280034" defTabSz="896111">
               <a:spcBef>
                 <a:spcPts val="900"/>
               </a:spcBef>
-              <a:defRPr sz="1764"/>
+              <a:defRPr sz="1700"/>
             </a:pPr>
             <a:r>
               <a:t>Dataset Provided: E-Commerce purchase data with Purchaser and Purchase details</a:t>
             </a:r>
           </a:p>
           <a:p>
-            <a:pPr lvl="1" marL="541401" indent="-280035" defTabSz="896111">
+            <a:pPr lvl="1" marL="541401" indent="-280034" defTabSz="896111">
               <a:spcBef>
                 <a:spcPts val="900"/>
               </a:spcBef>
               <a:buChar char="➢"/>
-              <a:defRPr sz="1764"/>
+              <a:defRPr sz="1700"/>
             </a:pPr>
             <a:r>
               <a:t>The dataset was cleaned and transformed </a:t>
             </a:r>
-            <a:endParaRPr sz="1568"/>
-          </a:p>
-          <a:p>
-            <a:pPr lvl="1" marL="532066" indent="-270700" defTabSz="896111">
+            <a:endParaRPr sz="1500"/>
+          </a:p>
+          <a:p>
+            <a:pPr lvl="1" marL="532066" indent="-270699" defTabSz="896111">
               <a:spcBef>
                 <a:spcPts val="400"/>
               </a:spcBef>
-              <a:defRPr sz="1568"/>
+              <a:buFontTx/>
+              <a:defRPr sz="1500"/>
             </a:pPr>
           </a:p>
           <a:p>
-            <a:pPr lvl="1" marL="532066" indent="-270700" defTabSz="896111">
+            <a:pPr lvl="1" marL="532066" indent="-270699" defTabSz="896111">
               <a:spcBef>
                 <a:spcPts val="400"/>
               </a:spcBef>
-              <a:defRPr sz="1568"/>
+              <a:buFontTx/>
+              <a:defRPr sz="1500"/>
             </a:pPr>
           </a:p>
           <a:p>
-            <a:pPr lvl="1" marL="532066" indent="-270700" defTabSz="896111">
+            <a:pPr lvl="1" marL="532066" indent="-270699" defTabSz="896111">
               <a:spcBef>
                 <a:spcPts val="400"/>
               </a:spcBef>
-              <a:defRPr sz="1568"/>
+              <a:buFontTx/>
+              <a:defRPr sz="1500"/>
             </a:pPr>
           </a:p>
           <a:p>
-            <a:pPr lvl="1" marL="532066" indent="-270700" defTabSz="896111">
+            <a:pPr lvl="1" marL="532066" indent="-270699" defTabSz="896111">
               <a:spcBef>
                 <a:spcPts val="400"/>
               </a:spcBef>
-              <a:defRPr sz="1568"/>
+              <a:buFontTx/>
+              <a:defRPr sz="1500"/>
             </a:pPr>
           </a:p>
           <a:p>
@@ -7902,117 +7983,120 @@
                 <a:spcPts val="400"/>
               </a:spcBef>
               <a:buSzTx/>
-              <a:buFont typeface="Wingdings"/>
               <a:buNone/>
-              <a:defRPr sz="1568"/>
+              <a:defRPr sz="1500"/>
             </a:pPr>
           </a:p>
           <a:p>
-            <a:pPr marL="280035" indent="-280035" defTabSz="896111">
+            <a:pPr marL="280034" indent="-280034" defTabSz="896111">
               <a:spcBef>
                 <a:spcPts val="900"/>
               </a:spcBef>
-              <a:defRPr sz="1764"/>
+              <a:defRPr sz="1500"/>
             </a:pPr>
-            <a:endParaRPr sz="1568"/>
-          </a:p>
-          <a:p>
-            <a:pPr marL="280035" indent="-280035" defTabSz="896111">
+          </a:p>
+          <a:p>
+            <a:pPr marL="280034" indent="-280034" defTabSz="896111">
               <a:spcBef>
                 <a:spcPts val="900"/>
               </a:spcBef>
-              <a:defRPr sz="1764"/>
+              <a:defRPr sz="1700"/>
             </a:pPr>
             <a:r>
               <a:t>Analysis Objective:</a:t>
             </a:r>
           </a:p>
           <a:p>
-            <a:pPr lvl="1" marL="532066" indent="-270700" defTabSz="896111">
+            <a:pPr lvl="1" marL="532066" indent="-270699" defTabSz="896111">
               <a:spcBef>
                 <a:spcPts val="400"/>
               </a:spcBef>
-              <a:defRPr sz="1568"/>
+              <a:buFontTx/>
+              <a:defRPr sz="1500"/>
             </a:pPr>
             <a:r>
               <a:t>Characterize customer purchases from the E-commerce purchase data to identify patterns or trends for related insights</a:t>
             </a:r>
           </a:p>
           <a:p>
-            <a:pPr marL="280035" indent="-280035" defTabSz="896111">
+            <a:pPr marL="280034" indent="-280034" defTabSz="896111">
               <a:spcBef>
                 <a:spcPts val="900"/>
               </a:spcBef>
-              <a:defRPr sz="1764"/>
+              <a:defRPr sz="1500"/>
             </a:pPr>
-            <a:endParaRPr sz="1568"/>
-          </a:p>
-          <a:p>
-            <a:pPr marL="280035" indent="-280035" defTabSz="896111">
+          </a:p>
+          <a:p>
+            <a:pPr marL="280034" indent="-280034" defTabSz="896111">
               <a:spcBef>
                 <a:spcPts val="900"/>
               </a:spcBef>
-              <a:defRPr sz="1764"/>
+              <a:defRPr sz="1700"/>
             </a:pPr>
             <a:r>
               <a:t>Analysis Steps/ Approach:</a:t>
             </a:r>
           </a:p>
           <a:p>
-            <a:pPr lvl="1" marL="597408" indent="-336042" defTabSz="896111">
+            <a:pPr lvl="1" marL="597408" indent="-336041" defTabSz="896111">
               <a:spcBef>
                 <a:spcPts val="400"/>
               </a:spcBef>
+              <a:buFontTx/>
               <a:buAutoNum type="arabicPeriod" startAt="1"/>
-              <a:defRPr sz="1568"/>
+              <a:defRPr sz="1500"/>
             </a:pPr>
             <a:r>
               <a:t>Initial exploration of the dataset</a:t>
             </a:r>
           </a:p>
           <a:p>
-            <a:pPr lvl="1" marL="597408" indent="-336042" defTabSz="896111">
+            <a:pPr lvl="1" marL="597408" indent="-336041" defTabSz="896111">
               <a:spcBef>
                 <a:spcPts val="400"/>
               </a:spcBef>
+              <a:buFontTx/>
               <a:buAutoNum type="arabicPeriod" startAt="1"/>
-              <a:defRPr sz="1568"/>
+              <a:defRPr sz="1500"/>
             </a:pPr>
             <a:r>
               <a:t>Interpreting and transforming the dataset</a:t>
             </a:r>
           </a:p>
           <a:p>
-            <a:pPr lvl="1" marL="597408" indent="-336042" defTabSz="896111">
+            <a:pPr lvl="1" marL="597408" indent="-336041" defTabSz="896111">
               <a:spcBef>
                 <a:spcPts val="400"/>
               </a:spcBef>
+              <a:buFontTx/>
               <a:buAutoNum type="arabicPeriod" startAt="1"/>
-              <a:defRPr sz="1568"/>
+              <a:defRPr sz="1500"/>
             </a:pPr>
             <a:r>
               <a:t>Impute the data</a:t>
             </a:r>
           </a:p>
           <a:p>
-            <a:pPr lvl="1" marL="597408" indent="-336042" defTabSz="896111">
+            <a:pPr lvl="1" marL="597408" indent="-336041" defTabSz="896111">
               <a:spcBef>
                 <a:spcPts val="400"/>
               </a:spcBef>
+              <a:buFontTx/>
               <a:buAutoNum type="arabicPeriod" startAt="1"/>
-              <a:defRPr sz="1568"/>
+              <a:defRPr sz="1500"/>
             </a:pPr>
             <a:r>
               <a:t>Identify 5 key questions to be answered from the data</a:t>
             </a:r>
           </a:p>
           <a:p>
-            <a:pPr lvl="1" marL="597408" indent="-336042" defTabSz="896111">
+            <a:pPr lvl="1" marL="597408" indent="-336041" defTabSz="896111">
               <a:spcBef>
                 <a:spcPts val="400"/>
               </a:spcBef>
+              <a:buFontTx/>
               <a:buAutoNum type="arabicPeriod" startAt="1"/>
-              <a:defRPr sz="1568"/>
+              <a:defRPr sz="1500"/>
             </a:pPr>
             <a:r>
               <a:t>Exploring and Analysing the data</a:t>
@@ -8025,13 +8109,13 @@
           <p:cNvPr id="287" name="Slide Number Placeholder 4"/>
           <p:cNvSpPr txBox="1"/>
           <p:nvPr>
-            <p:ph type="sldNum" sz="quarter" idx="2"/>
+            <p:ph type="sldNum" sz="quarter" idx="4294967295"/>
           </p:nvPr>
         </p:nvSpPr>
         <p:spPr>
           <a:xfrm>
             <a:off x="11760000" y="6508918"/>
-            <a:ext cx="432001" cy="156866"/>
+            <a:ext cx="432002" cy="156866"/>
           </a:xfrm>
           <a:prstGeom prst="rect">
             <a:avLst/>
@@ -8069,8 +8153,8 @@
         </p:blipFill>
         <p:spPr>
           <a:xfrm>
-            <a:off x="1147504" y="1713159"/>
-            <a:ext cx="3691790" cy="1327717"/>
+            <a:off x="1147503" y="1713158"/>
+            <a:ext cx="3691792" cy="1327719"/>
           </a:xfrm>
           <a:prstGeom prst="rect">
             <a:avLst/>
@@ -8114,8 +8198,8 @@
         </p:nvSpPr>
         <p:spPr>
           <a:xfrm>
-            <a:off x="431999" y="6508918"/>
-            <a:ext cx="5664001" cy="156866"/>
+            <a:off x="431998" y="6508918"/>
+            <a:ext cx="5664003" cy="156866"/>
           </a:xfrm>
           <a:prstGeom prst="rect">
             <a:avLst/>
@@ -8139,10 +8223,6 @@
                 <a:solidFill>
                   <a:srgbClr val="404040"/>
                 </a:solidFill>
-                <a:latin typeface="+mn-lt"/>
-                <a:ea typeface="+mn-ea"/>
-                <a:cs typeface="+mn-cs"/>
-                <a:sym typeface="Calibri"/>
               </a:defRPr>
             </a:lvl1pPr>
           </a:lstStyle>
@@ -8165,7 +8245,7 @@
         <p:spPr>
           <a:xfrm>
             <a:off x="431999" y="431999"/>
-            <a:ext cx="11328001" cy="432001"/>
+            <a:ext cx="11328001" cy="432002"/>
           </a:xfrm>
           <a:prstGeom prst="rect">
             <a:avLst/>
@@ -8196,8 +8276,8 @@
         </p:nvSpPr>
         <p:spPr>
           <a:xfrm>
-            <a:off x="431999" y="1037968"/>
-            <a:ext cx="11328001" cy="5153283"/>
+            <a:off x="431999" y="1037967"/>
+            <a:ext cx="11328001" cy="5153285"/>
           </a:xfrm>
           <a:prstGeom prst="rect">
             <a:avLst/>
@@ -8218,8 +8298,8 @@
           <a:p>
             <a:pPr lvl="1" marL="285750" indent="-285750">
               <a:buChar char="➢"/>
+              <a:defRPr sz="1600"/>
             </a:pPr>
-            <a:endParaRPr sz="1600"/>
           </a:p>
           <a:p>
             <a:pPr/>
@@ -8232,6 +8312,7 @@
               <a:spcBef>
                 <a:spcPts val="500"/>
               </a:spcBef>
+              <a:buFontTx/>
               <a:defRPr sz="1600"/>
             </a:pPr>
             <a:r>
@@ -8291,6 +8372,7 @@
               <a:spcBef>
                 <a:spcPts val="500"/>
               </a:spcBef>
+              <a:buFontTx/>
               <a:defRPr sz="1600"/>
             </a:pPr>
             <a:r>
@@ -8362,6 +8444,7 @@
               <a:spcBef>
                 <a:spcPts val="500"/>
               </a:spcBef>
+              <a:buFontTx/>
               <a:defRPr sz="1600"/>
             </a:pPr>
             <a:r>
@@ -8373,6 +8456,7 @@
               <a:spcBef>
                 <a:spcPts val="500"/>
               </a:spcBef>
+              <a:buFontTx/>
               <a:defRPr sz="1600"/>
             </a:pPr>
             <a:r>
@@ -8384,6 +8468,7 @@
               <a:spcBef>
                 <a:spcPts val="500"/>
               </a:spcBef>
+              <a:buFontTx/>
               <a:defRPr sz="1600"/>
             </a:pPr>
             <a:r>
@@ -8397,13 +8482,13 @@
           <p:cNvPr id="293" name="Slide Number Placeholder 4"/>
           <p:cNvSpPr txBox="1"/>
           <p:nvPr>
-            <p:ph type="sldNum" sz="quarter" idx="2"/>
+            <p:ph type="sldNum" sz="quarter" idx="4294967295"/>
           </p:nvPr>
         </p:nvSpPr>
         <p:spPr>
           <a:xfrm>
             <a:off x="11760000" y="6508918"/>
-            <a:ext cx="432001" cy="156866"/>
+            <a:ext cx="432002" cy="156866"/>
           </a:xfrm>
           <a:prstGeom prst="rect">
             <a:avLst/>
@@ -8431,8 +8516,8 @@
         </p:nvSpPr>
         <p:spPr>
           <a:xfrm>
-            <a:off x="2044930" y="3000894"/>
-            <a:ext cx="4746568" cy="1"/>
+            <a:off x="2044930" y="3000893"/>
+            <a:ext cx="4746569" cy="2"/>
           </a:xfrm>
           <a:prstGeom prst="line">
             <a:avLst/>
@@ -8446,7 +8531,7 @@
           </a:ln>
         </p:spPr>
         <p:txBody>
-          <a:bodyPr lIns="45719" rIns="45719"/>
+          <a:bodyPr lIns="45718" tIns="45718" rIns="45718" bIns="45718"/>
           <a:lstStyle/>
           <a:p>
             <a:pPr/>
@@ -8462,7 +8547,7 @@
         <p:spPr>
           <a:xfrm>
             <a:off x="4418214" y="4337165"/>
-            <a:ext cx="2866328" cy="1"/>
+            <a:ext cx="2866329" cy="2"/>
           </a:xfrm>
           <a:prstGeom prst="line">
             <a:avLst/>
@@ -8476,7 +8561,7 @@
           </a:ln>
         </p:spPr>
         <p:txBody>
-          <a:bodyPr lIns="45719" rIns="45719"/>
+          <a:bodyPr lIns="45718" tIns="45718" rIns="45718" bIns="45718"/>
           <a:lstStyle/>
           <a:p>
             <a:pPr/>
@@ -8491,8 +8576,8 @@
         </p:nvSpPr>
         <p:spPr>
           <a:xfrm>
-            <a:off x="4414813" y="4586683"/>
-            <a:ext cx="2873129" cy="1"/>
+            <a:off x="4414813" y="4586682"/>
+            <a:ext cx="2873130" cy="2"/>
           </a:xfrm>
           <a:prstGeom prst="line">
             <a:avLst/>
@@ -8506,7 +8591,7 @@
           </a:ln>
         </p:spPr>
         <p:txBody>
-          <a:bodyPr lIns="45719" rIns="45719"/>
+          <a:bodyPr lIns="45718" tIns="45718" rIns="45718" bIns="45718"/>
           <a:lstStyle/>
           <a:p>
             <a:pPr/>
@@ -8521,8 +8606,8 @@
         </p:nvSpPr>
         <p:spPr>
           <a:xfrm flipV="1">
-            <a:off x="3017519" y="3447627"/>
-            <a:ext cx="4927713" cy="609026"/>
+            <a:off x="3017518" y="3447627"/>
+            <a:ext cx="4927715" cy="609027"/>
           </a:xfrm>
           <a:custGeom>
             <a:avLst/>
@@ -8566,10 +8651,17 @@
           </a:ln>
         </p:spPr>
         <p:txBody>
-          <a:bodyPr lIns="45719" rIns="45719" anchor="ctr"/>
+          <a:bodyPr lIns="45718" tIns="45718" rIns="45718" bIns="45718" anchor="ctr"/>
           <a:lstStyle/>
           <a:p>
-            <a:pPr/>
+            <a:pPr>
+              <a:defRPr>
+                <a:latin typeface="Candara"/>
+                <a:ea typeface="Candara"/>
+                <a:cs typeface="Candara"/>
+                <a:sym typeface="Candara"/>
+              </a:defRPr>
+            </a:pPr>
           </a:p>
         </p:txBody>
       </p:sp>
@@ -8591,8 +8683,8 @@
         </p:blipFill>
         <p:spPr>
           <a:xfrm>
-            <a:off x="6881408" y="1476920"/>
-            <a:ext cx="1987382" cy="2050706"/>
+            <a:off x="6881407" y="1476920"/>
+            <a:ext cx="1987383" cy="2050707"/>
           </a:xfrm>
           <a:prstGeom prst="rect">
             <a:avLst/>
@@ -8620,8 +8712,8 @@
         </p:blipFill>
         <p:spPr>
           <a:xfrm>
-            <a:off x="2728126" y="2103327"/>
-            <a:ext cx="1447801" cy="800101"/>
+            <a:off x="2728125" y="2103327"/>
+            <a:ext cx="1447802" cy="800102"/>
           </a:xfrm>
           <a:prstGeom prst="rect">
             <a:avLst/>
@@ -8649,8 +8741,8 @@
         </p:blipFill>
         <p:spPr>
           <a:xfrm>
-            <a:off x="4141923" y="4822550"/>
-            <a:ext cx="1496255" cy="1218078"/>
+            <a:off x="4141923" y="4822549"/>
+            <a:ext cx="1496256" cy="1218079"/>
           </a:xfrm>
           <a:prstGeom prst="rect">
             <a:avLst/>
@@ -8678,8 +8770,8 @@
         </p:blipFill>
         <p:spPr>
           <a:xfrm>
-            <a:off x="7359431" y="4255625"/>
-            <a:ext cx="1748713" cy="2115726"/>
+            <a:off x="7359430" y="4255625"/>
+            <a:ext cx="1748714" cy="2115727"/>
           </a:xfrm>
           <a:prstGeom prst="rect">
             <a:avLst/>
@@ -8723,8 +8815,8 @@
         </p:nvSpPr>
         <p:spPr>
           <a:xfrm>
-            <a:off x="431999" y="6508918"/>
-            <a:ext cx="5664001" cy="156866"/>
+            <a:off x="431998" y="6508918"/>
+            <a:ext cx="5664003" cy="156866"/>
           </a:xfrm>
           <a:prstGeom prst="rect">
             <a:avLst/>
@@ -8748,10 +8840,6 @@
                 <a:solidFill>
                   <a:srgbClr val="404040"/>
                 </a:solidFill>
-                <a:latin typeface="+mn-lt"/>
-                <a:ea typeface="+mn-ea"/>
-                <a:cs typeface="+mn-cs"/>
-                <a:sym typeface="Calibri"/>
               </a:defRPr>
             </a:lvl1pPr>
           </a:lstStyle>
@@ -8773,8 +8861,8 @@
         </p:nvSpPr>
         <p:spPr>
           <a:xfrm>
-            <a:off x="431999" y="316920"/>
-            <a:ext cx="11328002" cy="432001"/>
+            <a:off x="431998" y="316919"/>
+            <a:ext cx="11328004" cy="432002"/>
           </a:xfrm>
           <a:prstGeom prst="rect">
             <a:avLst/>
@@ -8804,6 +8892,10 @@
           </p:nvPr>
         </p:nvSpPr>
         <p:spPr>
+          <a:xfrm>
+            <a:off x="431998" y="1037968"/>
+            <a:ext cx="11328004" cy="5153283"/>
+          </a:xfrm>
           <a:prstGeom prst="rect">
             <a:avLst/>
           </a:prstGeom>
@@ -8871,7 +8963,7 @@
         <p:spPr>
           <a:xfrm>
             <a:off x="431999" y="1037968"/>
-            <a:ext cx="10105438" cy="1137365"/>
+            <a:ext cx="10105439" cy="1137366"/>
           </a:xfrm>
           <a:prstGeom prst="rect">
             <a:avLst/>
@@ -8886,13 +8978,13 @@
           <p:cNvPr id="307" name="Slide Number Placeholder 4"/>
           <p:cNvSpPr txBox="1"/>
           <p:nvPr>
-            <p:ph type="sldNum" sz="quarter" idx="2"/>
+            <p:ph type="sldNum" sz="quarter" idx="4294967295"/>
           </p:nvPr>
         </p:nvSpPr>
         <p:spPr>
           <a:xfrm>
             <a:off x="11760000" y="6508918"/>
-            <a:ext cx="432000" cy="156866"/>
+            <a:ext cx="432001" cy="156866"/>
           </a:xfrm>
           <a:prstGeom prst="rect">
             <a:avLst/>
@@ -8930,8 +9022,8 @@
         </p:blipFill>
         <p:spPr>
           <a:xfrm>
-            <a:off x="6944978" y="2497113"/>
-            <a:ext cx="3840118" cy="2748085"/>
+            <a:off x="6944977" y="2497113"/>
+            <a:ext cx="3840119" cy="2748086"/>
           </a:xfrm>
           <a:prstGeom prst="rect">
             <a:avLst/>
@@ -8960,7 +9052,7 @@
         <p:spPr>
           <a:xfrm>
             <a:off x="2406531" y="4529904"/>
-            <a:ext cx="4289665" cy="1568966"/>
+            <a:ext cx="4289665" cy="1568967"/>
           </a:xfrm>
           <a:prstGeom prst="rect">
             <a:avLst/>
@@ -9004,8 +9096,8 @@
         </p:nvSpPr>
         <p:spPr>
           <a:xfrm>
-            <a:off x="431999" y="6508918"/>
-            <a:ext cx="5664001" cy="156866"/>
+            <a:off x="431998" y="6508918"/>
+            <a:ext cx="5664003" cy="156866"/>
           </a:xfrm>
           <a:prstGeom prst="rect">
             <a:avLst/>
@@ -9029,10 +9121,6 @@
                 <a:solidFill>
                   <a:srgbClr val="404040"/>
                 </a:solidFill>
-                <a:latin typeface="+mn-lt"/>
-                <a:ea typeface="+mn-ea"/>
-                <a:cs typeface="+mn-cs"/>
-                <a:sym typeface="Calibri"/>
               </a:defRPr>
             </a:lvl1pPr>
           </a:lstStyle>
@@ -9055,7 +9143,7 @@
         <p:spPr>
           <a:xfrm>
             <a:off x="431999" y="431999"/>
-            <a:ext cx="11328001" cy="432001"/>
+            <a:ext cx="11328001" cy="432002"/>
           </a:xfrm>
           <a:prstGeom prst="rect">
             <a:avLst/>
@@ -9071,7 +9159,7 @@
           <a:p>
             <a:pPr/>
             <a:r>
-              <a:t>Data Imputation Techniques</a:t>
+              <a:t>Impute The Data</a:t>
             </a:r>
           </a:p>
         </p:txBody>
@@ -9086,8 +9174,8 @@
         </p:nvSpPr>
         <p:spPr>
           <a:xfrm>
-            <a:off x="418379" y="1036899"/>
-            <a:ext cx="11355242" cy="3316626"/>
+            <a:off x="418378" y="1036898"/>
+            <a:ext cx="11355244" cy="3316627"/>
           </a:xfrm>
           <a:prstGeom prst="rect">
             <a:avLst/>
@@ -9101,7 +9189,7 @@
               <a:spcBef>
                 <a:spcPts val="700"/>
               </a:spcBef>
-              <a:defRPr sz="1386"/>
+              <a:defRPr sz="1300"/>
             </a:pPr>
             <a:r>
               <a:t>Since dataset provided does not have any NULL (NaN) values, 10% of the ‘Purchase Price’ column data is randomly removed to try out imputation techniques and its impact</a:t>
@@ -9112,7 +9200,7 @@
               <a:spcBef>
                 <a:spcPts val="700"/>
               </a:spcBef>
-              <a:defRPr sz="1386"/>
+              <a:defRPr sz="1300"/>
             </a:pPr>
           </a:p>
           <a:p>
@@ -9120,7 +9208,7 @@
               <a:spcBef>
                 <a:spcPts val="700"/>
               </a:spcBef>
-              <a:defRPr sz="1386"/>
+              <a:defRPr sz="1300"/>
             </a:pPr>
           </a:p>
           <a:p>
@@ -9128,7 +9216,7 @@
               <a:spcBef>
                 <a:spcPts val="700"/>
               </a:spcBef>
-              <a:defRPr sz="1386"/>
+              <a:defRPr sz="1300"/>
             </a:pPr>
           </a:p>
           <a:p>
@@ -9136,7 +9224,7 @@
               <a:spcBef>
                 <a:spcPts val="700"/>
               </a:spcBef>
-              <a:defRPr sz="1386"/>
+              <a:defRPr sz="1300"/>
             </a:pPr>
           </a:p>
           <a:p>
@@ -9144,7 +9232,7 @@
               <a:spcBef>
                 <a:spcPts val="700"/>
               </a:spcBef>
-              <a:defRPr sz="1386"/>
+              <a:defRPr sz="1300"/>
             </a:pPr>
           </a:p>
           <a:p>
@@ -9152,7 +9240,7 @@
               <a:spcBef>
                 <a:spcPts val="700"/>
               </a:spcBef>
-              <a:defRPr sz="1386"/>
+              <a:defRPr sz="1300"/>
             </a:pPr>
           </a:p>
           <a:p>
@@ -9160,7 +9248,7 @@
               <a:spcBef>
                 <a:spcPts val="700"/>
               </a:spcBef>
-              <a:defRPr sz="1386"/>
+              <a:defRPr sz="1300"/>
             </a:pPr>
             <a:r>
               <a:t>Imputation types tried:</a:t>
@@ -9171,7 +9259,8 @@
               <a:spcBef>
                 <a:spcPts val="300"/>
               </a:spcBef>
-              <a:defRPr sz="1232"/>
+              <a:buFontTx/>
+              <a:defRPr sz="1200"/>
             </a:pPr>
             <a:r>
               <a:t>Replacing with Mean and Median  value</a:t>
@@ -9182,7 +9271,8 @@
               <a:spcBef>
                 <a:spcPts val="300"/>
               </a:spcBef>
-              <a:defRPr sz="1232"/>
+              <a:buFontTx/>
+              <a:defRPr sz="1200"/>
             </a:pPr>
             <a:r>
               <a:t>Using Forward and Backfill integrated to replace NaN</a:t>
@@ -9193,7 +9283,8 @@
               <a:spcBef>
                 <a:spcPts val="300"/>
               </a:spcBef>
-              <a:defRPr sz="1232"/>
+              <a:buFontTx/>
+              <a:defRPr sz="1200"/>
             </a:pPr>
             <a:r>
               <a:t>Using Random </a:t>
@@ -9204,7 +9295,8 @@
               <a:spcBef>
                 <a:spcPts val="300"/>
               </a:spcBef>
-              <a:defRPr sz="1232"/>
+              <a:buFontTx/>
+              <a:defRPr sz="1200"/>
             </a:pPr>
             <a:r>
               <a:t>Using Constant</a:t>
@@ -9217,13 +9309,13 @@
           <p:cNvPr id="314" name="Slide Number Placeholder 4"/>
           <p:cNvSpPr txBox="1"/>
           <p:nvPr>
-            <p:ph type="sldNum" sz="quarter" idx="2"/>
+            <p:ph type="sldNum" sz="quarter" idx="4294967295"/>
           </p:nvPr>
         </p:nvSpPr>
         <p:spPr>
           <a:xfrm>
             <a:off x="11760000" y="6508918"/>
-            <a:ext cx="432001" cy="156866"/>
+            <a:ext cx="432002" cy="156866"/>
           </a:xfrm>
           <a:prstGeom prst="rect">
             <a:avLst/>
@@ -9251,8 +9343,8 @@
         </p:nvSpPr>
         <p:spPr>
           <a:xfrm>
-            <a:off x="7096122" y="1840726"/>
-            <a:ext cx="2852712" cy="228511"/>
+            <a:off x="7096121" y="1840727"/>
+            <a:ext cx="2852713" cy="228509"/>
           </a:xfrm>
           <a:prstGeom prst="rect">
             <a:avLst/>
@@ -9267,17 +9359,12 @@
           </a:extLst>
         </p:spPr>
         <p:txBody>
-          <a:bodyPr lIns="45719" rIns="45719">
+          <a:bodyPr lIns="45718" tIns="45718" rIns="45718" bIns="45718">
             <a:spAutoFit/>
           </a:bodyPr>
           <a:lstStyle>
             <a:lvl1pPr algn="ctr">
-              <a:defRPr sz="1000">
-                <a:latin typeface="+mn-lt"/>
-                <a:ea typeface="+mn-ea"/>
-                <a:cs typeface="+mn-cs"/>
-                <a:sym typeface="Calibri"/>
-              </a:defRPr>
+              <a:defRPr sz="1000"/>
             </a:lvl1pPr>
           </a:lstStyle>
           <a:p>
@@ -9296,8 +9383,8 @@
         </p:nvSpPr>
         <p:spPr>
           <a:xfrm>
-            <a:off x="7563384" y="3719419"/>
-            <a:ext cx="2242434" cy="723812"/>
+            <a:off x="7563384" y="3719420"/>
+            <a:ext cx="2242435" cy="723809"/>
           </a:xfrm>
           <a:prstGeom prst="rect">
             <a:avLst/>
@@ -9312,17 +9399,12 @@
           </a:extLst>
         </p:spPr>
         <p:txBody>
-          <a:bodyPr lIns="45719" rIns="45719">
+          <a:bodyPr lIns="45718" tIns="45718" rIns="45718" bIns="45718">
             <a:spAutoFit/>
           </a:bodyPr>
           <a:lstStyle>
             <a:lvl1pPr algn="ctr">
-              <a:defRPr sz="1000">
-                <a:latin typeface="+mn-lt"/>
-                <a:ea typeface="+mn-ea"/>
-                <a:cs typeface="+mn-cs"/>
-                <a:sym typeface="Calibri"/>
-              </a:defRPr>
+              <a:defRPr sz="1000"/>
             </a:lvl1pPr>
           </a:lstStyle>
           <a:p>
@@ -9341,8 +9423,8 @@
         </p:nvSpPr>
         <p:spPr>
           <a:xfrm>
-            <a:off x="5519036" y="2877236"/>
-            <a:ext cx="774161" cy="509400"/>
+            <a:off x="5519035" y="2877236"/>
+            <a:ext cx="774163" cy="509398"/>
           </a:xfrm>
           <a:prstGeom prst="rect">
             <a:avLst/>
@@ -9357,18 +9439,13 @@
           </a:extLst>
         </p:spPr>
         <p:txBody>
-          <a:bodyPr lIns="45719" rIns="45719">
+          <a:bodyPr lIns="45718" tIns="45718" rIns="45718" bIns="45718">
             <a:spAutoFit/>
           </a:bodyPr>
           <a:lstStyle/>
           <a:p>
             <a:pPr algn="ctr">
-              <a:defRPr b="1" sz="1400">
-                <a:latin typeface="+mn-lt"/>
-                <a:ea typeface="+mn-ea"/>
-                <a:cs typeface="+mn-cs"/>
-                <a:sym typeface="Calibri"/>
-              </a:defRPr>
+              <a:defRPr b="1" sz="1400"/>
             </a:pPr>
             <a:r>
               <a:t>Original</a:t>
@@ -9376,12 +9453,7 @@
           </a:p>
           <a:p>
             <a:pPr algn="ctr">
-              <a:defRPr b="1" sz="1400">
-                <a:latin typeface="+mn-lt"/>
-                <a:ea typeface="+mn-ea"/>
-                <a:cs typeface="+mn-cs"/>
-                <a:sym typeface="Calibri"/>
-              </a:defRPr>
+              <a:defRPr b="1" sz="1400"/>
             </a:pPr>
             <a:r>
               <a:t>data</a:t>
@@ -9397,8 +9469,8 @@
         </p:nvSpPr>
         <p:spPr>
           <a:xfrm>
-            <a:off x="9890783" y="1272631"/>
-            <a:ext cx="1758533" cy="280800"/>
+            <a:off x="9890783" y="1272632"/>
+            <a:ext cx="1758534" cy="280798"/>
           </a:xfrm>
           <a:prstGeom prst="rect">
             <a:avLst/>
@@ -9413,17 +9485,12 @@
           </a:extLst>
         </p:spPr>
         <p:txBody>
-          <a:bodyPr lIns="45719" rIns="45719">
+          <a:bodyPr lIns="45718" tIns="45718" rIns="45718" bIns="45718">
             <a:spAutoFit/>
           </a:bodyPr>
           <a:lstStyle>
             <a:lvl1pPr algn="ctr">
-              <a:defRPr b="1" sz="1400">
-                <a:latin typeface="+mn-lt"/>
-                <a:ea typeface="+mn-ea"/>
-                <a:cs typeface="+mn-cs"/>
-                <a:sym typeface="Calibri"/>
-              </a:defRPr>
+              <a:defRPr b="1" sz="1400"/>
             </a:lvl1pPr>
           </a:lstStyle>
           <a:p>
@@ -9443,7 +9510,7 @@
         <p:spPr>
           <a:xfrm>
             <a:off x="9982986" y="2991536"/>
-            <a:ext cx="1758533" cy="280800"/>
+            <a:ext cx="1758533" cy="280798"/>
           </a:xfrm>
           <a:prstGeom prst="rect">
             <a:avLst/>
@@ -9458,17 +9525,12 @@
           </a:extLst>
         </p:spPr>
         <p:txBody>
-          <a:bodyPr lIns="45719" rIns="45719">
+          <a:bodyPr lIns="45718" tIns="45718" rIns="45718" bIns="45718">
             <a:spAutoFit/>
           </a:bodyPr>
           <a:lstStyle>
             <a:lvl1pPr algn="ctr">
-              <a:defRPr b="1" sz="1400">
-                <a:latin typeface="+mn-lt"/>
-                <a:ea typeface="+mn-ea"/>
-                <a:cs typeface="+mn-cs"/>
-                <a:sym typeface="Calibri"/>
-              </a:defRPr>
+              <a:defRPr b="1" sz="1400"/>
             </a:lvl1pPr>
           </a:lstStyle>
           <a:p>
@@ -9487,8 +9549,8 @@
         </p:nvSpPr>
         <p:spPr>
           <a:xfrm>
-            <a:off x="9858372" y="4681443"/>
-            <a:ext cx="2007762" cy="280800"/>
+            <a:off x="9858371" y="4681443"/>
+            <a:ext cx="2007763" cy="280798"/>
           </a:xfrm>
           <a:prstGeom prst="rect">
             <a:avLst/>
@@ -9503,17 +9565,12 @@
           </a:extLst>
         </p:spPr>
         <p:txBody>
-          <a:bodyPr lIns="45719" rIns="45719">
+          <a:bodyPr lIns="45718" tIns="45718" rIns="45718" bIns="45718">
             <a:spAutoFit/>
           </a:bodyPr>
           <a:lstStyle>
             <a:lvl1pPr algn="ctr">
-              <a:defRPr b="1" sz="1400">
-                <a:latin typeface="+mn-lt"/>
-                <a:ea typeface="+mn-ea"/>
-                <a:cs typeface="+mn-cs"/>
-                <a:sym typeface="Calibri"/>
-              </a:defRPr>
+              <a:defRPr b="1" sz="1400"/>
             </a:lvl1pPr>
           </a:lstStyle>
           <a:p>
@@ -9533,7 +9590,7 @@
         <p:spPr>
           <a:xfrm>
             <a:off x="7500431" y="5165632"/>
-            <a:ext cx="2242433" cy="723811"/>
+            <a:ext cx="2242434" cy="723810"/>
           </a:xfrm>
           <a:prstGeom prst="rect">
             <a:avLst/>
@@ -9548,17 +9605,12 @@
           </a:extLst>
         </p:spPr>
         <p:txBody>
-          <a:bodyPr lIns="45719" rIns="45719">
+          <a:bodyPr lIns="45718" tIns="45718" rIns="45718" bIns="45718">
             <a:spAutoFit/>
           </a:bodyPr>
           <a:lstStyle>
             <a:lvl1pPr algn="ctr">
-              <a:defRPr sz="1000">
-                <a:latin typeface="+mn-lt"/>
-                <a:ea typeface="+mn-ea"/>
-                <a:cs typeface="+mn-cs"/>
-                <a:sym typeface="Calibri"/>
-              </a:defRPr>
+              <a:defRPr sz="1000"/>
             </a:lvl1pPr>
           </a:lstStyle>
           <a:p>
@@ -9578,7 +9630,7 @@
         <p:spPr>
           <a:xfrm>
             <a:off x="432000" y="4950221"/>
-            <a:ext cx="5883844" cy="1239844"/>
+            <a:ext cx="5883844" cy="1239843"/>
           </a:xfrm>
           <a:prstGeom prst="rect">
             <a:avLst/>
@@ -9605,15 +9657,12 @@
                 <a:spcPts val="1000"/>
               </a:spcBef>
               <a:buSzPct val="100000"/>
+              <a:buFont typeface="Calibri"/>
               <a:buChar char="➢"/>
               <a:defRPr>
                 <a:solidFill>
                   <a:srgbClr val="404040"/>
                 </a:solidFill>
-                <a:latin typeface="+mn-lt"/>
-                <a:ea typeface="+mn-ea"/>
-                <a:cs typeface="+mn-cs"/>
-                <a:sym typeface="Calibri"/>
               </a:defRPr>
             </a:lvl1pPr>
             <a:lvl2pPr marL="542925" indent="-276225">
@@ -9629,10 +9678,6 @@
                 <a:solidFill>
                   <a:srgbClr val="404040"/>
                 </a:solidFill>
-                <a:latin typeface="+mn-lt"/>
-                <a:ea typeface="+mn-ea"/>
-                <a:cs typeface="+mn-cs"/>
-                <a:sym typeface="Calibri"/>
               </a:defRPr>
             </a:lvl2pPr>
           </a:lstStyle>
@@ -9668,8 +9713,8 @@
         </p:blipFill>
         <p:spPr>
           <a:xfrm>
-            <a:off x="5597947" y="3431260"/>
-            <a:ext cx="774161" cy="1118705"/>
+            <a:off x="5597947" y="3431259"/>
+            <a:ext cx="774162" cy="1118706"/>
           </a:xfrm>
           <a:prstGeom prst="rect">
             <a:avLst/>
@@ -9698,7 +9743,7 @@
         <p:spPr>
           <a:xfrm>
             <a:off x="10326706" y="1587090"/>
-            <a:ext cx="886686" cy="1281309"/>
+            <a:ext cx="886687" cy="1281310"/>
           </a:xfrm>
           <a:prstGeom prst="rect">
             <a:avLst/>
@@ -9726,8 +9771,8 @@
         </p:blipFill>
         <p:spPr>
           <a:xfrm>
-            <a:off x="10418910" y="3268656"/>
-            <a:ext cx="886686" cy="1281309"/>
+            <a:off x="10418909" y="3268655"/>
+            <a:ext cx="886687" cy="1281310"/>
           </a:xfrm>
           <a:prstGeom prst="rect">
             <a:avLst/>
@@ -9746,7 +9791,7 @@
         <p:spPr>
           <a:xfrm>
             <a:off x="9922163" y="1993081"/>
-            <a:ext cx="265404" cy="1"/>
+            <a:ext cx="265405" cy="2"/>
           </a:xfrm>
           <a:prstGeom prst="line">
             <a:avLst/>
@@ -9760,7 +9805,7 @@
           </a:ln>
         </p:spPr>
         <p:txBody>
-          <a:bodyPr lIns="45719" rIns="45719"/>
+          <a:bodyPr lIns="45718" tIns="45718" rIns="45718" bIns="45718"/>
           <a:lstStyle/>
           <a:p>
             <a:pPr/>
@@ -9775,8 +9820,8 @@
         </p:nvSpPr>
         <p:spPr>
           <a:xfrm>
-            <a:off x="9922163" y="3833675"/>
-            <a:ext cx="265404" cy="1"/>
+            <a:off x="9922163" y="3833674"/>
+            <a:ext cx="265405" cy="2"/>
           </a:xfrm>
           <a:prstGeom prst="line">
             <a:avLst/>
@@ -9790,28 +9835,25 @@
           </a:ln>
         </p:spPr>
         <p:txBody>
-          <a:bodyPr lIns="45719" rIns="45719"/>
+          <a:bodyPr lIns="45718" tIns="45718" rIns="45718" bIns="45718"/>
           <a:lstStyle/>
           <a:p>
             <a:pPr/>
           </a:p>
         </p:txBody>
       </p:sp>
-      <p:cxnSp>
-        <p:nvCxnSpPr>
+      <p:sp>
+        <p:nvSpPr>
           <p:cNvPr id="328" name="Connection Line"/>
-          <p:cNvCxnSpPr>
-            <a:stCxn id="313" idx="0"/>
-            <a:endCxn id="315" idx="0"/>
-          </p:cNvCxnSpPr>
+          <p:cNvSpPr/>
           <p:nvPr/>
-        </p:nvCxnSpPr>
+        </p:nvSpPr>
         <p:spPr>
           <a:xfrm flipV="1">
-            <a:off x="6096000" y="1954981"/>
-            <a:ext cx="2426478" cy="740231"/>
-          </a:xfrm>
-          <a:prstGeom prst="straightConnector1">
+            <a:off x="6095999" y="1954981"/>
+            <a:ext cx="2426480" cy="740232"/>
+          </a:xfrm>
+          <a:prstGeom prst="line">
             <a:avLst/>
           </a:prstGeom>
           <a:ln w="12700">
@@ -9821,7 +9863,14 @@
             <a:miter/>
           </a:ln>
         </p:spPr>
-      </p:cxnSp>
+        <p:txBody>
+          <a:bodyPr lIns="45718" tIns="45718" rIns="45718" bIns="45718"/>
+          <a:lstStyle/>
+          <a:p>
+            <a:pPr/>
+          </a:p>
+        </p:txBody>
+      </p:sp>
       <p:cxnSp>
         <p:nvCxnSpPr>
           <p:cNvPr id="329" name="Connection Line"/>
@@ -9833,8 +9882,8 @@
         </p:nvCxnSpPr>
         <p:spPr>
           <a:xfrm>
-            <a:off x="6967746" y="3992380"/>
-            <a:ext cx="1653902" cy="1535158"/>
+            <a:off x="6967745" y="3992380"/>
+            <a:ext cx="1653903" cy="1535158"/>
           </a:xfrm>
           <a:prstGeom prst="straightConnector1">
             <a:avLst/>
@@ -9866,7 +9915,7 @@
         <p:spPr>
           <a:xfrm>
             <a:off x="10443595" y="4908443"/>
-            <a:ext cx="1063232" cy="1536428"/>
+            <a:ext cx="1063233" cy="1536429"/>
           </a:xfrm>
           <a:prstGeom prst="rect">
             <a:avLst/>
@@ -9876,21 +9925,18 @@
           </a:ln>
         </p:spPr>
       </p:pic>
-      <p:cxnSp>
-        <p:nvCxnSpPr>
+      <p:sp>
+        <p:nvSpPr>
           <p:cNvPr id="331" name="Connection Line"/>
-          <p:cNvCxnSpPr>
-            <a:stCxn id="313" idx="0"/>
-            <a:endCxn id="316" idx="0"/>
-          </p:cNvCxnSpPr>
+          <p:cNvSpPr/>
           <p:nvPr/>
-        </p:nvCxnSpPr>
-        <p:spPr>
-          <a:xfrm>
-            <a:off x="6096000" y="2695211"/>
-            <a:ext cx="2588602" cy="1386115"/>
-          </a:xfrm>
-          <a:prstGeom prst="straightConnector1">
+        </p:nvSpPr>
+        <p:spPr>
+          <a:xfrm>
+            <a:off x="6095999" y="2695211"/>
+            <a:ext cx="2588604" cy="1386116"/>
+          </a:xfrm>
+          <a:prstGeom prst="line">
             <a:avLst/>
           </a:prstGeom>
           <a:ln w="12700">
@@ -9900,7 +9946,14 @@
             <a:miter/>
           </a:ln>
         </p:spPr>
-      </p:cxnSp>
+        <p:txBody>
+          <a:bodyPr lIns="45718" tIns="45718" rIns="45718" bIns="45718"/>
+          <a:lstStyle/>
+          <a:p>
+            <a:pPr/>
+          </a:p>
+        </p:txBody>
+      </p:sp>
       <p:sp>
         <p:nvSpPr>
           <p:cNvPr id="332" name="TextBox 19"/>
@@ -9909,8 +9962,8 @@
         </p:nvSpPr>
         <p:spPr>
           <a:xfrm>
-            <a:off x="6654628" y="3795575"/>
-            <a:ext cx="626236" cy="393612"/>
+            <a:off x="6654627" y="3795575"/>
+            <a:ext cx="626237" cy="393610"/>
           </a:xfrm>
           <a:prstGeom prst="rect">
             <a:avLst/>
@@ -9925,17 +9978,12 @@
           </a:extLst>
         </p:spPr>
         <p:txBody>
-          <a:bodyPr lIns="45719" rIns="45719">
+          <a:bodyPr lIns="45718" tIns="45718" rIns="45718" bIns="45718">
             <a:spAutoFit/>
           </a:bodyPr>
           <a:lstStyle>
             <a:lvl1pPr algn="ctr">
-              <a:defRPr sz="1000">
-                <a:latin typeface="+mn-lt"/>
-                <a:ea typeface="+mn-ea"/>
-                <a:cs typeface="+mn-cs"/>
-                <a:sym typeface="Calibri"/>
-              </a:defRPr>
+              <a:defRPr sz="1000"/>
             </a:lvl1pPr>
           </a:lstStyle>
           <a:p>
@@ -9957,8 +10005,8 @@
         </p:nvCxnSpPr>
         <p:spPr>
           <a:xfrm>
-            <a:off x="6967746" y="3992380"/>
-            <a:ext cx="1716856" cy="88946"/>
+            <a:off x="6967745" y="3992380"/>
+            <a:ext cx="1716857" cy="88945"/>
           </a:xfrm>
           <a:prstGeom prst="straightConnector1">
             <a:avLst/>
@@ -9973,45 +10021,18 @@
       </p:cxnSp>
       <p:sp>
         <p:nvSpPr>
-          <p:cNvPr id="337" name="Connection Line"/>
+          <p:cNvPr id="334" name="Connection Line"/>
           <p:cNvSpPr/>
           <p:nvPr/>
         </p:nvSpPr>
         <p:spPr>
-          <a:xfrm>
-            <a:off x="7074137" y="2153818"/>
-            <a:ext cx="887517" cy="1641758"/>
-          </a:xfrm>
-          <a:custGeom>
-            <a:avLst/>
-            <a:gdLst/>
-            <a:ahLst/>
-            <a:cxnLst>
-              <a:cxn ang="0">
-                <a:pos x="wd2" y="hd2"/>
-              </a:cxn>
-              <a:cxn ang="5400000">
-                <a:pos x="wd2" y="hd2"/>
-              </a:cxn>
-              <a:cxn ang="10800000">
-                <a:pos x="wd2" y="hd2"/>
-              </a:cxn>
-              <a:cxn ang="16200000">
-                <a:pos x="wd2" y="hd2"/>
-              </a:cxn>
-            </a:cxnLst>
-            <a:rect l="0" t="0" r="r" b="b"/>
-            <a:pathLst>
-              <a:path w="21600" h="21600" fill="norm" stroke="1" extrusionOk="0">
-                <a:moveTo>
-                  <a:pt x="21600" y="0"/>
-                </a:moveTo>
-                <a:lnTo>
-                  <a:pt x="0" y="21600"/>
-                </a:lnTo>
-              </a:path>
-            </a:pathLst>
-          </a:custGeom>
+          <a:xfrm flipH="1">
+            <a:off x="7074137" y="2153817"/>
+            <a:ext cx="887518" cy="1641759"/>
+          </a:xfrm>
+          <a:prstGeom prst="line">
+            <a:avLst/>
+          </a:prstGeom>
           <a:ln w="12700">
             <a:solidFill>
               <a:schemeClr val="accent1"/>
@@ -10020,7 +10041,7 @@
           </a:ln>
         </p:spPr>
         <p:txBody>
-          <a:bodyPr/>
+          <a:bodyPr lIns="45718" tIns="45718" rIns="45718" bIns="45718"/>
           <a:lstStyle/>
           <a:p>
             <a:pPr/>
@@ -10029,45 +10050,18 @@
       </p:sp>
       <p:sp>
         <p:nvSpPr>
-          <p:cNvPr id="338" name="Connection Line"/>
+          <p:cNvPr id="335" name="Connection Line"/>
           <p:cNvSpPr/>
           <p:nvPr/>
         </p:nvSpPr>
         <p:spPr>
-          <a:xfrm>
+          <a:xfrm flipH="1" flipV="1">
             <a:off x="6372107" y="3991661"/>
-            <a:ext cx="265440" cy="720"/>
-          </a:xfrm>
-          <a:custGeom>
-            <a:avLst/>
-            <a:gdLst/>
-            <a:ahLst/>
-            <a:cxnLst>
-              <a:cxn ang="0">
-                <a:pos x="wd2" y="hd2"/>
-              </a:cxn>
-              <a:cxn ang="5400000">
-                <a:pos x="wd2" y="hd2"/>
-              </a:cxn>
-              <a:cxn ang="10800000">
-                <a:pos x="wd2" y="hd2"/>
-              </a:cxn>
-              <a:cxn ang="16200000">
-                <a:pos x="wd2" y="hd2"/>
-              </a:cxn>
-            </a:cxnLst>
-            <a:rect l="0" t="0" r="r" b="b"/>
-            <a:pathLst>
-              <a:path w="21600" h="21600" fill="norm" stroke="1" extrusionOk="0">
-                <a:moveTo>
-                  <a:pt x="21600" y="21600"/>
-                </a:moveTo>
-                <a:lnTo>
-                  <a:pt x="0" y="0"/>
-                </a:lnTo>
-              </a:path>
-            </a:pathLst>
-          </a:custGeom>
+            <a:ext cx="265441" cy="721"/>
+          </a:xfrm>
+          <a:prstGeom prst="line">
+            <a:avLst/>
+          </a:prstGeom>
           <a:ln w="12700">
             <a:solidFill>
               <a:schemeClr val="accent1"/>
@@ -10076,7 +10070,7 @@
           </a:ln>
         </p:spPr>
         <p:txBody>
-          <a:bodyPr/>
+          <a:bodyPr lIns="45718" tIns="45718" rIns="45718" bIns="45718"/>
           <a:lstStyle/>
           <a:p>
             <a:pPr/>
@@ -10101,8 +10095,8 @@
         </p:blipFill>
         <p:spPr>
           <a:xfrm>
-            <a:off x="423233" y="1613685"/>
-            <a:ext cx="5162945" cy="1228119"/>
+            <a:off x="423232" y="1613685"/>
+            <a:ext cx="5162946" cy="1228120"/>
           </a:xfrm>
           <a:prstGeom prst="rect">
             <a:avLst/>
@@ -10140,14 +10134,14 @@
       </p:grpSpPr>
       <p:sp>
         <p:nvSpPr>
-          <p:cNvPr id="340" name="Footer Placeholder 3"/>
+          <p:cNvPr id="338" name="Footer Placeholder 3"/>
           <p:cNvSpPr txBox="1"/>
           <p:nvPr/>
         </p:nvSpPr>
         <p:spPr>
           <a:xfrm>
-            <a:off x="431999" y="6508918"/>
-            <a:ext cx="5664001" cy="156866"/>
+            <a:off x="431998" y="6508918"/>
+            <a:ext cx="5664003" cy="156866"/>
           </a:xfrm>
           <a:prstGeom prst="rect">
             <a:avLst/>
@@ -10171,10 +10165,6 @@
                 <a:solidFill>
                   <a:srgbClr val="404040"/>
                 </a:solidFill>
-                <a:latin typeface="+mn-lt"/>
-                <a:ea typeface="+mn-ea"/>
-                <a:cs typeface="+mn-cs"/>
-                <a:sym typeface="Calibri"/>
               </a:defRPr>
             </a:lvl1pPr>
           </a:lstStyle>
@@ -10188,7 +10178,7 @@
       </p:sp>
       <p:sp>
         <p:nvSpPr>
-          <p:cNvPr id="341" name="Title 1"/>
+          <p:cNvPr id="339" name="Title 1"/>
           <p:cNvSpPr txBox="1"/>
           <p:nvPr>
             <p:ph type="title"/>
@@ -10196,8 +10186,8 @@
         </p:nvSpPr>
         <p:spPr>
           <a:xfrm>
-            <a:off x="431999" y="423253"/>
-            <a:ext cx="11328001" cy="432001"/>
+            <a:off x="431999" y="423252"/>
+            <a:ext cx="11328001" cy="432002"/>
           </a:xfrm>
           <a:prstGeom prst="rect">
             <a:avLst/>
@@ -10210,7 +10200,7 @@
               <a:lnSpc>
                 <a:spcPct val="100000"/>
               </a:lnSpc>
-              <a:defRPr spc="0" sz="1530" u="sng">
+              <a:defRPr spc="0" sz="1500" u="sng">
                 <a:solidFill>
                   <a:srgbClr val="000000"/>
                 </a:solidFill>
@@ -10227,16 +10217,16 @@
       </p:sp>
       <p:sp>
         <p:nvSpPr>
-          <p:cNvPr id="342" name="Slide Number Placeholder 4"/>
+          <p:cNvPr id="340" name="Slide Number Placeholder 4"/>
           <p:cNvSpPr txBox="1"/>
           <p:nvPr>
-            <p:ph type="sldNum" sz="quarter" idx="2"/>
+            <p:ph type="sldNum" sz="quarter" idx="4294967295"/>
           </p:nvPr>
         </p:nvSpPr>
         <p:spPr>
           <a:xfrm>
             <a:off x="11760000" y="6508918"/>
-            <a:ext cx="432001" cy="156866"/>
+            <a:ext cx="432002" cy="156866"/>
           </a:xfrm>
           <a:prstGeom prst="rect">
             <a:avLst/>
@@ -10258,14 +10248,14 @@
       </p:sp>
       <p:sp>
         <p:nvSpPr>
-          <p:cNvPr id="343" name="TextBox 6"/>
+          <p:cNvPr id="341" name="TextBox 6"/>
           <p:cNvSpPr txBox="1"/>
           <p:nvPr/>
         </p:nvSpPr>
         <p:spPr>
           <a:xfrm>
-            <a:off x="520793" y="1243349"/>
-            <a:ext cx="7385966" cy="2993738"/>
+            <a:off x="520792" y="1243349"/>
+            <a:ext cx="7385968" cy="2993736"/>
           </a:xfrm>
           <a:prstGeom prst="rect">
             <a:avLst/>
@@ -10282,7 +10272,7 @@
           </a:extLst>
         </p:spPr>
         <p:txBody>
-          <a:bodyPr lIns="45719" rIns="45719">
+          <a:bodyPr lIns="45718" tIns="45718" rIns="45718" bIns="45718">
             <a:spAutoFit/>
           </a:bodyPr>
           <a:lstStyle/>
@@ -10290,12 +10280,7 @@
             <a:pPr marL="240631" indent="-240631">
               <a:buSzPct val="100000"/>
               <a:buAutoNum type="arabicPeriod" startAt="1"/>
-              <a:defRPr b="1" u="sng">
-                <a:latin typeface="+mn-lt"/>
-                <a:ea typeface="+mn-ea"/>
-                <a:cs typeface="+mn-cs"/>
-                <a:sym typeface="Calibri"/>
-              </a:defRPr>
+              <a:defRPr b="1" u="sng"/>
             </a:pPr>
             <a:r>
               <a:t>Find relationship between Job designation and purchases?</a:t>
@@ -10305,24 +10290,14 @@
             <a:pPr marL="240631" indent="-240631">
               <a:buSzPct val="100000"/>
               <a:buAutoNum type="arabicPeriod" startAt="1"/>
-              <a:defRPr b="1" u="sng">
-                <a:latin typeface="+mn-lt"/>
-                <a:ea typeface="+mn-ea"/>
-                <a:cs typeface="+mn-cs"/>
-                <a:sym typeface="Calibri"/>
-              </a:defRPr>
+              <a:defRPr b="1" u="sng"/>
             </a:pPr>
           </a:p>
           <a:p>
             <a:pPr marL="240631" indent="-240631">
               <a:buSzPct val="100000"/>
               <a:buAutoNum type="arabicPeriod" startAt="3"/>
-              <a:defRPr b="1" u="sng">
-                <a:latin typeface="+mn-lt"/>
-                <a:ea typeface="+mn-ea"/>
-                <a:cs typeface="+mn-cs"/>
-                <a:sym typeface="Calibri"/>
-              </a:defRPr>
+              <a:defRPr b="1" u="sng"/>
             </a:pPr>
             <a:r>
               <a:t>Analyse the bi-variate relationships between profession, purchases and browsers</a:t>
@@ -10332,24 +10307,14 @@
             <a:pPr marL="240631" indent="-240631">
               <a:buSzPct val="100000"/>
               <a:buAutoNum type="arabicPeriod" startAt="3"/>
-              <a:defRPr b="1" u="sng">
-                <a:latin typeface="+mn-lt"/>
-                <a:ea typeface="+mn-ea"/>
-                <a:cs typeface="+mn-cs"/>
-                <a:sym typeface="Calibri"/>
-              </a:defRPr>
+              <a:defRPr b="1" u="sng"/>
             </a:pPr>
           </a:p>
           <a:p>
             <a:pPr marL="240631" indent="-240631">
               <a:buSzPct val="100000"/>
               <a:buAutoNum type="arabicPeriod" startAt="5"/>
-              <a:defRPr b="1" u="sng">
-                <a:latin typeface="+mn-lt"/>
-                <a:ea typeface="+mn-ea"/>
-                <a:cs typeface="+mn-cs"/>
-                <a:sym typeface="Calibri"/>
-              </a:defRPr>
+              <a:defRPr b="1" u="sng"/>
             </a:pPr>
             <a:r>
               <a:t>Which states have maximum purchases?</a:t>
@@ -10359,24 +10324,14 @@
             <a:pPr marL="240631" indent="-240631">
               <a:buSzPct val="100000"/>
               <a:buAutoNum type="arabicPeriod" startAt="5"/>
-              <a:defRPr b="1" u="sng">
-                <a:latin typeface="+mn-lt"/>
-                <a:ea typeface="+mn-ea"/>
-                <a:cs typeface="+mn-cs"/>
-                <a:sym typeface="Calibri"/>
-              </a:defRPr>
+              <a:defRPr b="1" u="sng"/>
             </a:pPr>
           </a:p>
           <a:p>
             <a:pPr marL="240631" indent="-240631">
               <a:buSzPct val="100000"/>
               <a:buAutoNum type="arabicPeriod" startAt="7"/>
-              <a:defRPr b="1" u="sng">
-                <a:latin typeface="+mn-lt"/>
-                <a:ea typeface="+mn-ea"/>
-                <a:cs typeface="+mn-cs"/>
-                <a:sym typeface="Calibri"/>
-              </a:defRPr>
+              <a:defRPr b="1" u="sng"/>
             </a:pPr>
             <a:r>
               <a:t>Who are the top credit card providers and time of purchases?</a:t>
@@ -10386,24 +10341,14 @@
             <a:pPr marL="240631" indent="-240631">
               <a:buSzPct val="100000"/>
               <a:buAutoNum type="arabicPeriod" startAt="7"/>
-              <a:defRPr b="1" u="sng">
-                <a:latin typeface="+mn-lt"/>
-                <a:ea typeface="+mn-ea"/>
-                <a:cs typeface="+mn-cs"/>
-                <a:sym typeface="Calibri"/>
-              </a:defRPr>
+              <a:defRPr b="1" u="sng"/>
             </a:pPr>
           </a:p>
           <a:p>
             <a:pPr marL="240631" indent="-240631">
               <a:buSzPct val="100000"/>
               <a:buAutoNum type="arabicPeriod" startAt="9"/>
-              <a:defRPr b="1" u="sng">
-                <a:latin typeface="+mn-lt"/>
-                <a:ea typeface="+mn-ea"/>
-                <a:cs typeface="+mn-cs"/>
-                <a:sym typeface="Calibri"/>
-              </a:defRPr>
+              <a:defRPr b="1" u="sng"/>
             </a:pPr>
             <a:r>
               <a:t>What are the top five locations where purchases occur?</a:t>
@@ -10439,14 +10384,14 @@
       </p:grpSpPr>
       <p:sp>
         <p:nvSpPr>
-          <p:cNvPr id="345" name="Footer Placeholder 3"/>
+          <p:cNvPr id="343" name="Footer Placeholder 3"/>
           <p:cNvSpPr txBox="1"/>
           <p:nvPr/>
         </p:nvSpPr>
         <p:spPr>
           <a:xfrm>
-            <a:off x="431999" y="6508918"/>
-            <a:ext cx="5664001" cy="156866"/>
+            <a:off x="431998" y="6508918"/>
+            <a:ext cx="5664003" cy="156866"/>
           </a:xfrm>
           <a:prstGeom prst="rect">
             <a:avLst/>
@@ -10470,10 +10415,6 @@
                 <a:solidFill>
                   <a:srgbClr val="404040"/>
                 </a:solidFill>
-                <a:latin typeface="+mn-lt"/>
-                <a:ea typeface="+mn-ea"/>
-                <a:cs typeface="+mn-cs"/>
-                <a:sym typeface="Calibri"/>
               </a:defRPr>
             </a:lvl1pPr>
           </a:lstStyle>
@@ -10487,13 +10428,17 @@
       </p:sp>
       <p:sp>
         <p:nvSpPr>
-          <p:cNvPr id="346" name="Title 1"/>
+          <p:cNvPr id="344" name="Title 1"/>
           <p:cNvSpPr txBox="1"/>
           <p:nvPr>
             <p:ph type="title"/>
           </p:nvPr>
         </p:nvSpPr>
         <p:spPr>
+          <a:xfrm>
+            <a:off x="431998" y="431999"/>
+            <a:ext cx="11328004" cy="432002"/>
+          </a:xfrm>
           <a:prstGeom prst="rect">
             <a:avLst/>
           </a:prstGeom>
@@ -10508,14 +10453,14 @@
           <a:p>
             <a:pPr/>
             <a:r>
-              <a:t>Data Analysis, Visualization &amp; Insights</a:t>
-            </a:r>
-          </a:p>
-        </p:txBody>
-      </p:sp>
-      <p:sp>
-        <p:nvSpPr>
-          <p:cNvPr id="347" name="Content Placeholder 2"/>
+              <a:t>Visualize The Data</a:t>
+            </a:r>
+          </a:p>
+        </p:txBody>
+      </p:sp>
+      <p:sp>
+        <p:nvSpPr>
+          <p:cNvPr id="345" name="Content Placeholder 2"/>
           <p:cNvSpPr txBox="1"/>
           <p:nvPr>
             <p:ph type="body" sz="quarter" idx="1"/>
@@ -10523,8 +10468,8 @@
         </p:nvSpPr>
         <p:spPr>
           <a:xfrm>
-            <a:off x="431999" y="1006799"/>
-            <a:ext cx="11328002" cy="363661"/>
+            <a:off x="431998" y="1006799"/>
+            <a:ext cx="11328004" cy="363662"/>
           </a:xfrm>
           <a:prstGeom prst="rect">
             <a:avLst/>
@@ -10543,16 +10488,16 @@
       </p:sp>
       <p:sp>
         <p:nvSpPr>
-          <p:cNvPr id="348" name="Slide Number Placeholder 4"/>
+          <p:cNvPr id="346" name="Slide Number Placeholder 4"/>
           <p:cNvSpPr txBox="1"/>
           <p:nvPr>
-            <p:ph type="sldNum" sz="quarter" idx="2"/>
+            <p:ph type="sldNum" sz="quarter" idx="4294967295"/>
           </p:nvPr>
         </p:nvSpPr>
         <p:spPr>
           <a:xfrm>
             <a:off x="11760000" y="6508918"/>
-            <a:ext cx="432000" cy="156866"/>
+            <a:ext cx="432001" cy="156866"/>
           </a:xfrm>
           <a:prstGeom prst="rect">
             <a:avLst/>
@@ -10574,7 +10519,7 @@
       </p:sp>
       <p:pic>
         <p:nvPicPr>
-          <p:cNvPr id="349" name="Picture 10" descr="Picture 10"/>
+          <p:cNvPr id="347" name="Picture 10" descr="Picture 10"/>
           <p:cNvPicPr>
             <a:picLocks noChangeAspect="1"/>
           </p:cNvPicPr>
@@ -10591,7 +10536,7 @@
         <p:spPr>
           <a:xfrm>
             <a:off x="6816731" y="4200525"/>
-            <a:ext cx="2490199" cy="1882263"/>
+            <a:ext cx="2490200" cy="1882264"/>
           </a:xfrm>
           <a:prstGeom prst="rect">
             <a:avLst/>
@@ -10603,7 +10548,7 @@
       </p:pic>
       <p:pic>
         <p:nvPicPr>
-          <p:cNvPr id="350" name="Picture 12" descr="Picture 12"/>
+          <p:cNvPr id="348" name="Picture 12" descr="Picture 12"/>
           <p:cNvPicPr>
             <a:picLocks noChangeAspect="1"/>
           </p:cNvPicPr>
@@ -10619,8 +10564,8 @@
         </p:blipFill>
         <p:spPr>
           <a:xfrm>
-            <a:off x="6186487" y="1370459"/>
-            <a:ext cx="5153026" cy="2466407"/>
+            <a:off x="6186487" y="1370458"/>
+            <a:ext cx="5153027" cy="2466408"/>
           </a:xfrm>
           <a:prstGeom prst="rect">
             <a:avLst/>
@@ -10632,14 +10577,14 @@
       </p:pic>
       <p:sp>
         <p:nvSpPr>
-          <p:cNvPr id="351" name="Content Placeholder 2"/>
+          <p:cNvPr id="349" name="Content Placeholder 2"/>
           <p:cNvSpPr txBox="1"/>
           <p:nvPr/>
         </p:nvSpPr>
         <p:spPr>
           <a:xfrm>
-            <a:off x="431999" y="1370459"/>
-            <a:ext cx="5664001" cy="241649"/>
+            <a:off x="431998" y="1370458"/>
+            <a:ext cx="5664003" cy="241649"/>
           </a:xfrm>
           <a:prstGeom prst="rect">
             <a:avLst/>
@@ -10666,15 +10611,12 @@
                 <a:spcPts val="1000"/>
               </a:spcBef>
               <a:buSzPct val="100000"/>
+              <a:buFont typeface="Calibri"/>
               <a:buChar char="➢"/>
               <a:defRPr>
                 <a:solidFill>
                   <a:srgbClr val="404040"/>
                 </a:solidFill>
-                <a:latin typeface="+mn-lt"/>
-                <a:ea typeface="+mn-ea"/>
-                <a:cs typeface="+mn-cs"/>
-                <a:sym typeface="Calibri"/>
               </a:defRPr>
             </a:lvl1pPr>
           </a:lstStyle>
@@ -10688,7 +10630,7 @@
       </p:sp>
       <p:pic>
         <p:nvPicPr>
-          <p:cNvPr id="352" name="Picture 5" descr="Picture 5"/>
+          <p:cNvPr id="350" name="Picture 5" descr="Picture 5"/>
           <p:cNvPicPr>
             <a:picLocks noChangeAspect="1"/>
           </p:cNvPicPr>
@@ -10743,14 +10685,14 @@
       </p:grpSpPr>
       <p:sp>
         <p:nvSpPr>
-          <p:cNvPr id="354" name="Footer Placeholder 3"/>
+          <p:cNvPr id="352" name="Footer Placeholder 3"/>
           <p:cNvSpPr txBox="1"/>
           <p:nvPr/>
         </p:nvSpPr>
         <p:spPr>
           <a:xfrm>
-            <a:off x="431999" y="6508918"/>
-            <a:ext cx="5664001" cy="156866"/>
+            <a:off x="431998" y="6508918"/>
+            <a:ext cx="5664003" cy="156866"/>
           </a:xfrm>
           <a:prstGeom prst="rect">
             <a:avLst/>
@@ -10774,10 +10716,6 @@
                 <a:solidFill>
                   <a:srgbClr val="404040"/>
                 </a:solidFill>
-                <a:latin typeface="+mn-lt"/>
-                <a:ea typeface="+mn-ea"/>
-                <a:cs typeface="+mn-cs"/>
-                <a:sym typeface="Calibri"/>
               </a:defRPr>
             </a:lvl1pPr>
           </a:lstStyle>
@@ -10791,7 +10729,7 @@
       </p:sp>
       <p:sp>
         <p:nvSpPr>
-          <p:cNvPr id="355" name="Title 1"/>
+          <p:cNvPr id="353" name="Title 1"/>
           <p:cNvSpPr txBox="1"/>
           <p:nvPr>
             <p:ph type="title"/>
@@ -10800,7 +10738,7 @@
         <p:spPr>
           <a:xfrm>
             <a:off x="431999" y="431999"/>
-            <a:ext cx="11328001" cy="432001"/>
+            <a:ext cx="11328001" cy="432002"/>
           </a:xfrm>
           <a:prstGeom prst="rect">
             <a:avLst/>
@@ -10823,7 +10761,7 @@
       </p:sp>
       <p:sp>
         <p:nvSpPr>
-          <p:cNvPr id="356" name="Content Placeholder 2"/>
+          <p:cNvPr id="354" name="Content Placeholder 2"/>
           <p:cNvSpPr txBox="1"/>
           <p:nvPr>
             <p:ph type="body" sz="quarter" idx="1"/>
@@ -10832,7 +10770,7 @@
         <p:spPr>
           <a:xfrm>
             <a:off x="431999" y="1006799"/>
-            <a:ext cx="11328001" cy="363661"/>
+            <a:ext cx="11328001" cy="363662"/>
           </a:xfrm>
           <a:prstGeom prst="rect">
             <a:avLst/>
@@ -10851,16 +10789,16 @@
       </p:sp>
       <p:sp>
         <p:nvSpPr>
-          <p:cNvPr id="357" name="Slide Number Placeholder 4"/>
+          <p:cNvPr id="355" name="Slide Number Placeholder 4"/>
           <p:cNvSpPr txBox="1"/>
           <p:nvPr>
-            <p:ph type="sldNum" sz="quarter" idx="2"/>
+            <p:ph type="sldNum" sz="quarter" idx="4294967295"/>
           </p:nvPr>
         </p:nvSpPr>
         <p:spPr>
           <a:xfrm>
             <a:off x="11760000" y="6508918"/>
-            <a:ext cx="432001" cy="156866"/>
+            <a:ext cx="432002" cy="156866"/>
           </a:xfrm>
           <a:prstGeom prst="rect">
             <a:avLst/>
@@ -10882,14 +10820,14 @@
       </p:sp>
       <p:sp>
         <p:nvSpPr>
-          <p:cNvPr id="358" name="Content Placeholder 2"/>
+          <p:cNvPr id="356" name="Content Placeholder 2"/>
           <p:cNvSpPr txBox="1"/>
           <p:nvPr/>
         </p:nvSpPr>
         <p:spPr>
           <a:xfrm>
-            <a:off x="431999" y="1370459"/>
-            <a:ext cx="5664001" cy="241649"/>
+            <a:off x="431998" y="1370458"/>
+            <a:ext cx="5664003" cy="241649"/>
           </a:xfrm>
           <a:prstGeom prst="rect">
             <a:avLst/>
@@ -10916,15 +10854,12 @@
                 <a:spcPts val="1000"/>
               </a:spcBef>
               <a:buSzPct val="100000"/>
+              <a:buFont typeface="Calibri"/>
               <a:buChar char="➢"/>
               <a:defRPr>
                 <a:solidFill>
                   <a:srgbClr val="404040"/>
                 </a:solidFill>
-                <a:latin typeface="+mn-lt"/>
-                <a:ea typeface="+mn-ea"/>
-                <a:cs typeface="+mn-cs"/>
-                <a:sym typeface="Calibri"/>
               </a:defRPr>
             </a:lvl1pPr>
           </a:lstStyle>
@@ -10964,14 +10899,14 @@
       </p:grpSpPr>
       <p:sp>
         <p:nvSpPr>
-          <p:cNvPr id="360" name="Footer Placeholder 3"/>
+          <p:cNvPr id="358" name="Footer Placeholder 3"/>
           <p:cNvSpPr txBox="1"/>
           <p:nvPr/>
         </p:nvSpPr>
         <p:spPr>
           <a:xfrm>
-            <a:off x="431999" y="6508918"/>
-            <a:ext cx="5664001" cy="156866"/>
+            <a:off x="431998" y="6508918"/>
+            <a:ext cx="5664003" cy="156866"/>
           </a:xfrm>
           <a:prstGeom prst="rect">
             <a:avLst/>
@@ -10995,10 +10930,6 @@
                 <a:solidFill>
                   <a:srgbClr val="404040"/>
                 </a:solidFill>
-                <a:latin typeface="+mn-lt"/>
-                <a:ea typeface="+mn-ea"/>
-                <a:cs typeface="+mn-cs"/>
-                <a:sym typeface="Calibri"/>
               </a:defRPr>
             </a:lvl1pPr>
           </a:lstStyle>
@@ -11012,7 +10943,7 @@
       </p:sp>
       <p:sp>
         <p:nvSpPr>
-          <p:cNvPr id="361" name="Title 1"/>
+          <p:cNvPr id="359" name="Title 1"/>
           <p:cNvSpPr txBox="1"/>
           <p:nvPr>
             <p:ph type="title"/>
@@ -11021,7 +10952,7 @@
         <p:spPr>
           <a:xfrm>
             <a:off x="431999" y="431999"/>
-            <a:ext cx="11328001" cy="432001"/>
+            <a:ext cx="11328001" cy="432002"/>
           </a:xfrm>
           <a:prstGeom prst="rect">
             <a:avLst/>
@@ -11044,7 +10975,7 @@
       </p:sp>
       <p:sp>
         <p:nvSpPr>
-          <p:cNvPr id="362" name="Content Placeholder 2"/>
+          <p:cNvPr id="360" name="Content Placeholder 2"/>
           <p:cNvSpPr txBox="1"/>
           <p:nvPr>
             <p:ph type="body" sz="quarter" idx="1"/>
@@ -11053,7 +10984,7 @@
         <p:spPr>
           <a:xfrm>
             <a:off x="431999" y="1006799"/>
-            <a:ext cx="11328001" cy="363661"/>
+            <a:ext cx="11328001" cy="363662"/>
           </a:xfrm>
           <a:prstGeom prst="rect">
             <a:avLst/>
@@ -11072,16 +11003,16 @@
       </p:sp>
       <p:sp>
         <p:nvSpPr>
-          <p:cNvPr id="363" name="Slide Number Placeholder 4"/>
+          <p:cNvPr id="361" name="Slide Number Placeholder 4"/>
           <p:cNvSpPr txBox="1"/>
           <p:nvPr>
-            <p:ph type="sldNum" sz="quarter" idx="2"/>
+            <p:ph type="sldNum" sz="quarter" idx="4294967295"/>
           </p:nvPr>
         </p:nvSpPr>
         <p:spPr>
           <a:xfrm>
             <a:off x="11760000" y="6508918"/>
-            <a:ext cx="432001" cy="156866"/>
+            <a:ext cx="432002" cy="156866"/>
           </a:xfrm>
           <a:prstGeom prst="rect">
             <a:avLst/>
@@ -11103,14 +11034,14 @@
       </p:sp>
       <p:sp>
         <p:nvSpPr>
-          <p:cNvPr id="364" name="Content Placeholder 2"/>
+          <p:cNvPr id="362" name="Content Placeholder 2"/>
           <p:cNvSpPr txBox="1"/>
           <p:nvPr/>
         </p:nvSpPr>
         <p:spPr>
           <a:xfrm>
-            <a:off x="431999" y="1370459"/>
-            <a:ext cx="5664001" cy="241649"/>
+            <a:off x="431998" y="1370458"/>
+            <a:ext cx="5664003" cy="241649"/>
           </a:xfrm>
           <a:prstGeom prst="rect">
             <a:avLst/>
@@ -11137,15 +11068,12 @@
                 <a:spcPts val="1000"/>
               </a:spcBef>
               <a:buSzPct val="100000"/>
+              <a:buFont typeface="Calibri"/>
               <a:buChar char="➢"/>
               <a:defRPr>
                 <a:solidFill>
                   <a:srgbClr val="404040"/>
                 </a:solidFill>
-                <a:latin typeface="+mn-lt"/>
-                <a:ea typeface="+mn-ea"/>
-                <a:cs typeface="+mn-cs"/>
-                <a:sym typeface="Calibri"/>
               </a:defRPr>
             </a:lvl1pPr>
           </a:lstStyle>
@@ -11159,7 +11087,7 @@
       </p:sp>
       <p:pic>
         <p:nvPicPr>
-          <p:cNvPr id="365" name="Picture 6" descr="Picture 6"/>
+          <p:cNvPr id="363" name="Picture 6" descr="Picture 6"/>
           <p:cNvPicPr>
             <a:picLocks noChangeAspect="1"/>
           </p:cNvPicPr>
@@ -11176,7 +11104,7 @@
         <p:spPr>
           <a:xfrm>
             <a:off x="8333516" y="904666"/>
-            <a:ext cx="3256245" cy="3264770"/>
+            <a:ext cx="3256246" cy="3264771"/>
           </a:xfrm>
           <a:prstGeom prst="rect">
             <a:avLst/>
@@ -11188,7 +11116,7 @@
       </p:pic>
       <p:pic>
         <p:nvPicPr>
-          <p:cNvPr id="366" name="Picture 7" descr="Picture 7"/>
+          <p:cNvPr id="364" name="Picture 7" descr="Picture 7"/>
           <p:cNvPicPr>
             <a:picLocks noChangeAspect="1"/>
           </p:cNvPicPr>
@@ -11204,8 +11132,8 @@
         </p:blipFill>
         <p:spPr>
           <a:xfrm>
-            <a:off x="5819773" y="2088871"/>
-            <a:ext cx="2276476" cy="752476"/>
+            <a:off x="5819773" y="2088870"/>
+            <a:ext cx="2276477" cy="752477"/>
           </a:xfrm>
           <a:prstGeom prst="rect">
             <a:avLst/>
@@ -11217,7 +11145,7 @@
       </p:pic>
       <p:pic>
         <p:nvPicPr>
-          <p:cNvPr id="367" name="Picture 9" descr="Picture 9"/>
+          <p:cNvPr id="365" name="Picture 9" descr="Picture 9"/>
           <p:cNvPicPr>
             <a:picLocks noChangeAspect="1"/>
           </p:cNvPicPr>
@@ -11233,8 +11161,8 @@
         </p:blipFill>
         <p:spPr>
           <a:xfrm>
-            <a:off x="6958011" y="4312234"/>
-            <a:ext cx="1790701" cy="704851"/>
+            <a:off x="6958010" y="4312234"/>
+            <a:ext cx="1790702" cy="704852"/>
           </a:xfrm>
           <a:prstGeom prst="rect">
             <a:avLst/>
@@ -11444,19 +11372,19 @@
     <a:spDef>
       <a:spPr>
         <a:solidFill>
-          <a:srgbClr val="FFFFFF"/>
+          <a:srgbClr val="F2F2F2"/>
         </a:solidFill>
-        <a:ln w="12700" cap="flat">
+        <a:ln w="25400" cap="flat">
           <a:solidFill>
             <a:schemeClr val="accent1"/>
           </a:solidFill>
           <a:prstDash val="solid"/>
-          <a:miter lim="800000"/>
+          <a:round/>
         </a:ln>
         <a:effectLst/>
         <a:sp3d/>
       </a:spPr>
-      <a:bodyPr rot="0" spcFirstLastPara="1" vertOverflow="overflow" horzOverflow="overflow" vert="horz" wrap="square" lIns="45719" tIns="45719" rIns="45719" bIns="45719" numCol="1" spcCol="38100" rtlCol="0" anchor="ctr" upright="0">
+      <a:bodyPr rot="0" spcFirstLastPara="1" vertOverflow="overflow" horzOverflow="overflow" vert="horz" wrap="square" lIns="45718" tIns="45718" rIns="45718" bIns="45718" numCol="1" spcCol="38100" rtlCol="0" anchor="ctr" upright="0">
         <a:spAutoFit/>
       </a:bodyPr>
       <a:lstStyle>
@@ -11484,10 +11412,10 @@
             </a:solidFill>
             <a:effectLst/>
             <a:uFillTx/>
-            <a:latin typeface="Candara"/>
-            <a:ea typeface="Candara"/>
-            <a:cs typeface="Candara"/>
-            <a:sym typeface="Candara"/>
+            <a:latin typeface="+mn-lt"/>
+            <a:ea typeface="+mn-ea"/>
+            <a:cs typeface="+mn-cs"/>
+            <a:sym typeface="Calibri"/>
           </a:defRPr>
         </a:defPPr>
         <a:lvl1pPr marL="0" marR="0" indent="0" algn="l" defTabSz="914400" rtl="0" fontAlgn="auto" latinLnBrk="1" hangingPunct="0">
@@ -11735,12 +11663,12 @@
     <a:lnDef>
       <a:spPr>
         <a:noFill/>
-        <a:ln w="12700" cap="flat">
+        <a:ln w="25400" cap="flat">
           <a:solidFill>
             <a:schemeClr val="accent1"/>
           </a:solidFill>
           <a:prstDash val="solid"/>
-          <a:miter lim="800000"/>
+          <a:round/>
         </a:ln>
         <a:effectLst/>
         <a:sp3d/>
@@ -12027,7 +11955,7 @@
         <a:effectLst/>
         <a:sp3d/>
       </a:spPr>
-      <a:bodyPr rot="0" spcFirstLastPara="1" vertOverflow="overflow" horzOverflow="overflow" vert="horz" wrap="square" lIns="45719" tIns="45719" rIns="45719" bIns="45719" numCol="1" spcCol="38100" rtlCol="0" anchor="t" upright="0">
+      <a:bodyPr rot="0" spcFirstLastPara="1" vertOverflow="overflow" horzOverflow="overflow" vert="horz" wrap="square" lIns="45718" tIns="45718" rIns="45718" bIns="45718" numCol="1" spcCol="38100" rtlCol="0" anchor="t" upright="0">
         <a:spAutoFit/>
       </a:bodyPr>
       <a:lstStyle>
@@ -12055,10 +11983,10 @@
             </a:solidFill>
             <a:effectLst/>
             <a:uFillTx/>
-            <a:latin typeface="Candara"/>
-            <a:ea typeface="Candara"/>
-            <a:cs typeface="Candara"/>
-            <a:sym typeface="Candara"/>
+            <a:latin typeface="+mn-lt"/>
+            <a:ea typeface="+mn-ea"/>
+            <a:cs typeface="+mn-cs"/>
+            <a:sym typeface="Calibri"/>
           </a:defRPr>
         </a:defPPr>
         <a:lvl1pPr marL="0" marR="0" indent="0" algn="l" defTabSz="914400" rtl="0" fontAlgn="auto" latinLnBrk="1" hangingPunct="0">
@@ -12498,19 +12426,19 @@
     <a:spDef>
       <a:spPr>
         <a:solidFill>
-          <a:srgbClr val="FFFFFF"/>
+          <a:srgbClr val="F2F2F2"/>
         </a:solidFill>
-        <a:ln w="12700" cap="flat">
+        <a:ln w="25400" cap="flat">
           <a:solidFill>
             <a:schemeClr val="accent1"/>
           </a:solidFill>
           <a:prstDash val="solid"/>
-          <a:miter lim="800000"/>
+          <a:round/>
         </a:ln>
         <a:effectLst/>
         <a:sp3d/>
       </a:spPr>
-      <a:bodyPr rot="0" spcFirstLastPara="1" vertOverflow="overflow" horzOverflow="overflow" vert="horz" wrap="square" lIns="45719" tIns="45719" rIns="45719" bIns="45719" numCol="1" spcCol="38100" rtlCol="0" anchor="ctr" upright="0">
+      <a:bodyPr rot="0" spcFirstLastPara="1" vertOverflow="overflow" horzOverflow="overflow" vert="horz" wrap="square" lIns="45718" tIns="45718" rIns="45718" bIns="45718" numCol="1" spcCol="38100" rtlCol="0" anchor="ctr" upright="0">
         <a:spAutoFit/>
       </a:bodyPr>
       <a:lstStyle>
@@ -12538,10 +12466,10 @@
             </a:solidFill>
             <a:effectLst/>
             <a:uFillTx/>
-            <a:latin typeface="Candara"/>
-            <a:ea typeface="Candara"/>
-            <a:cs typeface="Candara"/>
-            <a:sym typeface="Candara"/>
+            <a:latin typeface="+mn-lt"/>
+            <a:ea typeface="+mn-ea"/>
+            <a:cs typeface="+mn-cs"/>
+            <a:sym typeface="Calibri"/>
           </a:defRPr>
         </a:defPPr>
         <a:lvl1pPr marL="0" marR="0" indent="0" algn="l" defTabSz="914400" rtl="0" fontAlgn="auto" latinLnBrk="1" hangingPunct="0">
@@ -12789,12 +12717,12 @@
     <a:lnDef>
       <a:spPr>
         <a:noFill/>
-        <a:ln w="12700" cap="flat">
+        <a:ln w="25400" cap="flat">
           <a:solidFill>
             <a:schemeClr val="accent1"/>
           </a:solidFill>
           <a:prstDash val="solid"/>
-          <a:miter lim="800000"/>
+          <a:round/>
         </a:ln>
         <a:effectLst/>
         <a:sp3d/>
@@ -13081,7 +13009,7 @@
         <a:effectLst/>
         <a:sp3d/>
       </a:spPr>
-      <a:bodyPr rot="0" spcFirstLastPara="1" vertOverflow="overflow" horzOverflow="overflow" vert="horz" wrap="square" lIns="45719" tIns="45719" rIns="45719" bIns="45719" numCol="1" spcCol="38100" rtlCol="0" anchor="t" upright="0">
+      <a:bodyPr rot="0" spcFirstLastPara="1" vertOverflow="overflow" horzOverflow="overflow" vert="horz" wrap="square" lIns="45718" tIns="45718" rIns="45718" bIns="45718" numCol="1" spcCol="38100" rtlCol="0" anchor="t" upright="0">
         <a:spAutoFit/>
       </a:bodyPr>
       <a:lstStyle>
@@ -13109,10 +13037,10 @@
             </a:solidFill>
             <a:effectLst/>
             <a:uFillTx/>
-            <a:latin typeface="Candara"/>
-            <a:ea typeface="Candara"/>
-            <a:cs typeface="Candara"/>
-            <a:sym typeface="Candara"/>
+            <a:latin typeface="+mn-lt"/>
+            <a:ea typeface="+mn-ea"/>
+            <a:cs typeface="+mn-cs"/>
+            <a:sym typeface="Calibri"/>
           </a:defRPr>
         </a:defPPr>
         <a:lvl1pPr marL="0" marR="0" indent="0" algn="l" defTabSz="914400" rtl="0" fontAlgn="auto" latinLnBrk="1" hangingPunct="0">
